--- a/Final Presentation.pptx
+++ b/Final Presentation.pptx
@@ -2,39 +2,41 @@
 <file path=ppt/presentation.xml><?xml version="1.0" encoding="utf-8"?>
 <p:presentation xmlns:a="http://schemas.openxmlformats.org/drawingml/2006/main" xmlns:r="http://schemas.openxmlformats.org/officeDocument/2006/relationships" xmlns:mc="http://schemas.openxmlformats.org/markup-compatibility/2006" xmlns:mv="urn:schemas-microsoft-com:mac:vml" xmlns:p="http://schemas.openxmlformats.org/presentationml/2006/main" xmlns:c="http://schemas.openxmlformats.org/drawingml/2006/chart" xmlns:dgm="http://schemas.openxmlformats.org/drawingml/2006/diagram" xmlns:o="urn:schemas-microsoft-com:office:office" xmlns:v="urn:schemas-microsoft-com:vml" xmlns:pvml="urn:schemas-microsoft-com:office:powerpoint" xmlns:com="http://schemas.openxmlformats.org/drawingml/2006/compatibility" xmlns:p14="http://schemas.microsoft.com/office/powerpoint/2010/main" xmlns:p15="http://schemas.microsoft.com/office/powerpoint/2012/main" xmlns:ahyp="http://schemas.microsoft.com/office/drawing/2018/hyperlinkcolor" autoCompressPictures="0" embedTrueTypeFonts="1" strictFirstAndLastChars="0" saveSubsetFonts="1">
   <p:sldMasterIdLst>
-    <p:sldMasterId id="2147483661" r:id="rId4"/>
+    <p:sldMasterId id="2147483661" r:id="rId5"/>
   </p:sldMasterIdLst>
   <p:notesMasterIdLst>
-    <p:notesMasterId r:id="rId5"/>
+    <p:notesMasterId r:id="rId6"/>
   </p:notesMasterIdLst>
   <p:sldIdLst>
-    <p:sldId id="256" r:id="rId6"/>
-    <p:sldId id="257" r:id="rId7"/>
-    <p:sldId id="258" r:id="rId8"/>
-    <p:sldId id="259" r:id="rId9"/>
-    <p:sldId id="260" r:id="rId10"/>
-    <p:sldId id="261" r:id="rId11"/>
-    <p:sldId id="262" r:id="rId12"/>
-    <p:sldId id="263" r:id="rId13"/>
-    <p:sldId id="264" r:id="rId14"/>
-    <p:sldId id="265" r:id="rId15"/>
+    <p:sldId id="256" r:id="rId7"/>
+    <p:sldId id="257" r:id="rId8"/>
+    <p:sldId id="258" r:id="rId9"/>
+    <p:sldId id="259" r:id="rId10"/>
+    <p:sldId id="260" r:id="rId11"/>
+    <p:sldId id="261" r:id="rId12"/>
+    <p:sldId id="262" r:id="rId13"/>
+    <p:sldId id="263" r:id="rId14"/>
+    <p:sldId id="264" r:id="rId15"/>
+    <p:sldId id="265" r:id="rId16"/>
+    <p:sldId id="266" r:id="rId17"/>
+    <p:sldId id="267" r:id="rId18"/>
   </p:sldIdLst>
   <p:sldSz cy="5143500" cx="9144000"/>
   <p:notesSz cx="6858000" cy="9144000"/>
   <p:embeddedFontLst>
     <p:embeddedFont>
       <p:font typeface="Montserrat"/>
-      <p:regular r:id="rId16"/>
-      <p:bold r:id="rId17"/>
-      <p:italic r:id="rId18"/>
-      <p:boldItalic r:id="rId19"/>
+      <p:regular r:id="rId19"/>
+      <p:bold r:id="rId20"/>
+      <p:italic r:id="rId21"/>
+      <p:boldItalic r:id="rId22"/>
     </p:embeddedFont>
     <p:embeddedFont>
       <p:font typeface="Karla"/>
-      <p:regular r:id="rId20"/>
-      <p:bold r:id="rId21"/>
-      <p:italic r:id="rId22"/>
-      <p:boldItalic r:id="rId23"/>
+      <p:regular r:id="rId23"/>
+      <p:bold r:id="rId24"/>
+      <p:italic r:id="rId25"/>
+      <p:boldItalic r:id="rId26"/>
     </p:embeddedFont>
   </p:embeddedFontLst>
   <p:defaultTextStyle>
@@ -815,7 +817,7 @@
   <p:cSld>
     <p:spTree>
       <p:nvGrpSpPr>
-        <p:cNvPr id="143" name="Shape 143"/>
+        <p:cNvPr id="162" name="Shape 162"/>
         <p:cNvGrpSpPr/>
         <p:nvPr/>
       </p:nvGrpSpPr>
@@ -829,7 +831,7 @@
       </p:grpSpPr>
       <p:sp>
         <p:nvSpPr>
-          <p:cNvPr id="144" name="Google Shape;144;gd0270a8d01_0_23:notes"/>
+          <p:cNvPr id="163" name="Google Shape;163;gd11d8abf40_0_12:notes"/>
           <p:cNvSpPr/>
           <p:nvPr>
             <p:ph idx="2" type="sldImg"/>
@@ -864,7 +866,7 @@
       </p:sp>
       <p:sp>
         <p:nvSpPr>
-          <p:cNvPr id="145" name="Google Shape;145;gd0270a8d01_0_23:notes"/>
+          <p:cNvPr id="164" name="Google Shape;164;gd11d8abf40_0_12:notes"/>
           <p:cNvSpPr txBox="1"/>
           <p:nvPr>
             <p:ph idx="1" type="body"/>
@@ -897,6 +899,107 @@
             </a:pPr>
             <a:r>
               <a:rPr lang="en"/>
+              <a:t>Cluster angles by pose with K-means to make up the bank of vocabulary poses</a:t>
+            </a:r>
+            <a:endParaRPr/>
+          </a:p>
+        </p:txBody>
+      </p:sp>
+    </p:spTree>
+  </p:cSld>
+  <p:clrMapOvr>
+    <a:masterClrMapping/>
+  </p:clrMapOvr>
+</p:notes>
+</file>
+
+<file path=ppt/notesSlides/notesSlide11.xml><?xml version="1.0" encoding="utf-8"?>
+<p:notes xmlns:a="http://schemas.openxmlformats.org/drawingml/2006/main" xmlns:r="http://schemas.openxmlformats.org/officeDocument/2006/relationships" xmlns:mc="http://schemas.openxmlformats.org/markup-compatibility/2006" xmlns:mv="urn:schemas-microsoft-com:mac:vml" xmlns:p="http://schemas.openxmlformats.org/presentationml/2006/main" xmlns:c="http://schemas.openxmlformats.org/drawingml/2006/chart" xmlns:dgm="http://schemas.openxmlformats.org/drawingml/2006/diagram" xmlns:o="urn:schemas-microsoft-com:office:office" xmlns:v="urn:schemas-microsoft-com:vml" xmlns:pvml="urn:schemas-microsoft-com:office:powerpoint" xmlns:com="http://schemas.openxmlformats.org/drawingml/2006/compatibility" xmlns:p14="http://schemas.microsoft.com/office/powerpoint/2010/main" xmlns:p15="http://schemas.microsoft.com/office/powerpoint/2012/main" xmlns:ahyp="http://schemas.microsoft.com/office/drawing/2018/hyperlinkcolor" showMasterPhAnim="0" showMasterSp="0">
+  <p:cSld>
+    <p:spTree>
+      <p:nvGrpSpPr>
+        <p:cNvPr id="172" name="Shape 172"/>
+        <p:cNvGrpSpPr/>
+        <p:nvPr/>
+      </p:nvGrpSpPr>
+      <p:grpSpPr>
+        <a:xfrm>
+          <a:off x="0" y="0"/>
+          <a:ext cx="0" cy="0"/>
+          <a:chOff x="0" y="0"/>
+          <a:chExt cx="0" cy="0"/>
+        </a:xfrm>
+      </p:grpSpPr>
+      <p:sp>
+        <p:nvSpPr>
+          <p:cNvPr id="173" name="Google Shape;173;gd0270a8d01_0_8:notes"/>
+          <p:cNvSpPr/>
+          <p:nvPr>
+            <p:ph idx="2" type="sldImg"/>
+          </p:nvPr>
+        </p:nvSpPr>
+        <p:spPr>
+          <a:xfrm>
+            <a:off x="381300" y="685800"/>
+            <a:ext cx="6096000" cy="3429000"/>
+          </a:xfrm>
+          <a:custGeom>
+            <a:rect b="b" l="l" r="r" t="t"/>
+            <a:pathLst>
+              <a:path extrusionOk="0" h="120000" w="120000">
+                <a:moveTo>
+                  <a:pt x="0" y="0"/>
+                </a:moveTo>
+                <a:lnTo>
+                  <a:pt x="120000" y="0"/>
+                </a:lnTo>
+                <a:lnTo>
+                  <a:pt x="120000" y="120000"/>
+                </a:lnTo>
+                <a:lnTo>
+                  <a:pt x="0" y="120000"/>
+                </a:lnTo>
+                <a:close/>
+              </a:path>
+            </a:pathLst>
+          </a:custGeom>
+        </p:spPr>
+      </p:sp>
+      <p:sp>
+        <p:nvSpPr>
+          <p:cNvPr id="174" name="Google Shape;174;gd0270a8d01_0_8:notes"/>
+          <p:cNvSpPr txBox="1"/>
+          <p:nvPr>
+            <p:ph idx="1" type="body"/>
+          </p:nvPr>
+        </p:nvSpPr>
+        <p:spPr>
+          <a:xfrm>
+            <a:off x="685800" y="4343400"/>
+            <a:ext cx="5486400" cy="4114800"/>
+          </a:xfrm>
+          <a:prstGeom prst="rect">
+            <a:avLst/>
+          </a:prstGeom>
+        </p:spPr>
+        <p:txBody>
+          <a:bodyPr anchorCtr="0" anchor="t" bIns="91425" lIns="91425" spcFirstLastPara="1" rIns="91425" wrap="square" tIns="91425">
+            <a:noAutofit/>
+          </a:bodyPr>
+          <a:lstStyle/>
+          <a:p>
+            <a:pPr indent="-298450" lvl="0" marL="457200" rtl="0" algn="l">
+              <a:spcBef>
+                <a:spcPts val="0"/>
+              </a:spcBef>
+              <a:spcAft>
+                <a:spcPts val="0"/>
+              </a:spcAft>
+              <a:buSzPts val="1100"/>
+              <a:buChar char="-"/>
+            </a:pPr>
+            <a:r>
+              <a:rPr lang="en"/>
               <a:t>Use DTW to align the series appropriately.</a:t>
             </a:r>
             <a:endParaRPr/>
@@ -918,6 +1021,90 @@
             </a:r>
             <a:endParaRPr/>
           </a:p>
+        </p:txBody>
+      </p:sp>
+    </p:spTree>
+  </p:cSld>
+  <p:clrMapOvr>
+    <a:masterClrMapping/>
+  </p:clrMapOvr>
+</p:notes>
+</file>
+
+<file path=ppt/notesSlides/notesSlide12.xml><?xml version="1.0" encoding="utf-8"?>
+<p:notes xmlns:a="http://schemas.openxmlformats.org/drawingml/2006/main" xmlns:r="http://schemas.openxmlformats.org/officeDocument/2006/relationships" xmlns:mc="http://schemas.openxmlformats.org/markup-compatibility/2006" xmlns:mv="urn:schemas-microsoft-com:mac:vml" xmlns:p="http://schemas.openxmlformats.org/presentationml/2006/main" xmlns:c="http://schemas.openxmlformats.org/drawingml/2006/chart" xmlns:dgm="http://schemas.openxmlformats.org/drawingml/2006/diagram" xmlns:o="urn:schemas-microsoft-com:office:office" xmlns:v="urn:schemas-microsoft-com:vml" xmlns:pvml="urn:schemas-microsoft-com:office:powerpoint" xmlns:com="http://schemas.openxmlformats.org/drawingml/2006/compatibility" xmlns:p14="http://schemas.microsoft.com/office/powerpoint/2010/main" xmlns:p15="http://schemas.microsoft.com/office/powerpoint/2012/main" xmlns:ahyp="http://schemas.microsoft.com/office/drawing/2018/hyperlinkcolor" showMasterPhAnim="0" showMasterSp="0">
+  <p:cSld>
+    <p:spTree>
+      <p:nvGrpSpPr>
+        <p:cNvPr id="181" name="Shape 181"/>
+        <p:cNvGrpSpPr/>
+        <p:nvPr/>
+      </p:nvGrpSpPr>
+      <p:grpSpPr>
+        <a:xfrm>
+          <a:off x="0" y="0"/>
+          <a:ext cx="0" cy="0"/>
+          <a:chOff x="0" y="0"/>
+          <a:chExt cx="0" cy="0"/>
+        </a:xfrm>
+      </p:grpSpPr>
+      <p:sp>
+        <p:nvSpPr>
+          <p:cNvPr id="182" name="Google Shape;182;gd0270a8d01_0_23:notes"/>
+          <p:cNvSpPr/>
+          <p:nvPr>
+            <p:ph idx="2" type="sldImg"/>
+          </p:nvPr>
+        </p:nvSpPr>
+        <p:spPr>
+          <a:xfrm>
+            <a:off x="381300" y="685800"/>
+            <a:ext cx="6096000" cy="3429000"/>
+          </a:xfrm>
+          <a:custGeom>
+            <a:rect b="b" l="l" r="r" t="t"/>
+            <a:pathLst>
+              <a:path extrusionOk="0" h="120000" w="120000">
+                <a:moveTo>
+                  <a:pt x="0" y="0"/>
+                </a:moveTo>
+                <a:lnTo>
+                  <a:pt x="120000" y="0"/>
+                </a:lnTo>
+                <a:lnTo>
+                  <a:pt x="120000" y="120000"/>
+                </a:lnTo>
+                <a:lnTo>
+                  <a:pt x="0" y="120000"/>
+                </a:lnTo>
+                <a:close/>
+              </a:path>
+            </a:pathLst>
+          </a:custGeom>
+        </p:spPr>
+      </p:sp>
+      <p:sp>
+        <p:nvSpPr>
+          <p:cNvPr id="183" name="Google Shape;183;gd0270a8d01_0_23:notes"/>
+          <p:cNvSpPr txBox="1"/>
+          <p:nvPr>
+            <p:ph idx="1" type="body"/>
+          </p:nvPr>
+        </p:nvSpPr>
+        <p:spPr>
+          <a:xfrm>
+            <a:off x="685800" y="4343400"/>
+            <a:ext cx="5486400" cy="4114800"/>
+          </a:xfrm>
+          <a:prstGeom prst="rect">
+            <a:avLst/>
+          </a:prstGeom>
+        </p:spPr>
+        <p:txBody>
+          <a:bodyPr anchorCtr="0" anchor="t" bIns="91425" lIns="91425" spcFirstLastPara="1" rIns="91425" wrap="square" tIns="91425">
+            <a:noAutofit/>
+          </a:bodyPr>
+          <a:lstStyle/>
           <a:p>
             <a:pPr indent="-298450" lvl="0" marL="457200" rtl="0" algn="l">
               <a:spcBef>
@@ -931,9 +1118,79 @@
             </a:pPr>
             <a:r>
               <a:rPr lang="en"/>
-              <a:t>I hope to implement these last two modules within the next two months, and get back to you all with the results.</a:t>
+              <a:t>Use slower video. One aspect where I noticed VideoPose3D had difficulty was if the athlete executed the move too quickly and for a moment, for a couple of frames, the image was blurred, then the algorithm can no longer detect the joints in the user’s system. If it can’t detect the joints, it can’t identify the angles between the joints, and the system’s accuracy drops dramatically from there</a:t>
             </a:r>
             <a:endParaRPr/>
+          </a:p>
+          <a:p>
+            <a:pPr indent="-298450" lvl="0" marL="457200" rtl="0" algn="l">
+              <a:spcBef>
+                <a:spcPts val="0"/>
+              </a:spcBef>
+              <a:spcAft>
+                <a:spcPts val="0"/>
+              </a:spcAft>
+              <a:buSzPts val="1100"/>
+              <a:buChar char="-"/>
+            </a:pPr>
+            <a:r>
+              <a:rPr lang="en"/>
+              <a:t>Different angles</a:t>
+            </a:r>
+            <a:endParaRPr/>
+          </a:p>
+          <a:p>
+            <a:pPr indent="-298450" lvl="0" marL="457200" rtl="0" algn="l">
+              <a:spcBef>
+                <a:spcPts val="0"/>
+              </a:spcBef>
+              <a:spcAft>
+                <a:spcPts val="0"/>
+              </a:spcAft>
+              <a:buSzPts val="1100"/>
+              <a:buChar char="-"/>
+            </a:pPr>
+            <a:r>
+              <a:rPr lang="en">
+                <a:solidFill>
+                  <a:schemeClr val="dk1"/>
+                </a:solidFill>
+              </a:rPr>
+              <a:t>Use another skelton recognition module. This module was actually a contender for this system initially, but due time constraints and the intensiveness of calibration needed to generate 3D coordinates, I opted for VideoPose3D</a:t>
+            </a:r>
+            <a:endParaRPr>
+              <a:solidFill>
+                <a:schemeClr val="dk1"/>
+              </a:solidFill>
+            </a:endParaRPr>
+          </a:p>
+          <a:p>
+            <a:pPr indent="-298450" lvl="0" marL="457200" rtl="0" algn="l">
+              <a:spcBef>
+                <a:spcPts val="0"/>
+              </a:spcBef>
+              <a:spcAft>
+                <a:spcPts val="0"/>
+              </a:spcAft>
+              <a:buClr>
+                <a:schemeClr val="dk1"/>
+              </a:buClr>
+              <a:buSzPts val="1100"/>
+              <a:buChar char="-"/>
+            </a:pPr>
+            <a:r>
+              <a:rPr lang="en">
+                <a:solidFill>
+                  <a:schemeClr val="dk1"/>
+                </a:solidFill>
+              </a:rPr>
+              <a:t>Optimize classification algorithms, B&amp;T’s uses SVMs instead of KNN</a:t>
+            </a:r>
+            <a:endParaRPr>
+              <a:solidFill>
+                <a:schemeClr val="dk1"/>
+              </a:solidFill>
+            </a:endParaRPr>
           </a:p>
         </p:txBody>
       </p:sp>
@@ -1070,7 +1327,7 @@
             </a:pPr>
             <a:r>
               <a:rPr lang="en"/>
-              <a:t>However, expanding on the foundational work developed by Neha Bagalkot and Sophia Wang (TJHSST ‘20) in the Computer Systems Lab last year, I plan to create a system to recognize and evaluate taekwondo moves with the more accessible phone camera using Carnegie Mellon University’s OpenPose library return 2D coordinates from a single camera view.</a:t>
+              <a:t>However, expanding on the foundational work developed by Neha Bagalkot and Sophia Wang (TJHSST ‘20) in the Computer Systems Lab last year, I plan to create a system to recognize and evaluate taekwondo moves with the more accessible phone camera from a single source.</a:t>
             </a:r>
             <a:endParaRPr/>
           </a:p>
@@ -1186,7 +1443,7 @@
             </a:pPr>
             <a:r>
               <a:rPr lang="en"/>
-              <a:t>This project is largely based off Bianco &amp; Tisato’s 2013 article “Karate Moves Recognition from Skeletal Motion” which outlines the following 4 main modules</a:t>
+              <a:t>This project is largely based off Bianco &amp; Tisato’s 2013 article “Karate Moves Recognition from Skeletal Motion” which outlines the following 3 main modules that a video would go through in order to be classified and evaluated.</a:t>
             </a:r>
             <a:endParaRPr/>
           </a:p>
@@ -1254,7 +1511,7 @@
             </a:pPr>
             <a:r>
               <a:rPr lang="en"/>
-              <a:t>The scoring module computes the similarity between two aligned sequences; it can be used both to recognize which move has been performed and to evaluate the effectiveness of the move itself.</a:t>
+              <a:t>The scoring module computes the similarity between two aligned sequences; it can be used to evaluate the effectiveness of the move itself.</a:t>
             </a:r>
             <a:endParaRPr/>
           </a:p>
@@ -1287,7 +1544,7 @@
       </p:grpSpPr>
       <p:sp>
         <p:nvSpPr>
-          <p:cNvPr id="97" name="Google Shape;97;gb30ecd3d29_0_0:notes"/>
+          <p:cNvPr id="97" name="Google Shape;97;gd11d8abf40_0_24:notes"/>
           <p:cNvSpPr/>
           <p:nvPr>
             <p:ph idx="2" type="sldImg"/>
@@ -1322,7 +1579,7 @@
       </p:sp>
       <p:sp>
         <p:nvSpPr>
-          <p:cNvPr id="98" name="Google Shape;98;gb30ecd3d29_0_0:notes"/>
+          <p:cNvPr id="98" name="Google Shape;98;gd11d8abf40_0_24:notes"/>
           <p:cNvSpPr txBox="1"/>
           <p:nvPr>
             <p:ph idx="1" type="body"/>
@@ -1350,14 +1607,49 @@
               <a:spcAft>
                 <a:spcPts val="0"/>
               </a:spcAft>
+              <a:buClr>
+                <a:schemeClr val="dk1"/>
+              </a:buClr>
               <a:buSzPts val="1100"/>
               <a:buChar char="-"/>
             </a:pPr>
             <a:r>
-              <a:rPr lang="en"/>
-              <a:t>In the past few months, I’ve made major progress in implementing the Skeleton Representation module</a:t>
+              <a:rPr lang="en">
+                <a:solidFill>
+                  <a:schemeClr val="dk1"/>
+                </a:solidFill>
+              </a:rPr>
+              <a:t>For a general </a:t>
             </a:r>
-            <a:endParaRPr/>
+            <a:r>
+              <a:rPr lang="en">
+                <a:solidFill>
+                  <a:schemeClr val="dk1"/>
+                </a:solidFill>
+              </a:rPr>
+              <a:t>understanding</a:t>
+            </a:r>
+            <a:r>
+              <a:rPr lang="en">
+                <a:solidFill>
+                  <a:schemeClr val="dk1"/>
+                </a:solidFill>
+              </a:rPr>
+              <a:t> of what these taekwondo moves look like, I’ve taken a page out of Bianco &amp; Tisato’s article. Although they use karate techniques, these moves are analogous to several taekwondo techniques. I’ve placed the abbreviations </a:t>
+            </a:r>
+            <a:r>
+              <a:rPr lang="en">
+                <a:solidFill>
+                  <a:schemeClr val="dk1"/>
+                </a:solidFill>
+              </a:rPr>
+              <a:t>underneath</a:t>
+            </a:r>
+            <a:endParaRPr>
+              <a:solidFill>
+                <a:schemeClr val="dk1"/>
+              </a:solidFill>
+            </a:endParaRPr>
           </a:p>
           <a:p>
             <a:pPr indent="-298450" lvl="0" marL="457200" rtl="0" algn="l">
@@ -1367,48 +1659,25 @@
               <a:spcAft>
                 <a:spcPts val="0"/>
               </a:spcAft>
+              <a:buClr>
+                <a:schemeClr val="dk1"/>
+              </a:buClr>
               <a:buSzPts val="1100"/>
               <a:buChar char="-"/>
             </a:pPr>
             <a:r>
-              <a:rPr lang="en"/>
-              <a:t>I’ve asked my taekwondo instructor, pictured in this video, to take about 25 videos for the left-hand and right-hand side of 2 punches, 3 kicks, and 5 blocks. In addition to the side view pictured here, he’s also taken front views, all which compose the about 900 videos that make up my dataset. At this point, just because it provides the most standardized way to see all the joints from one viewpoint, I’m leaning towards using only the side views.</a:t>
+              <a:rPr lang="en">
+                <a:solidFill>
+                  <a:schemeClr val="dk1"/>
+                </a:solidFill>
+              </a:rPr>
+              <a:t>From the upper left down, we can see analogues of high-block</a:t>
             </a:r>
-            <a:endParaRPr/>
-          </a:p>
-          <a:p>
-            <a:pPr indent="-298450" lvl="0" marL="457200" rtl="0" algn="l">
-              <a:spcBef>
-                <a:spcPts val="0"/>
-              </a:spcBef>
-              <a:spcAft>
-                <a:spcPts val="0"/>
-              </a:spcAft>
-              <a:buSzPts val="1100"/>
-              <a:buChar char="-"/>
-            </a:pPr>
-            <a:r>
-              <a:rPr lang="en"/>
-              <a:t>Once I run this video through the OpenPose software I have running on a Google Colab file, I can create the video pictured to the right, with the joints superimposed. I’ve written generalized data processing to run this procedure automatically. OpenPose also gives me the coordinates of joints, frame by frame, which I then convert into an angles representation. For now, there’s about 13 angles between joints that I’ve chosen to include in my system, for example, the angle at a user’s elbow, but it’s possible that I may include more in the future to refine the model</a:t>
-            </a:r>
-            <a:endParaRPr/>
-          </a:p>
-          <a:p>
-            <a:pPr indent="-298450" lvl="0" marL="457200" rtl="0" algn="l">
-              <a:spcBef>
-                <a:spcPts val="0"/>
-              </a:spcBef>
-              <a:spcAft>
-                <a:spcPts val="0"/>
-              </a:spcAft>
-              <a:buSzPts val="1100"/>
-              <a:buChar char="-"/>
-            </a:pPr>
-            <a:r>
-              <a:rPr lang="en"/>
-              <a:t>One drawback of using OpenPose through Google Colab is that I can’t create an integrated offline GUI where the user can choose a video file on their local machine and have OpenPose render the superimposed video in real time since Google Colab doesn’t support GUIs.</a:t>
-            </a:r>
-            <a:endParaRPr/>
+            <a:endParaRPr>
+              <a:solidFill>
+                <a:schemeClr val="dk1"/>
+              </a:solidFill>
+            </a:endParaRPr>
           </a:p>
         </p:txBody>
       </p:sp>
@@ -1425,7 +1694,7 @@
   <p:cSld>
     <p:spTree>
       <p:nvGrpSpPr>
-        <p:cNvPr id="104" name="Shape 104"/>
+        <p:cNvPr id="116" name="Shape 116"/>
         <p:cNvGrpSpPr/>
         <p:nvPr/>
       </p:nvGrpSpPr>
@@ -1439,7 +1708,7 @@
       </p:grpSpPr>
       <p:sp>
         <p:nvSpPr>
-          <p:cNvPr id="105" name="Google Shape;105;gb30ecd3d29_0_5:notes"/>
+          <p:cNvPr id="117" name="Google Shape;117;gb30ecd3d29_0_0:notes"/>
           <p:cNvSpPr/>
           <p:nvPr>
             <p:ph idx="2" type="sldImg"/>
@@ -1474,7 +1743,7 @@
       </p:sp>
       <p:sp>
         <p:nvSpPr>
-          <p:cNvPr id="106" name="Google Shape;106;gb30ecd3d29_0_5:notes"/>
+          <p:cNvPr id="118" name="Google Shape;118;gb30ecd3d29_0_0:notes"/>
           <p:cNvSpPr txBox="1"/>
           <p:nvPr>
             <p:ph idx="1" type="body"/>
@@ -1507,7 +1776,61 @@
             </a:pPr>
             <a:r>
               <a:rPr lang="en"/>
-              <a:t>Cluster angles by pose with K-means to make up the bank of vocabulary poses</a:t>
+              <a:t>I’ve asked my taekwondo instructor, pictured in this video, to take about 25 videos for the left-hand and right-hand side of 5 blocks, 2 punches, 3 kicks. In addition to the front-facing view pictured here, he’s also taken diagonal-side facing views, all which compose the about 900 videos that make up my training dataset. All of these videos were taken from common, everyday </a:t>
+            </a:r>
+            <a:r>
+              <a:rPr lang="en"/>
+              <a:t>phones</a:t>
+            </a:r>
+            <a:r>
+              <a:rPr lang="en"/>
+              <a:t>.</a:t>
+            </a:r>
+            <a:endParaRPr/>
+          </a:p>
+          <a:p>
+            <a:pPr indent="-298450" lvl="0" marL="457200" rtl="0" algn="l">
+              <a:spcBef>
+                <a:spcPts val="0"/>
+              </a:spcBef>
+              <a:spcAft>
+                <a:spcPts val="0"/>
+              </a:spcAft>
+              <a:buSzPts val="1100"/>
+              <a:buChar char="-"/>
+            </a:pPr>
+            <a:r>
+              <a:rPr lang="en"/>
+              <a:t>Similarly</a:t>
+            </a:r>
+            <a:r>
+              <a:rPr lang="en"/>
+              <a:t>, I took about 3-5 videos for each move to make up about 100 test videos.</a:t>
+            </a:r>
+            <a:endParaRPr/>
+          </a:p>
+          <a:p>
+            <a:pPr indent="-298450" lvl="0" marL="457200" rtl="0" algn="l">
+              <a:spcBef>
+                <a:spcPts val="0"/>
+              </a:spcBef>
+              <a:spcAft>
+                <a:spcPts val="0"/>
+              </a:spcAft>
+              <a:buSzPts val="1100"/>
+              <a:buChar char="-"/>
+            </a:pPr>
+            <a:r>
+              <a:rPr lang="en"/>
+              <a:t>It’s important to note here that while usually video from just one view usually can only generate 2D coordinates of the user’s system, so </a:t>
+            </a:r>
+            <a:r>
+              <a:rPr lang="en"/>
+              <a:t>coordinates</a:t>
+            </a:r>
+            <a:r>
+              <a:rPr lang="en"/>
+              <a:t> along just the x,y plane, I’ve managed to get 3D coordinates with Facebook’s VideoPose3D software.</a:t>
             </a:r>
             <a:endParaRPr/>
           </a:p>
@@ -1526,7 +1849,7 @@
   <p:cSld>
     <p:spTree>
       <p:nvGrpSpPr>
-        <p:cNvPr id="112" name="Shape 112"/>
+        <p:cNvPr id="124" name="Shape 124"/>
         <p:cNvGrpSpPr/>
         <p:nvPr/>
       </p:nvGrpSpPr>
@@ -1540,7 +1863,7 @@
       </p:grpSpPr>
       <p:sp>
         <p:nvSpPr>
-          <p:cNvPr id="113" name="Google Shape;113;gd0270a8d01_0_1:notes"/>
+          <p:cNvPr id="125" name="Google Shape;125;gd556119ee0_0_15:notes"/>
           <p:cNvSpPr/>
           <p:nvPr>
             <p:ph idx="2" type="sldImg"/>
@@ -1575,7 +1898,7 @@
       </p:sp>
       <p:sp>
         <p:nvSpPr>
-          <p:cNvPr id="114" name="Google Shape;114;gd0270a8d01_0_1:notes"/>
+          <p:cNvPr id="126" name="Google Shape;126;gd556119ee0_0_15:notes"/>
           <p:cNvSpPr txBox="1"/>
           <p:nvPr>
             <p:ph idx="1" type="body"/>
@@ -1603,14 +1926,85 @@
               <a:spcAft>
                 <a:spcPts val="0"/>
               </a:spcAft>
+              <a:buClr>
+                <a:schemeClr val="dk1"/>
+              </a:buClr>
               <a:buSzPts val="1100"/>
               <a:buChar char="-"/>
             </a:pPr>
             <a:r>
-              <a:rPr lang="en"/>
-              <a:t>Cluster angles by pose with K-means to make up the bank of vocabulary poses</a:t>
+              <a:rPr lang="en">
+                <a:solidFill>
+                  <a:schemeClr val="dk1"/>
+                </a:solidFill>
+              </a:rPr>
+              <a:t>Once I run this video through the VideoPose3D software I have running on a Google Colab file, I can create the video pictured with the joints superimposed. I’ve written generalized data processing to run this procedure automatically.</a:t>
             </a:r>
-            <a:endParaRPr/>
+            <a:endParaRPr>
+              <a:solidFill>
+                <a:schemeClr val="dk1"/>
+              </a:solidFill>
+            </a:endParaRPr>
+          </a:p>
+          <a:p>
+            <a:pPr indent="-298450" lvl="0" marL="457200" rtl="0" algn="l">
+              <a:spcBef>
+                <a:spcPts val="0"/>
+              </a:spcBef>
+              <a:spcAft>
+                <a:spcPts val="0"/>
+              </a:spcAft>
+              <a:buClr>
+                <a:schemeClr val="dk1"/>
+              </a:buClr>
+              <a:buSzPts val="1100"/>
+              <a:buChar char="-"/>
+            </a:pPr>
+            <a:r>
+              <a:rPr lang="en">
+                <a:solidFill>
+                  <a:schemeClr val="dk1"/>
+                </a:solidFill>
+              </a:rPr>
+              <a:t>It’s important to note here that although 3D extrapolation works reasonably well with middle block out to ins, the </a:t>
+            </a:r>
+            <a:r>
+              <a:rPr lang="en">
+                <a:solidFill>
+                  <a:schemeClr val="dk1"/>
+                </a:solidFill>
+              </a:rPr>
+              <a:t>extrapolation</a:t>
+            </a:r>
+            <a:r>
+              <a:rPr lang="en">
+                <a:solidFill>
+                  <a:schemeClr val="dk1"/>
+                </a:solidFill>
+              </a:rPr>
+              <a:t> accuracy is worse </a:t>
+            </a:r>
+            <a:r>
+              <a:rPr lang="en">
+                <a:solidFill>
+                  <a:schemeClr val="dk1"/>
+                </a:solidFill>
+              </a:rPr>
+              <a:t>with</a:t>
+            </a:r>
+            <a:r>
+              <a:rPr lang="en">
+                <a:solidFill>
+                  <a:schemeClr val="dk1"/>
+                </a:solidFill>
+              </a:rPr>
+              <a:t> more complicated, quickly-executed motion, like kicking techniques.</a:t>
+            </a:r>
+            <a:endParaRPr>
+              <a:solidFill>
+                <a:schemeClr val="dk1"/>
+              </a:solidFill>
+            </a:endParaRPr>
           </a:p>
         </p:txBody>
       </p:sp>
@@ -1627,7 +2021,7 @@
   <p:cSld>
     <p:spTree>
       <p:nvGrpSpPr>
-        <p:cNvPr id="120" name="Shape 120"/>
+        <p:cNvPr id="132" name="Shape 132"/>
         <p:cNvGrpSpPr/>
         <p:nvPr/>
       </p:nvGrpSpPr>
@@ -1641,7 +2035,7 @@
       </p:grpSpPr>
       <p:sp>
         <p:nvSpPr>
-          <p:cNvPr id="121" name="Google Shape;121;gb486b38dca_0_103:notes"/>
+          <p:cNvPr id="133" name="Google Shape;133;gd556119ee0_0_2:notes"/>
           <p:cNvSpPr/>
           <p:nvPr>
             <p:ph idx="2" type="sldImg"/>
@@ -1676,7 +2070,7 @@
       </p:sp>
       <p:sp>
         <p:nvSpPr>
-          <p:cNvPr id="122" name="Google Shape;122;gb486b38dca_0_103:notes"/>
+          <p:cNvPr id="134" name="Google Shape;134;gd556119ee0_0_2:notes"/>
           <p:cNvSpPr txBox="1"/>
           <p:nvPr>
             <p:ph idx="1" type="body"/>
@@ -1704,14 +2098,25 @@
               <a:spcAft>
                 <a:spcPts val="0"/>
               </a:spcAft>
+              <a:buClr>
+                <a:schemeClr val="dk1"/>
+              </a:buClr>
               <a:buSzPts val="1100"/>
               <a:buChar char="-"/>
             </a:pPr>
             <a:r>
-              <a:rPr lang="en"/>
-              <a:t>Use DTW to align the series appropriately.</a:t>
+              <a:rPr lang="en">
+                <a:solidFill>
+                  <a:schemeClr val="dk1"/>
+                </a:solidFill>
+              </a:rPr>
+              <a:t>VideoPose3D uses joints based off the Human 3.6 M Dataset, the 17 joints pictured in the left image</a:t>
             </a:r>
-            <a:endParaRPr/>
+            <a:endParaRPr>
+              <a:solidFill>
+                <a:schemeClr val="dk1"/>
+              </a:solidFill>
+            </a:endParaRPr>
           </a:p>
           <a:p>
             <a:pPr indent="-298450" lvl="0" marL="457200" rtl="0" algn="l">
@@ -1721,31 +2126,25 @@
               <a:spcAft>
                 <a:spcPts val="0"/>
               </a:spcAft>
+              <a:buClr>
+                <a:schemeClr val="dk1"/>
+              </a:buClr>
               <a:buSzPts val="1100"/>
               <a:buChar char="-"/>
             </a:pPr>
             <a:r>
-              <a:rPr lang="en"/>
-              <a:t>For example, say the blue is a sequence of poses for a given move, say a front kick, of the exemplar/master and the red is the same for a user. The user may perform the more quickly than the exemplar, but that doesn’t mean that their technique is incorrect which it would if we scored the sequence with Euclidean matching. With DTW, we match the highs with the highs and the lows with the lows to more accurately evaluate how closely the user’s performance matches the master’s. This similarity score is the basis for the scoring, which is the end of the system.</a:t>
+              <a:rPr lang="en">
+                <a:solidFill>
+                  <a:schemeClr val="dk1"/>
+                </a:solidFill>
+              </a:rPr>
+              <a:t>Because, as you can imagine, the distance between joints may vary from user to user (the length of someone’s arm may be shorter or longer, for example), I take the angles between the joints instead, as you can see from the image on the right, the angle between the elbow, shoulder, and chest.</a:t>
             </a:r>
-            <a:endParaRPr/>
-          </a:p>
-          <a:p>
-            <a:pPr indent="-298450" lvl="0" marL="457200" rtl="0" algn="l">
-              <a:spcBef>
-                <a:spcPts val="0"/>
-              </a:spcBef>
-              <a:spcAft>
-                <a:spcPts val="0"/>
-              </a:spcAft>
-              <a:buSzPts val="1100"/>
-              <a:buChar char="-"/>
-            </a:pPr>
-            <a:r>
-              <a:rPr lang="en"/>
-              <a:t>I hope to implement these last two modules within the next two months, and get back to you all with the results.</a:t>
-            </a:r>
-            <a:endParaRPr/>
+            <a:endParaRPr>
+              <a:solidFill>
+                <a:schemeClr val="dk1"/>
+              </a:solidFill>
+            </a:endParaRPr>
           </a:p>
         </p:txBody>
       </p:sp>
@@ -1762,7 +2161,7 @@
   <p:cSld>
     <p:spTree>
       <p:nvGrpSpPr>
-        <p:cNvPr id="128" name="Shape 128"/>
+        <p:cNvPr id="141" name="Shape 141"/>
         <p:cNvGrpSpPr/>
         <p:nvPr/>
       </p:nvGrpSpPr>
@@ -1776,7 +2175,7 @@
       </p:grpSpPr>
       <p:sp>
         <p:nvSpPr>
-          <p:cNvPr id="129" name="Google Shape;129;gd0270a8d01_0_8:notes"/>
+          <p:cNvPr id="142" name="Google Shape;142;gd11d8abf40_0_48:notes"/>
           <p:cNvSpPr/>
           <p:nvPr>
             <p:ph idx="2" type="sldImg"/>
@@ -1811,7 +2210,7 @@
       </p:sp>
       <p:sp>
         <p:nvSpPr>
-          <p:cNvPr id="130" name="Google Shape;130;gd0270a8d01_0_8:notes"/>
+          <p:cNvPr id="143" name="Google Shape;143;gd11d8abf40_0_48:notes"/>
           <p:cNvSpPr txBox="1"/>
           <p:nvPr>
             <p:ph idx="1" type="body"/>
@@ -1839,14 +2238,25 @@
               <a:spcAft>
                 <a:spcPts val="0"/>
               </a:spcAft>
+              <a:buClr>
+                <a:schemeClr val="dk1"/>
+              </a:buClr>
               <a:buSzPts val="1100"/>
               <a:buChar char="-"/>
             </a:pPr>
             <a:r>
-              <a:rPr lang="en"/>
-              <a:t>Use DTW to align the series appropriately.</a:t>
+              <a:rPr lang="en">
+                <a:solidFill>
+                  <a:srgbClr val="666666"/>
+                </a:solidFill>
+              </a:rPr>
+              <a:t>For now, there’s about 14 angles between joints that I’ve chosen to include in my system, for example, the angle at a user’s elbow, but it’s possible to include more in the future to refine the model. These images are based on the joints identified by Microsoft Kinect sensors, so I drew analogues between this and Human 3.6 M’s joints for my system.</a:t>
             </a:r>
-            <a:endParaRPr/>
+            <a:endParaRPr>
+              <a:solidFill>
+                <a:srgbClr val="666666"/>
+              </a:solidFill>
+            </a:endParaRPr>
           </a:p>
           <a:p>
             <a:pPr indent="-298450" lvl="0" marL="457200" rtl="0" algn="l">
@@ -1856,31 +2266,25 @@
               <a:spcAft>
                 <a:spcPts val="0"/>
               </a:spcAft>
+              <a:buClr>
+                <a:srgbClr val="666666"/>
+              </a:buClr>
               <a:buSzPts val="1100"/>
               <a:buChar char="-"/>
             </a:pPr>
             <a:r>
-              <a:rPr lang="en"/>
-              <a:t>For example, say the blue is a sequence of poses for a given move, say a front kick, of the exemplar/master and the red is the same for a user. The user may perform the more quickly than the exemplar, but that doesn’t mean that their technique is incorrect which it would if we scored the sequence with Euclidean matching. With DTW, we match the highs with the highs and the lows with the lows to more accurately evaluate how closely the user’s performance matches the master’s. This similarity score is the basis for the scoring, which is the end of the system.</a:t>
+              <a:rPr lang="en">
+                <a:solidFill>
+                  <a:srgbClr val="666666"/>
+                </a:solidFill>
+              </a:rPr>
+              <a:t>So, to recap, once a user inputs video of taekwondo technique, the system goes frame by frame and identifies the athlete’s joints, and consequently the angles. This angles representation of a frame is what I call a pose.</a:t>
             </a:r>
-            <a:endParaRPr/>
-          </a:p>
-          <a:p>
-            <a:pPr indent="-298450" lvl="0" marL="457200" rtl="0" algn="l">
-              <a:spcBef>
-                <a:spcPts val="0"/>
-              </a:spcBef>
-              <a:spcAft>
-                <a:spcPts val="0"/>
-              </a:spcAft>
-              <a:buSzPts val="1100"/>
-              <a:buChar char="-"/>
-            </a:pPr>
-            <a:r>
-              <a:rPr lang="en"/>
-              <a:t>I hope to implement these last two modules within the next two months, and get back to you all with the results.</a:t>
-            </a:r>
-            <a:endParaRPr/>
+            <a:endParaRPr>
+              <a:solidFill>
+                <a:srgbClr val="666666"/>
+              </a:solidFill>
+            </a:endParaRPr>
           </a:p>
         </p:txBody>
       </p:sp>
@@ -1897,7 +2301,7 @@
   <p:cSld>
     <p:spTree>
       <p:nvGrpSpPr>
-        <p:cNvPr id="136" name="Shape 136"/>
+        <p:cNvPr id="149" name="Shape 149"/>
         <p:cNvGrpSpPr/>
         <p:nvPr/>
       </p:nvGrpSpPr>
@@ -1911,7 +2315,7 @@
       </p:grpSpPr>
       <p:sp>
         <p:nvSpPr>
-          <p:cNvPr id="137" name="Google Shape;137;gd0270a8d01_0_16:notes"/>
+          <p:cNvPr id="150" name="Google Shape;150;gd0270a8d01_0_1:notes"/>
           <p:cNvSpPr/>
           <p:nvPr>
             <p:ph idx="2" type="sldImg"/>
@@ -1946,7 +2350,7 @@
       </p:sp>
       <p:sp>
         <p:nvSpPr>
-          <p:cNvPr id="138" name="Google Shape;138;gd0270a8d01_0_16:notes"/>
+          <p:cNvPr id="151" name="Google Shape;151;gd0270a8d01_0_1:notes"/>
           <p:cNvSpPr txBox="1"/>
           <p:nvPr>
             <p:ph idx="1" type="body"/>
@@ -1978,10 +2382,18 @@
               <a:buChar char="-"/>
             </a:pPr>
             <a:r>
-              <a:rPr lang="en"/>
-              <a:t>Use DTW to align the series appropriately.</a:t>
+              <a:rPr lang="en">
+                <a:solidFill>
+                  <a:srgbClr val="666666"/>
+                </a:solidFill>
+              </a:rPr>
+              <a:t>In order to get a bank of vocabulary poses for each move, I use a clustering algorithm called K-means. After running K-means on the training set videos, I identify 10 key poses for each hand technique and 12 key poses for each kicking techniques.</a:t>
             </a:r>
-            <a:endParaRPr/>
+            <a:endParaRPr>
+              <a:solidFill>
+                <a:srgbClr val="666666"/>
+              </a:solidFill>
+            </a:endParaRPr>
           </a:p>
           <a:p>
             <a:pPr indent="-298450" lvl="0" marL="457200" rtl="0" algn="l">
@@ -1991,14 +2403,25 @@
               <a:spcAft>
                 <a:spcPts val="0"/>
               </a:spcAft>
+              <a:buClr>
+                <a:srgbClr val="666666"/>
+              </a:buClr>
               <a:buSzPts val="1100"/>
               <a:buChar char="-"/>
             </a:pPr>
             <a:r>
-              <a:rPr lang="en"/>
-              <a:t>For example, say the blue is a sequence of poses for a given move, say a front kick, of the exemplar/master and the red is the same for a user. The user may perform the more quickly than the exemplar, but that doesn’t mean that their technique is incorrect which it would if we scored the sequence with Euclidean matching. With DTW, we match the highs with the highs and the lows with the lows to more accurately evaluate how closely the user’s performance matches the master’s. This similarity score is the basis for the scoring, which is the end of the system.</a:t>
+              <a:rPr lang="en">
+                <a:solidFill>
+                  <a:srgbClr val="666666"/>
+                </a:solidFill>
+              </a:rPr>
+              <a:t>Using K-nearest-neighbors, which finds the closest vocabulary pose for a given pose based on a vote of where its nearest neighbors belong to, the system again puts to vote where its key poses belong to.</a:t>
             </a:r>
-            <a:endParaRPr/>
+            <a:endParaRPr>
+              <a:solidFill>
+                <a:srgbClr val="666666"/>
+              </a:solidFill>
+            </a:endParaRPr>
           </a:p>
           <a:p>
             <a:pPr indent="-298450" lvl="0" marL="457200" rtl="0" algn="l">
@@ -2008,14 +2431,53 @@
               <a:spcAft>
                 <a:spcPts val="0"/>
               </a:spcAft>
+              <a:buClr>
+                <a:srgbClr val="666666"/>
+              </a:buClr>
               <a:buSzPts val="1100"/>
               <a:buChar char="-"/>
             </a:pPr>
             <a:r>
-              <a:rPr lang="en"/>
-              <a:t>I hope to implement these last two modules within the next two months, and get back to you all with the results.</a:t>
+              <a:rPr lang="en">
+                <a:solidFill>
+                  <a:srgbClr val="666666"/>
+                </a:solidFill>
+              </a:rPr>
+              <a:t>So, to recap, after I have an angles representation of all the frames in a video, say of a certain technique but we don’t know which, I take 10 key poses which represent this video and find which vocabulary pose each most closely matches to. Let’s say 7 out of the 10 match the vocabulary poses for middle-block out-to-ins, then the program will classify this video as a middle block out-to-in.</a:t>
             </a:r>
-            <a:endParaRPr/>
+            <a:endParaRPr>
+              <a:solidFill>
+                <a:srgbClr val="666666"/>
+              </a:solidFill>
+            </a:endParaRPr>
+          </a:p>
+          <a:p>
+            <a:pPr indent="-298450" lvl="0" marL="457200" rtl="0" algn="l">
+              <a:spcBef>
+                <a:spcPts val="0"/>
+              </a:spcBef>
+              <a:spcAft>
+                <a:spcPts val="0"/>
+              </a:spcAft>
+              <a:buClr>
+                <a:srgbClr val="666666"/>
+              </a:buClr>
+              <a:buSzPts val="1100"/>
+              <a:buChar char="-"/>
+            </a:pPr>
+            <a:r>
+              <a:rPr lang="en">
+                <a:solidFill>
+                  <a:srgbClr val="666666"/>
+                </a:solidFill>
+              </a:rPr>
+              <a:t>The F1 score, which is a measure for how well the system performs, is demonstrated in the tables here for the following moves.</a:t>
+            </a:r>
+            <a:endParaRPr>
+              <a:solidFill>
+                <a:srgbClr val="666666"/>
+              </a:solidFill>
+            </a:endParaRPr>
           </a:p>
         </p:txBody>
       </p:sp>
@@ -10926,7 +11388,7 @@
   <p:cSld>
     <p:spTree>
       <p:nvGrpSpPr>
-        <p:cNvPr id="146" name="Shape 146"/>
+        <p:cNvPr id="165" name="Shape 165"/>
         <p:cNvGrpSpPr/>
         <p:nvPr/>
       </p:nvGrpSpPr>
@@ -10940,7 +11402,1094 @@
       </p:grpSpPr>
       <p:sp>
         <p:nvSpPr>
-          <p:cNvPr id="147" name="Google Shape;147;p24"/>
+          <p:cNvPr id="166" name="Google Shape;166;p24"/>
+          <p:cNvSpPr txBox="1"/>
+          <p:nvPr>
+            <p:ph type="title"/>
+          </p:nvPr>
+        </p:nvSpPr>
+        <p:spPr>
+          <a:xfrm>
+            <a:off x="118400" y="423475"/>
+            <a:ext cx="6153000" cy="552900"/>
+          </a:xfrm>
+          <a:prstGeom prst="rect">
+            <a:avLst/>
+          </a:prstGeom>
+        </p:spPr>
+        <p:txBody>
+          <a:bodyPr anchorCtr="0" anchor="b" bIns="91425" lIns="91425" spcFirstLastPara="1" rIns="91425" wrap="square" tIns="91425">
+            <a:noAutofit/>
+          </a:bodyPr>
+          <a:lstStyle/>
+          <a:p>
+            <a:pPr indent="0" lvl="0" marL="0" rtl="0" algn="l">
+              <a:spcBef>
+                <a:spcPts val="0"/>
+              </a:spcBef>
+              <a:spcAft>
+                <a:spcPts val="0"/>
+              </a:spcAft>
+              <a:buNone/>
+            </a:pPr>
+            <a:r>
+              <a:rPr lang="en"/>
+              <a:t>Pose Classification: KNN</a:t>
+            </a:r>
+            <a:endParaRPr/>
+          </a:p>
+        </p:txBody>
+      </p:sp>
+      <p:pic>
+        <p:nvPicPr>
+          <p:cNvPr id="167" name="Google Shape;167;p24"/>
+          <p:cNvPicPr preferRelativeResize="0"/>
+          <p:nvPr/>
+        </p:nvPicPr>
+        <p:blipFill rotWithShape="1">
+          <a:blip r:embed="rId3">
+            <a:alphaModFix/>
+          </a:blip>
+          <a:srcRect b="0" l="0" r="0" t="2133"/>
+          <a:stretch/>
+        </p:blipFill>
+        <p:spPr>
+          <a:xfrm>
+            <a:off x="6404500" y="156175"/>
+            <a:ext cx="2667350" cy="884650"/>
+          </a:xfrm>
+          <a:prstGeom prst="rect">
+            <a:avLst/>
+          </a:prstGeom>
+          <a:noFill/>
+          <a:ln>
+            <a:noFill/>
+          </a:ln>
+        </p:spPr>
+      </p:pic>
+      <p:sp>
+        <p:nvSpPr>
+          <p:cNvPr id="168" name="Google Shape;168;p24"/>
+          <p:cNvSpPr/>
+          <p:nvPr/>
+        </p:nvSpPr>
+        <p:spPr>
+          <a:xfrm>
+            <a:off x="7327300" y="543925"/>
+            <a:ext cx="319800" cy="312000"/>
+          </a:xfrm>
+          <a:prstGeom prst="ellipse">
+            <a:avLst/>
+          </a:prstGeom>
+          <a:noFill/>
+          <a:ln cap="flat" cmpd="sng" w="28575">
+            <a:solidFill>
+              <a:srgbClr val="FF0000"/>
+            </a:solidFill>
+            <a:prstDash val="solid"/>
+            <a:round/>
+            <a:headEnd len="sm" w="sm" type="none"/>
+            <a:tailEnd len="sm" w="sm" type="none"/>
+          </a:ln>
+        </p:spPr>
+        <p:txBody>
+          <a:bodyPr anchorCtr="0" anchor="ctr" bIns="91425" lIns="91425" spcFirstLastPara="1" rIns="91425" wrap="square" tIns="91425">
+            <a:noAutofit/>
+          </a:bodyPr>
+          <a:lstStyle/>
+          <a:p>
+            <a:pPr indent="0" lvl="0" marL="0" rtl="0" algn="l">
+              <a:spcBef>
+                <a:spcPts val="0"/>
+              </a:spcBef>
+              <a:spcAft>
+                <a:spcPts val="0"/>
+              </a:spcAft>
+              <a:buNone/>
+            </a:pPr>
+            <a:r>
+              <a:t/>
+            </a:r>
+            <a:endParaRPr/>
+          </a:p>
+        </p:txBody>
+      </p:sp>
+      <p:graphicFrame>
+        <p:nvGraphicFramePr>
+          <p:cNvPr id="169" name="Google Shape;169;p24"/>
+          <p:cNvGraphicFramePr/>
+          <p:nvPr/>
+        </p:nvGraphicFramePr>
+        <p:xfrm>
+          <a:off x="118400" y="2113300"/>
+          <a:ext cx="3000000" cy="3000000"/>
+        </p:xfrm>
+        <a:graphic>
+          <a:graphicData uri="http://schemas.openxmlformats.org/drawingml/2006/table">
+            <a:tbl>
+              <a:tblPr>
+                <a:noFill/>
+                <a:tableStyleId>{EA81736F-43BA-4C1E-AF7E-28D34A1D9D10}</a:tableStyleId>
+              </a:tblPr>
+              <a:tblGrid>
+                <a:gridCol w="1581000"/>
+                <a:gridCol w="2757300"/>
+              </a:tblGrid>
+              <a:tr h="381000">
+                <a:tc>
+                  <a:txBody>
+                    <a:bodyPr/>
+                    <a:lstStyle/>
+                    <a:p>
+                      <a:pPr indent="0" lvl="0" marL="0" rtl="0" algn="l">
+                        <a:spcBef>
+                          <a:spcPts val="0"/>
+                        </a:spcBef>
+                        <a:spcAft>
+                          <a:spcPts val="0"/>
+                        </a:spcAft>
+                        <a:buNone/>
+                      </a:pPr>
+                      <a:r>
+                        <a:rPr i="1" lang="en" sz="2000">
+                          <a:solidFill>
+                            <a:schemeClr val="dk1"/>
+                          </a:solidFill>
+                          <a:latin typeface="Karla"/>
+                          <a:ea typeface="Karla"/>
+                          <a:cs typeface="Karla"/>
+                          <a:sym typeface="Karla"/>
+                        </a:rPr>
+                        <a:t>fk</a:t>
+                      </a:r>
+                      <a:r>
+                        <a:rPr i="1" lang="en" sz="2000">
+                          <a:solidFill>
+                            <a:schemeClr val="dk1"/>
+                          </a:solidFill>
+                          <a:latin typeface="Karla"/>
+                          <a:ea typeface="Karla"/>
+                          <a:cs typeface="Karla"/>
+                          <a:sym typeface="Karla"/>
+                        </a:rPr>
+                        <a:t>_l</a:t>
+                      </a:r>
+                      <a:endParaRPr i="1" sz="2000">
+                        <a:solidFill>
+                          <a:schemeClr val="dk1"/>
+                        </a:solidFill>
+                        <a:latin typeface="Karla"/>
+                        <a:ea typeface="Karla"/>
+                        <a:cs typeface="Karla"/>
+                        <a:sym typeface="Karla"/>
+                      </a:endParaRPr>
+                    </a:p>
+                  </a:txBody>
+                  <a:tcPr marT="91425" marB="91425" marR="91425" marL="91425"/>
+                </a:tc>
+                <a:tc>
+                  <a:txBody>
+                    <a:bodyPr/>
+                    <a:lstStyle/>
+                    <a:p>
+                      <a:pPr indent="0" lvl="0" marL="0" rtl="0" algn="l">
+                        <a:spcBef>
+                          <a:spcPts val="0"/>
+                        </a:spcBef>
+                        <a:spcAft>
+                          <a:spcPts val="0"/>
+                        </a:spcAft>
+                        <a:buNone/>
+                      </a:pPr>
+                      <a:r>
+                        <a:rPr lang="en" sz="2000">
+                          <a:solidFill>
+                            <a:schemeClr val="dk1"/>
+                          </a:solidFill>
+                          <a:latin typeface="Karla"/>
+                          <a:ea typeface="Karla"/>
+                          <a:cs typeface="Karla"/>
+                          <a:sym typeface="Karla"/>
+                        </a:rPr>
+                        <a:t>0.25</a:t>
+                      </a:r>
+                      <a:endParaRPr sz="2000">
+                        <a:solidFill>
+                          <a:schemeClr val="dk1"/>
+                        </a:solidFill>
+                        <a:latin typeface="Karla"/>
+                        <a:ea typeface="Karla"/>
+                        <a:cs typeface="Karla"/>
+                        <a:sym typeface="Karla"/>
+                      </a:endParaRPr>
+                    </a:p>
+                  </a:txBody>
+                  <a:tcPr marT="91425" marB="91425" marR="91425" marL="91425"/>
+                </a:tc>
+              </a:tr>
+              <a:tr h="381000">
+                <a:tc>
+                  <a:txBody>
+                    <a:bodyPr/>
+                    <a:lstStyle/>
+                    <a:p>
+                      <a:pPr indent="0" lvl="0" marL="0" rtl="0" algn="l">
+                        <a:spcBef>
+                          <a:spcPts val="0"/>
+                        </a:spcBef>
+                        <a:spcAft>
+                          <a:spcPts val="0"/>
+                        </a:spcAft>
+                        <a:buNone/>
+                      </a:pPr>
+                      <a:r>
+                        <a:rPr i="1" lang="en" sz="2000">
+                          <a:solidFill>
+                            <a:schemeClr val="dk1"/>
+                          </a:solidFill>
+                          <a:latin typeface="Karla"/>
+                          <a:ea typeface="Karla"/>
+                          <a:cs typeface="Karla"/>
+                          <a:sym typeface="Karla"/>
+                        </a:rPr>
+                        <a:t>rk</a:t>
+                      </a:r>
+                      <a:r>
+                        <a:rPr i="1" lang="en" sz="2000">
+                          <a:solidFill>
+                            <a:schemeClr val="dk1"/>
+                          </a:solidFill>
+                          <a:latin typeface="Karla"/>
+                          <a:ea typeface="Karla"/>
+                          <a:cs typeface="Karla"/>
+                          <a:sym typeface="Karla"/>
+                        </a:rPr>
+                        <a:t>_l</a:t>
+                      </a:r>
+                      <a:endParaRPr i="1" sz="2000">
+                        <a:solidFill>
+                          <a:schemeClr val="dk1"/>
+                        </a:solidFill>
+                        <a:latin typeface="Karla"/>
+                        <a:ea typeface="Karla"/>
+                        <a:cs typeface="Karla"/>
+                        <a:sym typeface="Karla"/>
+                      </a:endParaRPr>
+                    </a:p>
+                  </a:txBody>
+                  <a:tcPr marT="91425" marB="91425" marR="91425" marL="91425"/>
+                </a:tc>
+                <a:tc>
+                  <a:txBody>
+                    <a:bodyPr/>
+                    <a:lstStyle/>
+                    <a:p>
+                      <a:pPr indent="0" lvl="0" marL="0" rtl="0" algn="l">
+                        <a:spcBef>
+                          <a:spcPts val="0"/>
+                        </a:spcBef>
+                        <a:spcAft>
+                          <a:spcPts val="0"/>
+                        </a:spcAft>
+                        <a:buNone/>
+                      </a:pPr>
+                      <a:r>
+                        <a:rPr lang="en" sz="2000">
+                          <a:solidFill>
+                            <a:schemeClr val="dk1"/>
+                          </a:solidFill>
+                          <a:latin typeface="Karla"/>
+                          <a:ea typeface="Karla"/>
+                          <a:cs typeface="Karla"/>
+                          <a:sym typeface="Karla"/>
+                        </a:rPr>
+                        <a:t>NaN</a:t>
+                      </a:r>
+                      <a:endParaRPr sz="2000">
+                        <a:solidFill>
+                          <a:schemeClr val="dk1"/>
+                        </a:solidFill>
+                        <a:latin typeface="Karla"/>
+                        <a:ea typeface="Karla"/>
+                        <a:cs typeface="Karla"/>
+                        <a:sym typeface="Karla"/>
+                      </a:endParaRPr>
+                    </a:p>
+                  </a:txBody>
+                  <a:tcPr marT="91425" marB="91425" marR="91425" marL="91425"/>
+                </a:tc>
+              </a:tr>
+              <a:tr h="381000">
+                <a:tc>
+                  <a:txBody>
+                    <a:bodyPr/>
+                    <a:lstStyle/>
+                    <a:p>
+                      <a:pPr indent="0" lvl="0" marL="0" rtl="0" algn="l">
+                        <a:spcBef>
+                          <a:spcPts val="0"/>
+                        </a:spcBef>
+                        <a:spcAft>
+                          <a:spcPts val="0"/>
+                        </a:spcAft>
+                        <a:buNone/>
+                      </a:pPr>
+                      <a:r>
+                        <a:rPr i="1" lang="en" sz="2000">
+                          <a:solidFill>
+                            <a:schemeClr val="dk1"/>
+                          </a:solidFill>
+                          <a:latin typeface="Karla"/>
+                          <a:ea typeface="Karla"/>
+                          <a:cs typeface="Karla"/>
+                          <a:sym typeface="Karla"/>
+                        </a:rPr>
+                        <a:t>sk</a:t>
+                      </a:r>
+                      <a:r>
+                        <a:rPr i="1" lang="en" sz="2000">
+                          <a:solidFill>
+                            <a:schemeClr val="dk1"/>
+                          </a:solidFill>
+                          <a:latin typeface="Karla"/>
+                          <a:ea typeface="Karla"/>
+                          <a:cs typeface="Karla"/>
+                          <a:sym typeface="Karla"/>
+                        </a:rPr>
+                        <a:t>_l</a:t>
+                      </a:r>
+                      <a:endParaRPr i="1" sz="2000">
+                        <a:solidFill>
+                          <a:schemeClr val="dk1"/>
+                        </a:solidFill>
+                        <a:latin typeface="Karla"/>
+                        <a:ea typeface="Karla"/>
+                        <a:cs typeface="Karla"/>
+                        <a:sym typeface="Karla"/>
+                      </a:endParaRPr>
+                    </a:p>
+                  </a:txBody>
+                  <a:tcPr marT="91425" marB="91425" marR="91425" marL="91425"/>
+                </a:tc>
+                <a:tc>
+                  <a:txBody>
+                    <a:bodyPr/>
+                    <a:lstStyle/>
+                    <a:p>
+                      <a:pPr indent="0" lvl="0" marL="0" rtl="0" algn="l">
+                        <a:spcBef>
+                          <a:spcPts val="0"/>
+                        </a:spcBef>
+                        <a:spcAft>
+                          <a:spcPts val="0"/>
+                        </a:spcAft>
+                        <a:buNone/>
+                      </a:pPr>
+                      <a:r>
+                        <a:rPr lang="en" sz="2000">
+                          <a:solidFill>
+                            <a:schemeClr val="dk1"/>
+                          </a:solidFill>
+                          <a:latin typeface="Karla"/>
+                          <a:ea typeface="Karla"/>
+                          <a:cs typeface="Karla"/>
+                          <a:sym typeface="Karla"/>
+                        </a:rPr>
+                        <a:t>NaN</a:t>
+                      </a:r>
+                      <a:endParaRPr sz="2000">
+                        <a:solidFill>
+                          <a:schemeClr val="dk1"/>
+                        </a:solidFill>
+                        <a:latin typeface="Karla"/>
+                        <a:ea typeface="Karla"/>
+                        <a:cs typeface="Karla"/>
+                        <a:sym typeface="Karla"/>
+                      </a:endParaRPr>
+                    </a:p>
+                  </a:txBody>
+                  <a:tcPr marT="91425" marB="91425" marR="91425" marL="91425"/>
+                </a:tc>
+              </a:tr>
+            </a:tbl>
+          </a:graphicData>
+        </a:graphic>
+      </p:graphicFrame>
+      <p:graphicFrame>
+        <p:nvGraphicFramePr>
+          <p:cNvPr id="170" name="Google Shape;170;p24"/>
+          <p:cNvGraphicFramePr/>
+          <p:nvPr/>
+        </p:nvGraphicFramePr>
+        <p:xfrm>
+          <a:off x="4572000" y="2113300"/>
+          <a:ext cx="3000000" cy="3000000"/>
+        </p:xfrm>
+        <a:graphic>
+          <a:graphicData uri="http://schemas.openxmlformats.org/drawingml/2006/table">
+            <a:tbl>
+              <a:tblPr>
+                <a:noFill/>
+                <a:tableStyleId>{EA81736F-43BA-4C1E-AF7E-28D34A1D9D10}</a:tableStyleId>
+              </a:tblPr>
+              <a:tblGrid>
+                <a:gridCol w="1581000"/>
+                <a:gridCol w="2757300"/>
+              </a:tblGrid>
+              <a:tr h="381000">
+                <a:tc>
+                  <a:txBody>
+                    <a:bodyPr/>
+                    <a:lstStyle/>
+                    <a:p>
+                      <a:pPr indent="0" lvl="0" marL="0" rtl="0" algn="l">
+                        <a:spcBef>
+                          <a:spcPts val="0"/>
+                        </a:spcBef>
+                        <a:spcAft>
+                          <a:spcPts val="0"/>
+                        </a:spcAft>
+                        <a:buNone/>
+                      </a:pPr>
+                      <a:r>
+                        <a:rPr i="1" lang="en" sz="2000">
+                          <a:solidFill>
+                            <a:schemeClr val="dk1"/>
+                          </a:solidFill>
+                          <a:latin typeface="Karla"/>
+                          <a:ea typeface="Karla"/>
+                          <a:cs typeface="Karla"/>
+                          <a:sym typeface="Karla"/>
+                        </a:rPr>
+                        <a:t>fk</a:t>
+                      </a:r>
+                      <a:r>
+                        <a:rPr i="1" lang="en" sz="2000">
+                          <a:solidFill>
+                            <a:schemeClr val="dk1"/>
+                          </a:solidFill>
+                          <a:latin typeface="Karla"/>
+                          <a:ea typeface="Karla"/>
+                          <a:cs typeface="Karla"/>
+                          <a:sym typeface="Karla"/>
+                        </a:rPr>
+                        <a:t>_r</a:t>
+                      </a:r>
+                      <a:endParaRPr i="1" sz="2000">
+                        <a:solidFill>
+                          <a:schemeClr val="dk1"/>
+                        </a:solidFill>
+                        <a:latin typeface="Karla"/>
+                        <a:ea typeface="Karla"/>
+                        <a:cs typeface="Karla"/>
+                        <a:sym typeface="Karla"/>
+                      </a:endParaRPr>
+                    </a:p>
+                  </a:txBody>
+                  <a:tcPr marT="91425" marB="91425" marR="91425" marL="91425"/>
+                </a:tc>
+                <a:tc>
+                  <a:txBody>
+                    <a:bodyPr/>
+                    <a:lstStyle/>
+                    <a:p>
+                      <a:pPr indent="0" lvl="0" marL="0" rtl="0" algn="l">
+                        <a:spcBef>
+                          <a:spcPts val="0"/>
+                        </a:spcBef>
+                        <a:spcAft>
+                          <a:spcPts val="0"/>
+                        </a:spcAft>
+                        <a:buNone/>
+                      </a:pPr>
+                      <a:r>
+                        <a:rPr lang="en" sz="2000">
+                          <a:solidFill>
+                            <a:schemeClr val="dk1"/>
+                          </a:solidFill>
+                          <a:latin typeface="Karla"/>
+                          <a:ea typeface="Karla"/>
+                          <a:cs typeface="Karla"/>
+                          <a:sym typeface="Karla"/>
+                        </a:rPr>
+                        <a:t>0.375</a:t>
+                      </a:r>
+                      <a:endParaRPr sz="2000">
+                        <a:solidFill>
+                          <a:schemeClr val="dk1"/>
+                        </a:solidFill>
+                        <a:latin typeface="Karla"/>
+                        <a:ea typeface="Karla"/>
+                        <a:cs typeface="Karla"/>
+                        <a:sym typeface="Karla"/>
+                      </a:endParaRPr>
+                    </a:p>
+                  </a:txBody>
+                  <a:tcPr marT="91425" marB="91425" marR="91425" marL="91425"/>
+                </a:tc>
+              </a:tr>
+              <a:tr h="381000">
+                <a:tc>
+                  <a:txBody>
+                    <a:bodyPr/>
+                    <a:lstStyle/>
+                    <a:p>
+                      <a:pPr indent="0" lvl="0" marL="0" rtl="0" algn="l">
+                        <a:spcBef>
+                          <a:spcPts val="0"/>
+                        </a:spcBef>
+                        <a:spcAft>
+                          <a:spcPts val="0"/>
+                        </a:spcAft>
+                        <a:buNone/>
+                      </a:pPr>
+                      <a:r>
+                        <a:rPr i="1" lang="en" sz="2000">
+                          <a:solidFill>
+                            <a:schemeClr val="dk1"/>
+                          </a:solidFill>
+                          <a:latin typeface="Karla"/>
+                          <a:ea typeface="Karla"/>
+                          <a:cs typeface="Karla"/>
+                          <a:sym typeface="Karla"/>
+                        </a:rPr>
+                        <a:t>rk</a:t>
+                      </a:r>
+                      <a:r>
+                        <a:rPr i="1" lang="en" sz="2000">
+                          <a:solidFill>
+                            <a:schemeClr val="dk1"/>
+                          </a:solidFill>
+                          <a:latin typeface="Karla"/>
+                          <a:ea typeface="Karla"/>
+                          <a:cs typeface="Karla"/>
+                          <a:sym typeface="Karla"/>
+                        </a:rPr>
+                        <a:t>_r</a:t>
+                      </a:r>
+                      <a:endParaRPr i="1" sz="2000">
+                        <a:solidFill>
+                          <a:schemeClr val="dk1"/>
+                        </a:solidFill>
+                        <a:latin typeface="Karla"/>
+                        <a:ea typeface="Karla"/>
+                        <a:cs typeface="Karla"/>
+                        <a:sym typeface="Karla"/>
+                      </a:endParaRPr>
+                    </a:p>
+                  </a:txBody>
+                  <a:tcPr marT="91425" marB="91425" marR="91425" marL="91425"/>
+                </a:tc>
+                <a:tc>
+                  <a:txBody>
+                    <a:bodyPr/>
+                    <a:lstStyle/>
+                    <a:p>
+                      <a:pPr indent="0" lvl="0" marL="0" rtl="0" algn="l">
+                        <a:spcBef>
+                          <a:spcPts val="0"/>
+                        </a:spcBef>
+                        <a:spcAft>
+                          <a:spcPts val="0"/>
+                        </a:spcAft>
+                        <a:buNone/>
+                      </a:pPr>
+                      <a:r>
+                        <a:rPr lang="en" sz="2000">
+                          <a:solidFill>
+                            <a:schemeClr val="dk1"/>
+                          </a:solidFill>
+                          <a:latin typeface="Karla"/>
+                          <a:ea typeface="Karla"/>
+                          <a:cs typeface="Karla"/>
+                          <a:sym typeface="Karla"/>
+                        </a:rPr>
+                        <a:t>0.286</a:t>
+                      </a:r>
+                      <a:endParaRPr sz="2000">
+                        <a:solidFill>
+                          <a:schemeClr val="dk1"/>
+                        </a:solidFill>
+                        <a:latin typeface="Karla"/>
+                        <a:ea typeface="Karla"/>
+                        <a:cs typeface="Karla"/>
+                        <a:sym typeface="Karla"/>
+                      </a:endParaRPr>
+                    </a:p>
+                  </a:txBody>
+                  <a:tcPr marT="91425" marB="91425" marR="91425" marL="91425"/>
+                </a:tc>
+              </a:tr>
+              <a:tr h="381000">
+                <a:tc>
+                  <a:txBody>
+                    <a:bodyPr/>
+                    <a:lstStyle/>
+                    <a:p>
+                      <a:pPr indent="0" lvl="0" marL="0" rtl="0" algn="l">
+                        <a:spcBef>
+                          <a:spcPts val="0"/>
+                        </a:spcBef>
+                        <a:spcAft>
+                          <a:spcPts val="0"/>
+                        </a:spcAft>
+                        <a:buNone/>
+                      </a:pPr>
+                      <a:r>
+                        <a:rPr i="1" lang="en" sz="2000">
+                          <a:solidFill>
+                            <a:schemeClr val="dk1"/>
+                          </a:solidFill>
+                          <a:latin typeface="Karla"/>
+                          <a:ea typeface="Karla"/>
+                          <a:cs typeface="Karla"/>
+                          <a:sym typeface="Karla"/>
+                        </a:rPr>
+                        <a:t>sk</a:t>
+                      </a:r>
+                      <a:r>
+                        <a:rPr i="1" lang="en" sz="2000">
+                          <a:solidFill>
+                            <a:schemeClr val="dk1"/>
+                          </a:solidFill>
+                          <a:latin typeface="Karla"/>
+                          <a:ea typeface="Karla"/>
+                          <a:cs typeface="Karla"/>
+                          <a:sym typeface="Karla"/>
+                        </a:rPr>
+                        <a:t>_r</a:t>
+                      </a:r>
+                      <a:endParaRPr i="1" sz="2000">
+                        <a:solidFill>
+                          <a:schemeClr val="dk1"/>
+                        </a:solidFill>
+                        <a:latin typeface="Karla"/>
+                        <a:ea typeface="Karla"/>
+                        <a:cs typeface="Karla"/>
+                        <a:sym typeface="Karla"/>
+                      </a:endParaRPr>
+                    </a:p>
+                  </a:txBody>
+                  <a:tcPr marT="91425" marB="91425" marR="91425" marL="91425"/>
+                </a:tc>
+                <a:tc>
+                  <a:txBody>
+                    <a:bodyPr/>
+                    <a:lstStyle/>
+                    <a:p>
+                      <a:pPr indent="0" lvl="0" marL="0" rtl="0" algn="l">
+                        <a:spcBef>
+                          <a:spcPts val="0"/>
+                        </a:spcBef>
+                        <a:spcAft>
+                          <a:spcPts val="0"/>
+                        </a:spcAft>
+                        <a:buNone/>
+                      </a:pPr>
+                      <a:r>
+                        <a:rPr lang="en" sz="2000">
+                          <a:solidFill>
+                            <a:schemeClr val="dk1"/>
+                          </a:solidFill>
+                          <a:latin typeface="Karla"/>
+                          <a:ea typeface="Karla"/>
+                          <a:cs typeface="Karla"/>
+                          <a:sym typeface="Karla"/>
+                        </a:rPr>
+                        <a:t>NaN</a:t>
+                      </a:r>
+                      <a:endParaRPr sz="2000">
+                        <a:solidFill>
+                          <a:schemeClr val="dk1"/>
+                        </a:solidFill>
+                        <a:latin typeface="Karla"/>
+                        <a:ea typeface="Karla"/>
+                        <a:cs typeface="Karla"/>
+                        <a:sym typeface="Karla"/>
+                      </a:endParaRPr>
+                    </a:p>
+                  </a:txBody>
+                  <a:tcPr marT="91425" marB="91425" marR="91425" marL="91425"/>
+                </a:tc>
+              </a:tr>
+            </a:tbl>
+          </a:graphicData>
+        </a:graphic>
+      </p:graphicFrame>
+      <p:sp>
+        <p:nvSpPr>
+          <p:cNvPr id="171" name="Google Shape;171;p24"/>
+          <p:cNvSpPr txBox="1"/>
+          <p:nvPr/>
+        </p:nvSpPr>
+        <p:spPr>
+          <a:xfrm>
+            <a:off x="118400" y="1508600"/>
+            <a:ext cx="4708200" cy="523200"/>
+          </a:xfrm>
+          <a:prstGeom prst="rect">
+            <a:avLst/>
+          </a:prstGeom>
+          <a:noFill/>
+          <a:ln>
+            <a:noFill/>
+          </a:ln>
+        </p:spPr>
+        <p:txBody>
+          <a:bodyPr anchorCtr="0" anchor="t" bIns="91425" lIns="91425" spcFirstLastPara="1" rIns="91425" wrap="square" tIns="91425">
+            <a:spAutoFit/>
+          </a:bodyPr>
+          <a:lstStyle/>
+          <a:p>
+            <a:pPr indent="0" lvl="0" marL="0" rtl="0" algn="l">
+              <a:spcBef>
+                <a:spcPts val="0"/>
+              </a:spcBef>
+              <a:spcAft>
+                <a:spcPts val="0"/>
+              </a:spcAft>
+              <a:buNone/>
+            </a:pPr>
+            <a:r>
+              <a:rPr lang="en" sz="2200">
+                <a:solidFill>
+                  <a:schemeClr val="dk1"/>
+                </a:solidFill>
+                <a:latin typeface="Karla"/>
+                <a:ea typeface="Karla"/>
+                <a:cs typeface="Karla"/>
+                <a:sym typeface="Karla"/>
+              </a:rPr>
+              <a:t>Kicking</a:t>
+            </a:r>
+            <a:r>
+              <a:rPr lang="en" sz="2200">
+                <a:solidFill>
+                  <a:schemeClr val="dk1"/>
+                </a:solidFill>
+                <a:latin typeface="Karla"/>
+                <a:ea typeface="Karla"/>
+                <a:cs typeface="Karla"/>
+                <a:sym typeface="Karla"/>
+              </a:rPr>
+              <a:t> Techniques </a:t>
+            </a:r>
+            <a:r>
+              <a:rPr lang="en" sz="2200">
+                <a:solidFill>
+                  <a:schemeClr val="dk1"/>
+                </a:solidFill>
+                <a:latin typeface="Karla"/>
+                <a:ea typeface="Karla"/>
+                <a:cs typeface="Karla"/>
+                <a:sym typeface="Karla"/>
+              </a:rPr>
+              <a:t>(Move vs. F1)</a:t>
+            </a:r>
+            <a:endParaRPr sz="1800">
+              <a:latin typeface="Karla"/>
+              <a:ea typeface="Karla"/>
+              <a:cs typeface="Karla"/>
+              <a:sym typeface="Karla"/>
+            </a:endParaRPr>
+          </a:p>
+        </p:txBody>
+      </p:sp>
+    </p:spTree>
+  </p:cSld>
+  <p:clrMapOvr>
+    <a:masterClrMapping/>
+  </p:clrMapOvr>
+</p:sld>
+</file>
+
+<file path=ppt/slides/slide11.xml><?xml version="1.0" encoding="utf-8"?>
+<p:sld xmlns:a="http://schemas.openxmlformats.org/drawingml/2006/main" xmlns:r="http://schemas.openxmlformats.org/officeDocument/2006/relationships" xmlns:mc="http://schemas.openxmlformats.org/markup-compatibility/2006" xmlns:mv="urn:schemas-microsoft-com:mac:vml" xmlns:p="http://schemas.openxmlformats.org/presentationml/2006/main" xmlns:c="http://schemas.openxmlformats.org/drawingml/2006/chart" xmlns:dgm="http://schemas.openxmlformats.org/drawingml/2006/diagram" xmlns:o="urn:schemas-microsoft-com:office:office" xmlns:v="urn:schemas-microsoft-com:vml" xmlns:pvml="urn:schemas-microsoft-com:office:powerpoint" xmlns:com="http://schemas.openxmlformats.org/drawingml/2006/compatibility" xmlns:p14="http://schemas.microsoft.com/office/powerpoint/2010/main" xmlns:p15="http://schemas.microsoft.com/office/powerpoint/2012/main" xmlns:ahyp="http://schemas.microsoft.com/office/drawing/2018/hyperlinkcolor">
+  <p:cSld>
+    <p:spTree>
+      <p:nvGrpSpPr>
+        <p:cNvPr id="175" name="Shape 175"/>
+        <p:cNvGrpSpPr/>
+        <p:nvPr/>
+      </p:nvGrpSpPr>
+      <p:grpSpPr>
+        <a:xfrm>
+          <a:off x="0" y="0"/>
+          <a:ext cx="0" cy="0"/>
+          <a:chOff x="0" y="0"/>
+          <a:chExt cx="0" cy="0"/>
+        </a:xfrm>
+      </p:grpSpPr>
+      <p:sp>
+        <p:nvSpPr>
+          <p:cNvPr id="176" name="Google Shape;176;p25"/>
+          <p:cNvSpPr txBox="1"/>
+          <p:nvPr>
+            <p:ph type="title"/>
+          </p:nvPr>
+        </p:nvSpPr>
+        <p:spPr>
+          <a:xfrm>
+            <a:off x="454375" y="355650"/>
+            <a:ext cx="5324100" cy="485700"/>
+          </a:xfrm>
+          <a:prstGeom prst="rect">
+            <a:avLst/>
+          </a:prstGeom>
+        </p:spPr>
+        <p:txBody>
+          <a:bodyPr anchorCtr="0" anchor="b" bIns="91425" lIns="91425" spcFirstLastPara="1" rIns="91425" wrap="square" tIns="91425">
+            <a:noAutofit/>
+          </a:bodyPr>
+          <a:lstStyle/>
+          <a:p>
+            <a:pPr indent="0" lvl="0" marL="0" rtl="0" algn="l">
+              <a:spcBef>
+                <a:spcPts val="0"/>
+              </a:spcBef>
+              <a:spcAft>
+                <a:spcPts val="0"/>
+              </a:spcAft>
+              <a:buNone/>
+            </a:pPr>
+            <a:r>
+              <a:rPr lang="en"/>
+              <a:t>Temporal Alignment &amp; Scoring</a:t>
+            </a:r>
+            <a:endParaRPr/>
+          </a:p>
+        </p:txBody>
+      </p:sp>
+      <p:pic>
+        <p:nvPicPr>
+          <p:cNvPr id="177" name="Google Shape;177;p25"/>
+          <p:cNvPicPr preferRelativeResize="0"/>
+          <p:nvPr/>
+        </p:nvPicPr>
+        <p:blipFill rotWithShape="1">
+          <a:blip r:embed="rId3">
+            <a:alphaModFix/>
+          </a:blip>
+          <a:srcRect b="0" l="0" r="0" t="2133"/>
+          <a:stretch/>
+        </p:blipFill>
+        <p:spPr>
+          <a:xfrm>
+            <a:off x="6332500" y="156175"/>
+            <a:ext cx="2667350" cy="884650"/>
+          </a:xfrm>
+          <a:prstGeom prst="rect">
+            <a:avLst/>
+          </a:prstGeom>
+          <a:noFill/>
+          <a:ln>
+            <a:noFill/>
+          </a:ln>
+        </p:spPr>
+      </p:pic>
+      <p:sp>
+        <p:nvSpPr>
+          <p:cNvPr id="178" name="Google Shape;178;p25"/>
+          <p:cNvSpPr/>
+          <p:nvPr/>
+        </p:nvSpPr>
+        <p:spPr>
+          <a:xfrm>
+            <a:off x="7672625" y="253400"/>
+            <a:ext cx="334500" cy="258600"/>
+          </a:xfrm>
+          <a:prstGeom prst="ellipse">
+            <a:avLst/>
+          </a:prstGeom>
+          <a:noFill/>
+          <a:ln cap="flat" cmpd="sng" w="28575">
+            <a:solidFill>
+              <a:srgbClr val="FF0000"/>
+            </a:solidFill>
+            <a:prstDash val="solid"/>
+            <a:round/>
+            <a:headEnd len="sm" w="sm" type="none"/>
+            <a:tailEnd len="sm" w="sm" type="none"/>
+          </a:ln>
+        </p:spPr>
+        <p:txBody>
+          <a:bodyPr anchorCtr="0" anchor="ctr" bIns="91425" lIns="91425" spcFirstLastPara="1" rIns="91425" wrap="square" tIns="91425">
+            <a:noAutofit/>
+          </a:bodyPr>
+          <a:lstStyle/>
+          <a:p>
+            <a:pPr indent="0" lvl="0" marL="0" rtl="0" algn="l">
+              <a:spcBef>
+                <a:spcPts val="0"/>
+              </a:spcBef>
+              <a:spcAft>
+                <a:spcPts val="0"/>
+              </a:spcAft>
+              <a:buNone/>
+            </a:pPr>
+            <a:r>
+              <a:t/>
+            </a:r>
+            <a:endParaRPr/>
+          </a:p>
+        </p:txBody>
+      </p:sp>
+      <p:pic>
+        <p:nvPicPr>
+          <p:cNvPr id="179" name="Google Shape;179;p25"/>
+          <p:cNvPicPr preferRelativeResize="0"/>
+          <p:nvPr/>
+        </p:nvPicPr>
+        <p:blipFill>
+          <a:blip r:embed="rId4">
+            <a:alphaModFix/>
+          </a:blip>
+          <a:stretch>
+            <a:fillRect/>
+          </a:stretch>
+        </p:blipFill>
+        <p:spPr>
+          <a:xfrm>
+            <a:off x="353775" y="841350"/>
+            <a:ext cx="2920594" cy="4126600"/>
+          </a:xfrm>
+          <a:prstGeom prst="rect">
+            <a:avLst/>
+          </a:prstGeom>
+          <a:noFill/>
+          <a:ln>
+            <a:noFill/>
+          </a:ln>
+        </p:spPr>
+      </p:pic>
+      <p:sp>
+        <p:nvSpPr>
+          <p:cNvPr id="180" name="Google Shape;180;p25"/>
+          <p:cNvSpPr txBox="1"/>
+          <p:nvPr/>
+        </p:nvSpPr>
+        <p:spPr>
+          <a:xfrm>
+            <a:off x="3512275" y="2454500"/>
+            <a:ext cx="5212800" cy="800400"/>
+          </a:xfrm>
+          <a:prstGeom prst="rect">
+            <a:avLst/>
+          </a:prstGeom>
+          <a:noFill/>
+          <a:ln>
+            <a:noFill/>
+          </a:ln>
+        </p:spPr>
+        <p:txBody>
+          <a:bodyPr anchorCtr="0" anchor="t" bIns="91425" lIns="91425" spcFirstLastPara="1" rIns="91425" wrap="square" tIns="91425">
+            <a:spAutoFit/>
+          </a:bodyPr>
+          <a:lstStyle/>
+          <a:p>
+            <a:pPr indent="-355600" lvl="0" marL="457200" rtl="0" algn="l">
+              <a:spcBef>
+                <a:spcPts val="0"/>
+              </a:spcBef>
+              <a:spcAft>
+                <a:spcPts val="0"/>
+              </a:spcAft>
+              <a:buClr>
+                <a:schemeClr val="dk1"/>
+              </a:buClr>
+              <a:buSzPts val="2000"/>
+              <a:buFont typeface="Karla"/>
+              <a:buChar char="●"/>
+            </a:pPr>
+            <a:r>
+              <a:rPr lang="en" sz="2000">
+                <a:solidFill>
+                  <a:schemeClr val="dk1"/>
+                </a:solidFill>
+                <a:latin typeface="Karla"/>
+                <a:ea typeface="Karla"/>
+                <a:cs typeface="Karla"/>
+                <a:sym typeface="Karla"/>
+              </a:rPr>
+              <a:t>Get all ideal videos</a:t>
+            </a:r>
+            <a:endParaRPr sz="2000">
+              <a:solidFill>
+                <a:schemeClr val="dk1"/>
+              </a:solidFill>
+              <a:latin typeface="Karla"/>
+              <a:ea typeface="Karla"/>
+              <a:cs typeface="Karla"/>
+              <a:sym typeface="Karla"/>
+            </a:endParaRPr>
+          </a:p>
+          <a:p>
+            <a:pPr indent="-355600" lvl="0" marL="457200" rtl="0" algn="l">
+              <a:spcBef>
+                <a:spcPts val="0"/>
+              </a:spcBef>
+              <a:spcAft>
+                <a:spcPts val="0"/>
+              </a:spcAft>
+              <a:buClr>
+                <a:schemeClr val="dk1"/>
+              </a:buClr>
+              <a:buSzPts val="2000"/>
+              <a:buFont typeface="Karla"/>
+              <a:buChar char="●"/>
+            </a:pPr>
+            <a:r>
+              <a:rPr lang="en" sz="2000">
+                <a:solidFill>
+                  <a:schemeClr val="dk1"/>
+                </a:solidFill>
+                <a:latin typeface="Karla"/>
+                <a:ea typeface="Karla"/>
+                <a:cs typeface="Karla"/>
+                <a:sym typeface="Karla"/>
+              </a:rPr>
+              <a:t>Closer to zero, better execution</a:t>
+            </a:r>
+            <a:endParaRPr sz="2000">
+              <a:solidFill>
+                <a:schemeClr val="dk1"/>
+              </a:solidFill>
+              <a:latin typeface="Karla"/>
+              <a:ea typeface="Karla"/>
+              <a:cs typeface="Karla"/>
+              <a:sym typeface="Karla"/>
+            </a:endParaRPr>
+          </a:p>
+        </p:txBody>
+      </p:sp>
+    </p:spTree>
+  </p:cSld>
+  <p:clrMapOvr>
+    <a:masterClrMapping/>
+  </p:clrMapOvr>
+</p:sld>
+</file>
+
+<file path=ppt/slides/slide12.xml><?xml version="1.0" encoding="utf-8"?>
+<p:sld xmlns:a="http://schemas.openxmlformats.org/drawingml/2006/main" xmlns:r="http://schemas.openxmlformats.org/officeDocument/2006/relationships" xmlns:mc="http://schemas.openxmlformats.org/markup-compatibility/2006" xmlns:mv="urn:schemas-microsoft-com:mac:vml" xmlns:p="http://schemas.openxmlformats.org/presentationml/2006/main" xmlns:c="http://schemas.openxmlformats.org/drawingml/2006/chart" xmlns:dgm="http://schemas.openxmlformats.org/drawingml/2006/diagram" xmlns:o="urn:schemas-microsoft-com:office:office" xmlns:v="urn:schemas-microsoft-com:vml" xmlns:pvml="urn:schemas-microsoft-com:office:powerpoint" xmlns:com="http://schemas.openxmlformats.org/drawingml/2006/compatibility" xmlns:p14="http://schemas.microsoft.com/office/powerpoint/2010/main" xmlns:p15="http://schemas.microsoft.com/office/powerpoint/2012/main" xmlns:ahyp="http://schemas.microsoft.com/office/drawing/2018/hyperlinkcolor">
+  <p:cSld>
+    <p:spTree>
+      <p:nvGrpSpPr>
+        <p:cNvPr id="184" name="Shape 184"/>
+        <p:cNvGrpSpPr/>
+        <p:nvPr/>
+      </p:nvGrpSpPr>
+      <p:grpSpPr>
+        <a:xfrm>
+          <a:off x="0" y="0"/>
+          <a:ext cx="0" cy="0"/>
+          <a:chOff x="0" y="0"/>
+          <a:chExt cx="0" cy="0"/>
+        </a:xfrm>
+      </p:grpSpPr>
+      <p:sp>
+        <p:nvSpPr>
+          <p:cNvPr id="185" name="Google Shape;185;p26"/>
           <p:cNvSpPr txBox="1"/>
           <p:nvPr>
             <p:ph type="title"/>
@@ -10980,14 +12529,14 @@
       </p:sp>
       <p:sp>
         <p:nvSpPr>
-          <p:cNvPr id="148" name="Google Shape;148;p24"/>
+          <p:cNvPr id="186" name="Google Shape;186;p26"/>
           <p:cNvSpPr txBox="1"/>
           <p:nvPr/>
         </p:nvSpPr>
         <p:spPr>
           <a:xfrm>
-            <a:off x="559950" y="1375875"/>
-            <a:ext cx="1087800" cy="1262100"/>
+            <a:off x="462400" y="3722000"/>
+            <a:ext cx="8127300" cy="1416000"/>
           </a:xfrm>
           <a:prstGeom prst="rect">
             <a:avLst/>
@@ -11003,25 +12552,171 @@
           </a:bodyPr>
           <a:lstStyle/>
           <a:p>
-            <a:pPr indent="0" lvl="0" marL="0" rtl="0" algn="l">
-              <a:spcBef>
-                <a:spcPts val="0"/>
-              </a:spcBef>
-              <a:spcAft>
-                <a:spcPts val="0"/>
-              </a:spcAft>
-              <a:buNone/>
+            <a:pPr indent="-355600" lvl="0" marL="457200" rtl="0" algn="l">
+              <a:spcBef>
+                <a:spcPts val="0"/>
+              </a:spcBef>
+              <a:spcAft>
+                <a:spcPts val="0"/>
+              </a:spcAft>
+              <a:buClr>
+                <a:schemeClr val="dk1"/>
+              </a:buClr>
+              <a:buSzPts val="2000"/>
+              <a:buFont typeface="Karla"/>
+              <a:buChar char="●"/>
             </a:pPr>
             <a:r>
-              <a:rPr lang="en">
+              <a:rPr lang="en" sz="2000">
+                <a:solidFill>
+                  <a:schemeClr val="dk1"/>
+                </a:solidFill>
                 <a:latin typeface="Karla"/>
                 <a:ea typeface="Karla"/>
                 <a:cs typeface="Karla"/>
                 <a:sym typeface="Karla"/>
               </a:rPr>
-              <a:t>Possible next steps, what could be improved</a:t>
+              <a:t>Slower video</a:t>
             </a:r>
-            <a:endParaRPr>
+            <a:endParaRPr sz="2000">
+              <a:solidFill>
+                <a:schemeClr val="dk1"/>
+              </a:solidFill>
+              <a:latin typeface="Karla"/>
+              <a:ea typeface="Karla"/>
+              <a:cs typeface="Karla"/>
+              <a:sym typeface="Karla"/>
+            </a:endParaRPr>
+          </a:p>
+          <a:p>
+            <a:pPr indent="-355600" lvl="0" marL="457200" rtl="0" algn="l">
+              <a:spcBef>
+                <a:spcPts val="0"/>
+              </a:spcBef>
+              <a:spcAft>
+                <a:spcPts val="0"/>
+              </a:spcAft>
+              <a:buClr>
+                <a:schemeClr val="dk1"/>
+              </a:buClr>
+              <a:buSzPts val="2000"/>
+              <a:buFont typeface="Karla"/>
+              <a:buChar char="●"/>
+            </a:pPr>
+            <a:r>
+              <a:rPr lang="en" sz="2000">
+                <a:solidFill>
+                  <a:schemeClr val="dk1"/>
+                </a:solidFill>
+                <a:latin typeface="Karla"/>
+                <a:ea typeface="Karla"/>
+                <a:cs typeface="Karla"/>
+                <a:sym typeface="Karla"/>
+              </a:rPr>
+              <a:t>Different angles</a:t>
+            </a:r>
+            <a:endParaRPr sz="2000">
+              <a:solidFill>
+                <a:schemeClr val="dk1"/>
+              </a:solidFill>
+              <a:latin typeface="Karla"/>
+              <a:ea typeface="Karla"/>
+              <a:cs typeface="Karla"/>
+              <a:sym typeface="Karla"/>
+            </a:endParaRPr>
+          </a:p>
+          <a:p>
+            <a:pPr indent="-355600" lvl="0" marL="457200" rtl="0" algn="l">
+              <a:spcBef>
+                <a:spcPts val="0"/>
+              </a:spcBef>
+              <a:spcAft>
+                <a:spcPts val="0"/>
+              </a:spcAft>
+              <a:buClr>
+                <a:schemeClr val="dk1"/>
+              </a:buClr>
+              <a:buSzPts val="2000"/>
+              <a:buFont typeface="Karla"/>
+              <a:buChar char="●"/>
+            </a:pPr>
+            <a:r>
+              <a:rPr lang="en" sz="2000">
+                <a:solidFill>
+                  <a:schemeClr val="dk1"/>
+                </a:solidFill>
+                <a:latin typeface="Karla"/>
+                <a:ea typeface="Karla"/>
+                <a:cs typeface="Karla"/>
+                <a:sym typeface="Karla"/>
+              </a:rPr>
+              <a:t>Try other skeleton recognition </a:t>
+            </a:r>
+            <a:r>
+              <a:rPr lang="en" sz="2000">
+                <a:solidFill>
+                  <a:schemeClr val="dk1"/>
+                </a:solidFill>
+                <a:latin typeface="Karla"/>
+                <a:ea typeface="Karla"/>
+                <a:cs typeface="Karla"/>
+                <a:sym typeface="Karla"/>
+              </a:rPr>
+              <a:t>modules</a:t>
+            </a:r>
+            <a:r>
+              <a:rPr lang="en" sz="2000">
+                <a:solidFill>
+                  <a:schemeClr val="dk1"/>
+                </a:solidFill>
+                <a:latin typeface="Karla"/>
+                <a:ea typeface="Karla"/>
+                <a:cs typeface="Karla"/>
+                <a:sym typeface="Karla"/>
+              </a:rPr>
+              <a:t> (CMU’s OpenPose)</a:t>
+            </a:r>
+            <a:endParaRPr sz="2000">
+              <a:solidFill>
+                <a:schemeClr val="dk1"/>
+              </a:solidFill>
+              <a:latin typeface="Karla"/>
+              <a:ea typeface="Karla"/>
+              <a:cs typeface="Karla"/>
+              <a:sym typeface="Karla"/>
+            </a:endParaRPr>
+          </a:p>
+          <a:p>
+            <a:pPr indent="-355600" lvl="0" marL="457200" rtl="0" algn="l">
+              <a:spcBef>
+                <a:spcPts val="0"/>
+              </a:spcBef>
+              <a:spcAft>
+                <a:spcPts val="0"/>
+              </a:spcAft>
+              <a:buClr>
+                <a:schemeClr val="dk1"/>
+              </a:buClr>
+              <a:buSzPts val="2000"/>
+              <a:buFont typeface="Karla"/>
+              <a:buChar char="●"/>
+            </a:pPr>
+            <a:r>
+              <a:rPr lang="en" sz="2000">
+                <a:solidFill>
+                  <a:schemeClr val="dk1"/>
+                </a:solidFill>
+                <a:latin typeface="Karla"/>
+                <a:ea typeface="Karla"/>
+                <a:cs typeface="Karla"/>
+                <a:sym typeface="Karla"/>
+              </a:rPr>
+              <a:t>Optimize classification algorithms</a:t>
+            </a:r>
+            <a:endParaRPr sz="2000">
+              <a:solidFill>
+                <a:schemeClr val="dk1"/>
+              </a:solidFill>
               <a:latin typeface="Karla"/>
               <a:ea typeface="Karla"/>
               <a:cs typeface="Karla"/>
@@ -11030,11 +12725,124 @@
           </a:p>
         </p:txBody>
       </p:sp>
+      <p:pic>
+        <p:nvPicPr>
+          <p:cNvPr id="187" name="Google Shape;187;p26" title="sample_run_v0.mov">
+            <a:hlinkClick r:id="rId3"/>
+          </p:cNvPr>
+          <p:cNvPicPr preferRelativeResize="0"/>
+          <p:nvPr/>
+        </p:nvPicPr>
+        <p:blipFill>
+          <a:blip r:embed="rId4">
+            <a:alphaModFix/>
+          </a:blip>
+          <a:stretch>
+            <a:fillRect/>
+          </a:stretch>
+        </p:blipFill>
+        <p:spPr>
+          <a:xfrm>
+            <a:off x="300775" y="841350"/>
+            <a:ext cx="8450550" cy="2767250"/>
+          </a:xfrm>
+          <a:prstGeom prst="rect">
+            <a:avLst/>
+          </a:prstGeom>
+          <a:noFill/>
+          <a:ln>
+            <a:noFill/>
+          </a:ln>
+        </p:spPr>
+      </p:pic>
     </p:spTree>
   </p:cSld>
   <p:clrMapOvr>
     <a:masterClrMapping/>
   </p:clrMapOvr>
+  <p:timing>
+    <p:tnLst>
+      <p:par>
+        <p:cTn dur="indefinite" nodeType="tmRoot" restart="never">
+          <p:childTnLst>
+            <p:seq concurrent="1" nextAc="seek">
+              <p:cTn dur="indefinite" id="2" nodeType="mainSeq">
+                <p:childTnLst>
+                  <p:par>
+                    <p:cTn fill="hold">
+                      <p:stCondLst>
+                        <p:cond delay="indefinite"/>
+                      </p:stCondLst>
+                      <p:childTnLst>
+                        <p:par>
+                          <p:cTn fill="hold">
+                            <p:stCondLst>
+                              <p:cond delay="0"/>
+                            </p:stCondLst>
+                            <p:childTnLst>
+                              <p:par>
+                                <p:cTn fill="hold" nodeType="clickEffect" presetClass="entr" presetID="10" presetSubtype="0">
+                                  <p:stCondLst>
+                                    <p:cond delay="0"/>
+                                  </p:stCondLst>
+                                  <p:childTnLst>
+                                    <p:set>
+                                      <p:cBhvr>
+                                        <p:cTn dur="1" fill="hold">
+                                          <p:stCondLst>
+                                            <p:cond delay="0"/>
+                                          </p:stCondLst>
+                                        </p:cTn>
+                                        <p:tgtEl>
+                                          <p:spTgt spid="187"/>
+                                        </p:tgtEl>
+                                        <p:attrNameLst>
+                                          <p:attrName>style.visibility</p:attrName>
+                                        </p:attrNameLst>
+                                      </p:cBhvr>
+                                      <p:to>
+                                        <p:strVal val="visible"/>
+                                      </p:to>
+                                    </p:set>
+                                    <p:animEffect filter="fade" transition="in">
+                                      <p:cBhvr>
+                                        <p:cTn dur="1000"/>
+                                        <p:tgtEl>
+                                          <p:spTgt spid="187"/>
+                                        </p:tgtEl>
+                                      </p:cBhvr>
+                                    </p:animEffect>
+                                  </p:childTnLst>
+                                </p:cTn>
+                              </p:par>
+                            </p:childTnLst>
+                          </p:cTn>
+                        </p:par>
+                      </p:childTnLst>
+                    </p:cTn>
+                  </p:par>
+                </p:childTnLst>
+              </p:cTn>
+              <p:prevCondLst>
+                <p:cond evt="onPrev">
+                  <p:tgtEl>
+                    <p:sldTgt/>
+                  </p:tgtEl>
+                </p:cond>
+              </p:prevCondLst>
+              <p:nextCondLst>
+                <p:cond evt="onNext">
+                  <p:tgtEl>
+                    <p:sldTgt/>
+                  </p:tgtEl>
+                </p:cond>
+              </p:nextCondLst>
+            </p:seq>
+          </p:childTnLst>
+        </p:cTn>
+      </p:par>
+    </p:tnLst>
+  </p:timing>
 </p:sld>
 </file>
 
@@ -11181,7 +12989,7 @@
             </a:r>
             <a:r>
               <a:rPr lang="en"/>
-              <a:t>’s “Creating a Classifier for Dance and Martial Arts Moves” with CMU’s OpenPose instead of Kinect</a:t>
+              <a:t>’s “Creating a Classifier for Dance and Martial Arts Moves” with Facebook’s VideoPose3D instead of Kinect</a:t>
             </a:r>
             <a:endParaRPr/>
           </a:p>
@@ -11496,7 +13304,7 @@
         </p:nvSpPr>
         <p:spPr>
           <a:xfrm>
-            <a:off x="0" y="270700"/>
+            <a:off x="0" y="363650"/>
             <a:ext cx="6484500" cy="485700"/>
           </a:xfrm>
           <a:prstGeom prst="rect">
@@ -11520,7 +13328,7 @@
             </a:pPr>
             <a:r>
               <a:rPr lang="en"/>
-              <a:t>Skeleton Representation: VideoPose3D</a:t>
+              <a:t>Skeleton Representation: Moves</a:t>
             </a:r>
             <a:endParaRPr/>
           </a:p>
@@ -11600,16 +13408,43 @@
           </a:p>
         </p:txBody>
       </p:sp>
+      <p:pic>
+        <p:nvPicPr>
+          <p:cNvPr id="103" name="Google Shape;103;p18"/>
+          <p:cNvPicPr preferRelativeResize="0"/>
+          <p:nvPr/>
+        </p:nvPicPr>
+        <p:blipFill rotWithShape="1">
+          <a:blip r:embed="rId4">
+            <a:alphaModFix/>
+          </a:blip>
+          <a:srcRect b="32000" l="0" r="-755" t="0"/>
+          <a:stretch/>
+        </p:blipFill>
+        <p:spPr>
+          <a:xfrm>
+            <a:off x="1428213" y="747575"/>
+            <a:ext cx="5087725" cy="2775975"/>
+          </a:xfrm>
+          <a:prstGeom prst="rect">
+            <a:avLst/>
+          </a:prstGeom>
+          <a:noFill/>
+          <a:ln>
+            <a:noFill/>
+          </a:ln>
+        </p:spPr>
+      </p:pic>
       <p:sp>
         <p:nvSpPr>
-          <p:cNvPr id="103" name="Google Shape;103;p18"/>
+          <p:cNvPr id="104" name="Google Shape;104;p18"/>
           <p:cNvSpPr txBox="1"/>
           <p:nvPr/>
         </p:nvSpPr>
         <p:spPr>
           <a:xfrm>
-            <a:off x="207975" y="1335875"/>
-            <a:ext cx="1039800" cy="831300"/>
+            <a:off x="1760638" y="1947300"/>
+            <a:ext cx="926400" cy="338700"/>
           </a:xfrm>
           <a:prstGeom prst="rect">
             <a:avLst/>
@@ -11625,7 +13460,7 @@
           </a:bodyPr>
           <a:lstStyle/>
           <a:p>
-            <a:pPr indent="0" lvl="0" marL="0" rtl="0" algn="l">
+            <a:pPr indent="0" lvl="0" marL="0" rtl="0" algn="ctr">
               <a:spcBef>
                 <a:spcPts val="0"/>
               </a:spcBef>
@@ -11635,15 +13470,556 @@
               <a:buNone/>
             </a:pPr>
             <a:r>
-              <a:rPr lang="en">
+              <a:rPr b="1" lang="en" sz="1000">
                 <a:latin typeface="Karla"/>
                 <a:ea typeface="Karla"/>
                 <a:cs typeface="Karla"/>
                 <a:sym typeface="Karla"/>
               </a:rPr>
-              <a:t>Insert videos here</a:t>
+              <a:t>hb</a:t>
             </a:r>
-            <a:endParaRPr>
+            <a:endParaRPr b="1" sz="700">
+              <a:latin typeface="Karla"/>
+              <a:ea typeface="Karla"/>
+              <a:cs typeface="Karla"/>
+              <a:sym typeface="Karla"/>
+            </a:endParaRPr>
+          </a:p>
+        </p:txBody>
+      </p:sp>
+      <p:sp>
+        <p:nvSpPr>
+          <p:cNvPr id="105" name="Google Shape;105;p18"/>
+          <p:cNvSpPr txBox="1"/>
+          <p:nvPr/>
+        </p:nvSpPr>
+        <p:spPr>
+          <a:xfrm>
+            <a:off x="3489813" y="1947300"/>
+            <a:ext cx="926400" cy="338700"/>
+          </a:xfrm>
+          <a:prstGeom prst="rect">
+            <a:avLst/>
+          </a:prstGeom>
+          <a:noFill/>
+          <a:ln>
+            <a:noFill/>
+          </a:ln>
+        </p:spPr>
+        <p:txBody>
+          <a:bodyPr anchorCtr="0" anchor="t" bIns="91425" lIns="91425" spcFirstLastPara="1" rIns="91425" wrap="square" tIns="91425">
+            <a:spAutoFit/>
+          </a:bodyPr>
+          <a:lstStyle/>
+          <a:p>
+            <a:pPr indent="0" lvl="0" marL="0" rtl="0" algn="ctr">
+              <a:spcBef>
+                <a:spcPts val="0"/>
+              </a:spcBef>
+              <a:spcAft>
+                <a:spcPts val="0"/>
+              </a:spcAft>
+              <a:buNone/>
+            </a:pPr>
+            <a:r>
+              <a:rPr b="1" lang="en" sz="1000">
+                <a:latin typeface="Karla"/>
+                <a:ea typeface="Karla"/>
+                <a:cs typeface="Karla"/>
+                <a:sym typeface="Karla"/>
+              </a:rPr>
+              <a:t>mboi</a:t>
+            </a:r>
+            <a:endParaRPr b="1" sz="700">
+              <a:latin typeface="Karla"/>
+              <a:ea typeface="Karla"/>
+              <a:cs typeface="Karla"/>
+              <a:sym typeface="Karla"/>
+            </a:endParaRPr>
+          </a:p>
+        </p:txBody>
+      </p:sp>
+      <p:sp>
+        <p:nvSpPr>
+          <p:cNvPr id="106" name="Google Shape;106;p18"/>
+          <p:cNvSpPr txBox="1"/>
+          <p:nvPr/>
+        </p:nvSpPr>
+        <p:spPr>
+          <a:xfrm>
+            <a:off x="5218988" y="1947300"/>
+            <a:ext cx="926400" cy="338700"/>
+          </a:xfrm>
+          <a:prstGeom prst="rect">
+            <a:avLst/>
+          </a:prstGeom>
+          <a:noFill/>
+          <a:ln>
+            <a:noFill/>
+          </a:ln>
+        </p:spPr>
+        <p:txBody>
+          <a:bodyPr anchorCtr="0" anchor="t" bIns="91425" lIns="91425" spcFirstLastPara="1" rIns="91425" wrap="square" tIns="91425">
+            <a:spAutoFit/>
+          </a:bodyPr>
+          <a:lstStyle/>
+          <a:p>
+            <a:pPr indent="0" lvl="0" marL="0" rtl="0" algn="ctr">
+              <a:spcBef>
+                <a:spcPts val="0"/>
+              </a:spcBef>
+              <a:spcAft>
+                <a:spcPts val="0"/>
+              </a:spcAft>
+              <a:buNone/>
+            </a:pPr>
+            <a:r>
+              <a:rPr b="1" lang="en" sz="1000">
+                <a:latin typeface="Karla"/>
+                <a:ea typeface="Karla"/>
+                <a:cs typeface="Karla"/>
+                <a:sym typeface="Karla"/>
+              </a:rPr>
+              <a:t>mbio</a:t>
+            </a:r>
+            <a:endParaRPr b="1" sz="700">
+              <a:latin typeface="Karla"/>
+              <a:ea typeface="Karla"/>
+              <a:cs typeface="Karla"/>
+              <a:sym typeface="Karla"/>
+            </a:endParaRPr>
+          </a:p>
+        </p:txBody>
+      </p:sp>
+      <p:sp>
+        <p:nvSpPr>
+          <p:cNvPr id="107" name="Google Shape;107;p18"/>
+          <p:cNvSpPr txBox="1"/>
+          <p:nvPr/>
+        </p:nvSpPr>
+        <p:spPr>
+          <a:xfrm>
+            <a:off x="2245863" y="3184850"/>
+            <a:ext cx="814200" cy="338700"/>
+          </a:xfrm>
+          <a:prstGeom prst="rect">
+            <a:avLst/>
+          </a:prstGeom>
+          <a:noFill/>
+          <a:ln>
+            <a:noFill/>
+          </a:ln>
+        </p:spPr>
+        <p:txBody>
+          <a:bodyPr anchorCtr="0" anchor="t" bIns="91425" lIns="91425" spcFirstLastPara="1" rIns="91425" wrap="square" tIns="91425">
+            <a:spAutoFit/>
+          </a:bodyPr>
+          <a:lstStyle/>
+          <a:p>
+            <a:pPr indent="0" lvl="0" marL="0" rtl="0" algn="ctr">
+              <a:spcBef>
+                <a:spcPts val="0"/>
+              </a:spcBef>
+              <a:spcAft>
+                <a:spcPts val="0"/>
+              </a:spcAft>
+              <a:buNone/>
+            </a:pPr>
+            <a:r>
+              <a:rPr b="1" lang="en" sz="1000">
+                <a:latin typeface="Karla"/>
+                <a:ea typeface="Karla"/>
+                <a:cs typeface="Karla"/>
+                <a:sym typeface="Karla"/>
+              </a:rPr>
+              <a:t>khb</a:t>
+            </a:r>
+            <a:endParaRPr b="1" sz="700">
+              <a:latin typeface="Karla"/>
+              <a:ea typeface="Karla"/>
+              <a:cs typeface="Karla"/>
+              <a:sym typeface="Karla"/>
+            </a:endParaRPr>
+          </a:p>
+        </p:txBody>
+      </p:sp>
+      <p:sp>
+        <p:nvSpPr>
+          <p:cNvPr id="108" name="Google Shape;108;p18"/>
+          <p:cNvSpPr txBox="1"/>
+          <p:nvPr/>
+        </p:nvSpPr>
+        <p:spPr>
+          <a:xfrm>
+            <a:off x="4731338" y="3184850"/>
+            <a:ext cx="926400" cy="338700"/>
+          </a:xfrm>
+          <a:prstGeom prst="rect">
+            <a:avLst/>
+          </a:prstGeom>
+          <a:noFill/>
+          <a:ln>
+            <a:noFill/>
+          </a:ln>
+        </p:spPr>
+        <p:txBody>
+          <a:bodyPr anchorCtr="0" anchor="t" bIns="91425" lIns="91425" spcFirstLastPara="1" rIns="91425" wrap="square" tIns="91425">
+            <a:spAutoFit/>
+          </a:bodyPr>
+          <a:lstStyle/>
+          <a:p>
+            <a:pPr indent="0" lvl="0" marL="0" rtl="0" algn="ctr">
+              <a:spcBef>
+                <a:spcPts val="0"/>
+              </a:spcBef>
+              <a:spcAft>
+                <a:spcPts val="0"/>
+              </a:spcAft>
+              <a:buNone/>
+            </a:pPr>
+            <a:r>
+              <a:rPr b="1" lang="en" sz="1000">
+                <a:latin typeface="Karla"/>
+                <a:ea typeface="Karla"/>
+                <a:cs typeface="Karla"/>
+                <a:sym typeface="Karla"/>
+              </a:rPr>
+              <a:t>lb</a:t>
+            </a:r>
+            <a:endParaRPr b="1" sz="700">
+              <a:latin typeface="Karla"/>
+              <a:ea typeface="Karla"/>
+              <a:cs typeface="Karla"/>
+              <a:sym typeface="Karla"/>
+            </a:endParaRPr>
+          </a:p>
+        </p:txBody>
+      </p:sp>
+      <p:pic>
+        <p:nvPicPr>
+          <p:cNvPr id="109" name="Google Shape;109;p18"/>
+          <p:cNvPicPr preferRelativeResize="0"/>
+          <p:nvPr/>
+        </p:nvPicPr>
+        <p:blipFill>
+          <a:blip r:embed="rId5">
+            <a:alphaModFix/>
+          </a:blip>
+          <a:stretch>
+            <a:fillRect/>
+          </a:stretch>
+        </p:blipFill>
+        <p:spPr>
+          <a:xfrm>
+            <a:off x="4483775" y="3620938"/>
+            <a:ext cx="4486875" cy="1454725"/>
+          </a:xfrm>
+          <a:prstGeom prst="rect">
+            <a:avLst/>
+          </a:prstGeom>
+          <a:noFill/>
+          <a:ln>
+            <a:noFill/>
+          </a:ln>
+        </p:spPr>
+      </p:pic>
+      <p:pic>
+        <p:nvPicPr>
+          <p:cNvPr id="110" name="Google Shape;110;p18"/>
+          <p:cNvPicPr preferRelativeResize="0"/>
+          <p:nvPr/>
+        </p:nvPicPr>
+        <p:blipFill rotWithShape="1">
+          <a:blip r:embed="rId4">
+            <a:alphaModFix/>
+          </a:blip>
+          <a:srcRect b="0" l="12722" r="15520" t="68073"/>
+          <a:stretch/>
+        </p:blipFill>
+        <p:spPr>
+          <a:xfrm>
+            <a:off x="412150" y="3696625"/>
+            <a:ext cx="3623401" cy="1303350"/>
+          </a:xfrm>
+          <a:prstGeom prst="rect">
+            <a:avLst/>
+          </a:prstGeom>
+          <a:noFill/>
+          <a:ln>
+            <a:noFill/>
+          </a:ln>
+        </p:spPr>
+      </p:pic>
+      <p:sp>
+        <p:nvSpPr>
+          <p:cNvPr id="111" name="Google Shape;111;p18"/>
+          <p:cNvSpPr txBox="1"/>
+          <p:nvPr/>
+        </p:nvSpPr>
+        <p:spPr>
+          <a:xfrm>
+            <a:off x="3227822" y="4695925"/>
+            <a:ext cx="457500" cy="338700"/>
+          </a:xfrm>
+          <a:prstGeom prst="rect">
+            <a:avLst/>
+          </a:prstGeom>
+          <a:noFill/>
+          <a:ln>
+            <a:noFill/>
+          </a:ln>
+        </p:spPr>
+        <p:txBody>
+          <a:bodyPr anchorCtr="0" anchor="t" bIns="91425" lIns="91425" spcFirstLastPara="1" rIns="91425" wrap="square" tIns="91425">
+            <a:spAutoFit/>
+          </a:bodyPr>
+          <a:lstStyle/>
+          <a:p>
+            <a:pPr indent="0" lvl="0" marL="0" rtl="0" algn="ctr">
+              <a:spcBef>
+                <a:spcPts val="0"/>
+              </a:spcBef>
+              <a:spcAft>
+                <a:spcPts val="0"/>
+              </a:spcAft>
+              <a:buNone/>
+            </a:pPr>
+            <a:r>
+              <a:rPr b="1" lang="en" sz="1000">
+                <a:latin typeface="Karla"/>
+                <a:ea typeface="Karla"/>
+                <a:cs typeface="Karla"/>
+                <a:sym typeface="Karla"/>
+              </a:rPr>
+              <a:t>h</a:t>
+            </a:r>
+            <a:r>
+              <a:rPr b="1" lang="en" sz="1000">
+                <a:latin typeface="Karla"/>
+                <a:ea typeface="Karla"/>
+                <a:cs typeface="Karla"/>
+                <a:sym typeface="Karla"/>
+              </a:rPr>
+              <a:t>p</a:t>
+            </a:r>
+            <a:endParaRPr b="1" sz="700">
+              <a:latin typeface="Karla"/>
+              <a:ea typeface="Karla"/>
+              <a:cs typeface="Karla"/>
+              <a:sym typeface="Karla"/>
+            </a:endParaRPr>
+          </a:p>
+        </p:txBody>
+      </p:sp>
+      <p:sp>
+        <p:nvSpPr>
+          <p:cNvPr id="112" name="Google Shape;112;p18"/>
+          <p:cNvSpPr txBox="1"/>
+          <p:nvPr/>
+        </p:nvSpPr>
+        <p:spPr>
+          <a:xfrm>
+            <a:off x="895500" y="4695925"/>
+            <a:ext cx="295200" cy="338700"/>
+          </a:xfrm>
+          <a:prstGeom prst="rect">
+            <a:avLst/>
+          </a:prstGeom>
+          <a:noFill/>
+          <a:ln>
+            <a:noFill/>
+          </a:ln>
+        </p:spPr>
+        <p:txBody>
+          <a:bodyPr anchorCtr="0" anchor="t" bIns="91425" lIns="91425" spcFirstLastPara="1" rIns="91425" wrap="square" tIns="91425">
+            <a:spAutoFit/>
+          </a:bodyPr>
+          <a:lstStyle/>
+          <a:p>
+            <a:pPr indent="0" lvl="0" marL="0" rtl="0" algn="ctr">
+              <a:spcBef>
+                <a:spcPts val="0"/>
+              </a:spcBef>
+              <a:spcAft>
+                <a:spcPts val="0"/>
+              </a:spcAft>
+              <a:buNone/>
+            </a:pPr>
+            <a:r>
+              <a:rPr b="1" lang="en" sz="1000">
+                <a:latin typeface="Karla"/>
+                <a:ea typeface="Karla"/>
+                <a:cs typeface="Karla"/>
+                <a:sym typeface="Karla"/>
+              </a:rPr>
+              <a:t>p</a:t>
+            </a:r>
+            <a:endParaRPr b="1" sz="700">
+              <a:latin typeface="Karla"/>
+              <a:ea typeface="Karla"/>
+              <a:cs typeface="Karla"/>
+              <a:sym typeface="Karla"/>
+            </a:endParaRPr>
+          </a:p>
+        </p:txBody>
+      </p:sp>
+      <p:sp>
+        <p:nvSpPr>
+          <p:cNvPr id="113" name="Google Shape;113;p18"/>
+          <p:cNvSpPr txBox="1"/>
+          <p:nvPr/>
+        </p:nvSpPr>
+        <p:spPr>
+          <a:xfrm>
+            <a:off x="5056288" y="4736950"/>
+            <a:ext cx="926400" cy="338700"/>
+          </a:xfrm>
+          <a:prstGeom prst="rect">
+            <a:avLst/>
+          </a:prstGeom>
+          <a:noFill/>
+          <a:ln>
+            <a:noFill/>
+          </a:ln>
+        </p:spPr>
+        <p:txBody>
+          <a:bodyPr anchorCtr="0" anchor="t" bIns="91425" lIns="91425" spcFirstLastPara="1" rIns="91425" wrap="square" tIns="91425">
+            <a:spAutoFit/>
+          </a:bodyPr>
+          <a:lstStyle/>
+          <a:p>
+            <a:pPr indent="0" lvl="0" marL="0" rtl="0" algn="ctr">
+              <a:spcBef>
+                <a:spcPts val="0"/>
+              </a:spcBef>
+              <a:spcAft>
+                <a:spcPts val="0"/>
+              </a:spcAft>
+              <a:buNone/>
+            </a:pPr>
+            <a:r>
+              <a:rPr b="1" lang="en" sz="1000">
+                <a:latin typeface="Karla"/>
+                <a:ea typeface="Karla"/>
+                <a:cs typeface="Karla"/>
+                <a:sym typeface="Karla"/>
+              </a:rPr>
+              <a:t>fk</a:t>
+            </a:r>
+            <a:endParaRPr b="1" sz="700">
+              <a:latin typeface="Karla"/>
+              <a:ea typeface="Karla"/>
+              <a:cs typeface="Karla"/>
+              <a:sym typeface="Karla"/>
+            </a:endParaRPr>
+          </a:p>
+        </p:txBody>
+      </p:sp>
+      <p:sp>
+        <p:nvSpPr>
+          <p:cNvPr id="114" name="Google Shape;114;p18"/>
+          <p:cNvSpPr txBox="1"/>
+          <p:nvPr/>
+        </p:nvSpPr>
+        <p:spPr>
+          <a:xfrm>
+            <a:off x="6597763" y="4736950"/>
+            <a:ext cx="926400" cy="338700"/>
+          </a:xfrm>
+          <a:prstGeom prst="rect">
+            <a:avLst/>
+          </a:prstGeom>
+          <a:noFill/>
+          <a:ln>
+            <a:noFill/>
+          </a:ln>
+        </p:spPr>
+        <p:txBody>
+          <a:bodyPr anchorCtr="0" anchor="t" bIns="91425" lIns="91425" spcFirstLastPara="1" rIns="91425" wrap="square" tIns="91425">
+            <a:spAutoFit/>
+          </a:bodyPr>
+          <a:lstStyle/>
+          <a:p>
+            <a:pPr indent="0" lvl="0" marL="0" rtl="0" algn="ctr">
+              <a:spcBef>
+                <a:spcPts val="0"/>
+              </a:spcBef>
+              <a:spcAft>
+                <a:spcPts val="0"/>
+              </a:spcAft>
+              <a:buNone/>
+            </a:pPr>
+            <a:r>
+              <a:rPr b="1" lang="en" sz="1000">
+                <a:latin typeface="Karla"/>
+                <a:ea typeface="Karla"/>
+                <a:cs typeface="Karla"/>
+                <a:sym typeface="Karla"/>
+              </a:rPr>
+              <a:t>sk</a:t>
+            </a:r>
+            <a:endParaRPr b="1" sz="700">
+              <a:latin typeface="Karla"/>
+              <a:ea typeface="Karla"/>
+              <a:cs typeface="Karla"/>
+              <a:sym typeface="Karla"/>
+            </a:endParaRPr>
+          </a:p>
+        </p:txBody>
+      </p:sp>
+      <p:sp>
+        <p:nvSpPr>
+          <p:cNvPr id="115" name="Google Shape;115;p18"/>
+          <p:cNvSpPr txBox="1"/>
+          <p:nvPr/>
+        </p:nvSpPr>
+        <p:spPr>
+          <a:xfrm>
+            <a:off x="8185413" y="4736950"/>
+            <a:ext cx="926400" cy="338700"/>
+          </a:xfrm>
+          <a:prstGeom prst="rect">
+            <a:avLst/>
+          </a:prstGeom>
+          <a:noFill/>
+          <a:ln>
+            <a:noFill/>
+          </a:ln>
+        </p:spPr>
+        <p:txBody>
+          <a:bodyPr anchorCtr="0" anchor="t" bIns="91425" lIns="91425" spcFirstLastPara="1" rIns="91425" wrap="square" tIns="91425">
+            <a:spAutoFit/>
+          </a:bodyPr>
+          <a:lstStyle/>
+          <a:p>
+            <a:pPr indent="0" lvl="0" marL="0" rtl="0" algn="ctr">
+              <a:spcBef>
+                <a:spcPts val="0"/>
+              </a:spcBef>
+              <a:spcAft>
+                <a:spcPts val="0"/>
+              </a:spcAft>
+              <a:buNone/>
+            </a:pPr>
+            <a:r>
+              <a:rPr b="1" lang="en" sz="1000">
+                <a:latin typeface="Karla"/>
+                <a:ea typeface="Karla"/>
+                <a:cs typeface="Karla"/>
+                <a:sym typeface="Karla"/>
+              </a:rPr>
+              <a:t>r</a:t>
+            </a:r>
+            <a:r>
+              <a:rPr b="1" lang="en" sz="1000">
+                <a:latin typeface="Karla"/>
+                <a:ea typeface="Karla"/>
+                <a:cs typeface="Karla"/>
+                <a:sym typeface="Karla"/>
+              </a:rPr>
+              <a:t>k</a:t>
+            </a:r>
+            <a:endParaRPr b="1" sz="700">
               <a:latin typeface="Karla"/>
               <a:ea typeface="Karla"/>
               <a:cs typeface="Karla"/>
@@ -11665,7 +14041,7 @@
   <p:cSld>
     <p:spTree>
       <p:nvGrpSpPr>
-        <p:cNvPr id="107" name="Shape 107"/>
+        <p:cNvPr id="119" name="Shape 119"/>
         <p:cNvGrpSpPr/>
         <p:nvPr/>
       </p:nvGrpSpPr>
@@ -11679,7 +14055,7 @@
       </p:grpSpPr>
       <p:sp>
         <p:nvSpPr>
-          <p:cNvPr id="108" name="Google Shape;108;p19"/>
+          <p:cNvPr id="120" name="Google Shape;120;p19"/>
           <p:cNvSpPr txBox="1"/>
           <p:nvPr>
             <p:ph type="title"/>
@@ -11687,8 +14063,8 @@
         </p:nvSpPr>
         <p:spPr>
           <a:xfrm>
-            <a:off x="118400" y="156150"/>
-            <a:ext cx="6153000" cy="884700"/>
+            <a:off x="0" y="270700"/>
+            <a:ext cx="6484500" cy="485700"/>
           </a:xfrm>
           <a:prstGeom prst="rect">
             <a:avLst/>
@@ -11711,69 +14087,7 @@
             </a:pPr>
             <a:r>
               <a:rPr lang="en"/>
-              <a:t>Pose Classification: Vocabulary Poses with K-means</a:t>
-            </a:r>
-            <a:endParaRPr/>
-          </a:p>
-        </p:txBody>
-      </p:sp>
-      <p:sp>
-        <p:nvSpPr>
-          <p:cNvPr id="109" name="Google Shape;109;p19"/>
-          <p:cNvSpPr txBox="1"/>
-          <p:nvPr>
-            <p:ph idx="1" type="body"/>
-          </p:nvPr>
-        </p:nvSpPr>
-        <p:spPr>
-          <a:xfrm>
-            <a:off x="838250" y="1504950"/>
-            <a:ext cx="6648000" cy="1066800"/>
-          </a:xfrm>
-          <a:prstGeom prst="rect">
-            <a:avLst/>
-          </a:prstGeom>
-        </p:spPr>
-        <p:txBody>
-          <a:bodyPr anchorCtr="0" anchor="t" bIns="91425" lIns="91425" spcFirstLastPara="1" rIns="91425" wrap="square" tIns="91425">
-            <a:noAutofit/>
-          </a:bodyPr>
-          <a:lstStyle/>
-          <a:p>
-            <a:pPr indent="-355600" lvl="0" marL="457200" rtl="0" algn="l">
-              <a:spcBef>
-                <a:spcPts val="600"/>
-              </a:spcBef>
-              <a:spcAft>
-                <a:spcPts val="0"/>
-              </a:spcAft>
-              <a:buSzPts val="2000"/>
-              <a:buChar char="▸"/>
-            </a:pPr>
-            <a:r>
-              <a:rPr lang="en"/>
-              <a:t>H</a:t>
-            </a:r>
-            <a:r>
-              <a:rPr lang="en"/>
-              <a:t>ow many poses (clusters) per move?</a:t>
-            </a:r>
-            <a:endParaRPr/>
-          </a:p>
-          <a:p>
-            <a:pPr indent="-355600" lvl="0" marL="457200" rtl="0" algn="l">
-              <a:spcBef>
-                <a:spcPts val="0"/>
-              </a:spcBef>
-              <a:spcAft>
-                <a:spcPts val="0"/>
-              </a:spcAft>
-              <a:buSzPts val="2000"/>
-              <a:buChar char="▸"/>
-            </a:pPr>
-            <a:r>
-              <a:rPr lang="en"/>
-              <a:t>How to represent a move as a sequence of poses?</a:t>
+              <a:t>Skeleton Representation: VideoPose3D</a:t>
             </a:r>
             <a:endParaRPr/>
           </a:p>
@@ -11781,7 +14095,873 @@
       </p:sp>
       <p:pic>
         <p:nvPicPr>
-          <p:cNvPr id="110" name="Google Shape;110;p19"/>
+          <p:cNvPr id="121" name="Google Shape;121;p19"/>
+          <p:cNvPicPr preferRelativeResize="0"/>
+          <p:nvPr/>
+        </p:nvPicPr>
+        <p:blipFill rotWithShape="1">
+          <a:blip r:embed="rId3">
+            <a:alphaModFix/>
+          </a:blip>
+          <a:srcRect b="0" l="0" r="0" t="2133"/>
+          <a:stretch/>
+        </p:blipFill>
+        <p:spPr>
+          <a:xfrm>
+            <a:off x="6444475" y="164175"/>
+            <a:ext cx="2667350" cy="884650"/>
+          </a:xfrm>
+          <a:prstGeom prst="rect">
+            <a:avLst/>
+          </a:prstGeom>
+          <a:noFill/>
+          <a:ln>
+            <a:noFill/>
+          </a:ln>
+        </p:spPr>
+      </p:pic>
+      <p:sp>
+        <p:nvSpPr>
+          <p:cNvPr id="122" name="Google Shape;122;p19"/>
+          <p:cNvSpPr/>
+          <p:nvPr/>
+        </p:nvSpPr>
+        <p:spPr>
+          <a:xfrm>
+            <a:off x="6929525" y="524500"/>
+            <a:ext cx="334800" cy="385500"/>
+          </a:xfrm>
+          <a:prstGeom prst="ellipse">
+            <a:avLst/>
+          </a:prstGeom>
+          <a:noFill/>
+          <a:ln cap="flat" cmpd="sng" w="28575">
+            <a:solidFill>
+              <a:srgbClr val="FF0000"/>
+            </a:solidFill>
+            <a:prstDash val="solid"/>
+            <a:round/>
+            <a:headEnd len="sm" w="sm" type="none"/>
+            <a:tailEnd len="sm" w="sm" type="none"/>
+          </a:ln>
+        </p:spPr>
+        <p:txBody>
+          <a:bodyPr anchorCtr="0" anchor="ctr" bIns="91425" lIns="91425" spcFirstLastPara="1" rIns="91425" wrap="square" tIns="91425">
+            <a:noAutofit/>
+          </a:bodyPr>
+          <a:lstStyle/>
+          <a:p>
+            <a:pPr indent="0" lvl="0" marL="0" rtl="0" algn="l">
+              <a:spcBef>
+                <a:spcPts val="0"/>
+              </a:spcBef>
+              <a:spcAft>
+                <a:spcPts val="0"/>
+              </a:spcAft>
+              <a:buNone/>
+            </a:pPr>
+            <a:r>
+              <a:t/>
+            </a:r>
+            <a:endParaRPr/>
+          </a:p>
+        </p:txBody>
+      </p:sp>
+      <p:pic>
+        <p:nvPicPr>
+          <p:cNvPr id="123" name="Google Shape;123;p19" title="mboi_l_ideal.mp4">
+            <a:hlinkClick r:id="rId4"/>
+          </p:cNvPr>
+          <p:cNvPicPr preferRelativeResize="0"/>
+          <p:nvPr/>
+        </p:nvPicPr>
+        <p:blipFill>
+          <a:blip r:embed="rId5">
+            <a:alphaModFix/>
+          </a:blip>
+          <a:stretch>
+            <a:fillRect/>
+          </a:stretch>
+        </p:blipFill>
+        <p:spPr>
+          <a:xfrm>
+            <a:off x="591000" y="910001"/>
+            <a:ext cx="5302500" cy="3976850"/>
+          </a:xfrm>
+          <a:prstGeom prst="rect">
+            <a:avLst/>
+          </a:prstGeom>
+          <a:noFill/>
+          <a:ln>
+            <a:noFill/>
+          </a:ln>
+        </p:spPr>
+      </p:pic>
+    </p:spTree>
+  </p:cSld>
+  <p:clrMapOvr>
+    <a:masterClrMapping/>
+  </p:clrMapOvr>
+  <p:timing>
+    <p:tnLst>
+      <p:par>
+        <p:cTn dur="indefinite" nodeType="tmRoot" restart="never">
+          <p:childTnLst>
+            <p:seq concurrent="1" nextAc="seek">
+              <p:cTn dur="indefinite" id="2" nodeType="mainSeq">
+                <p:childTnLst>
+                  <p:par>
+                    <p:cTn fill="hold">
+                      <p:stCondLst>
+                        <p:cond delay="indefinite"/>
+                      </p:stCondLst>
+                      <p:childTnLst>
+                        <p:par>
+                          <p:cTn fill="hold">
+                            <p:stCondLst>
+                              <p:cond delay="0"/>
+                            </p:stCondLst>
+                            <p:childTnLst>
+                              <p:par>
+                                <p:cTn fill="hold" nodeType="clickEffect" presetClass="entr" presetID="10" presetSubtype="0">
+                                  <p:stCondLst>
+                                    <p:cond delay="0"/>
+                                  </p:stCondLst>
+                                  <p:childTnLst>
+                                    <p:set>
+                                      <p:cBhvr>
+                                        <p:cTn dur="1" fill="hold">
+                                          <p:stCondLst>
+                                            <p:cond delay="0"/>
+                                          </p:stCondLst>
+                                        </p:cTn>
+                                        <p:tgtEl>
+                                          <p:spTgt spid="123"/>
+                                        </p:tgtEl>
+                                        <p:attrNameLst>
+                                          <p:attrName>style.visibility</p:attrName>
+                                        </p:attrNameLst>
+                                      </p:cBhvr>
+                                      <p:to>
+                                        <p:strVal val="visible"/>
+                                      </p:to>
+                                    </p:set>
+                                    <p:animEffect filter="fade" transition="in">
+                                      <p:cBhvr>
+                                        <p:cTn dur="1000"/>
+                                        <p:tgtEl>
+                                          <p:spTgt spid="123"/>
+                                        </p:tgtEl>
+                                      </p:cBhvr>
+                                    </p:animEffect>
+                                  </p:childTnLst>
+                                </p:cTn>
+                              </p:par>
+                            </p:childTnLst>
+                          </p:cTn>
+                        </p:par>
+                      </p:childTnLst>
+                    </p:cTn>
+                  </p:par>
+                </p:childTnLst>
+              </p:cTn>
+              <p:prevCondLst>
+                <p:cond evt="onPrev">
+                  <p:tgtEl>
+                    <p:sldTgt/>
+                  </p:tgtEl>
+                </p:cond>
+              </p:prevCondLst>
+              <p:nextCondLst>
+                <p:cond evt="onNext">
+                  <p:tgtEl>
+                    <p:sldTgt/>
+                  </p:tgtEl>
+                </p:cond>
+              </p:nextCondLst>
+            </p:seq>
+          </p:childTnLst>
+        </p:cTn>
+      </p:par>
+    </p:tnLst>
+  </p:timing>
+</p:sld>
+</file>
+
+<file path=ppt/slides/slide6.xml><?xml version="1.0" encoding="utf-8"?>
+<p:sld xmlns:a="http://schemas.openxmlformats.org/drawingml/2006/main" xmlns:r="http://schemas.openxmlformats.org/officeDocument/2006/relationships" xmlns:mc="http://schemas.openxmlformats.org/markup-compatibility/2006" xmlns:mv="urn:schemas-microsoft-com:mac:vml" xmlns:p="http://schemas.openxmlformats.org/presentationml/2006/main" xmlns:c="http://schemas.openxmlformats.org/drawingml/2006/chart" xmlns:dgm="http://schemas.openxmlformats.org/drawingml/2006/diagram" xmlns:o="urn:schemas-microsoft-com:office:office" xmlns:v="urn:schemas-microsoft-com:vml" xmlns:pvml="urn:schemas-microsoft-com:office:powerpoint" xmlns:com="http://schemas.openxmlformats.org/drawingml/2006/compatibility" xmlns:p14="http://schemas.microsoft.com/office/powerpoint/2010/main" xmlns:p15="http://schemas.microsoft.com/office/powerpoint/2012/main" xmlns:ahyp="http://schemas.microsoft.com/office/drawing/2018/hyperlinkcolor">
+  <p:cSld>
+    <p:spTree>
+      <p:nvGrpSpPr>
+        <p:cNvPr id="127" name="Shape 127"/>
+        <p:cNvGrpSpPr/>
+        <p:nvPr/>
+      </p:nvGrpSpPr>
+      <p:grpSpPr>
+        <a:xfrm>
+          <a:off x="0" y="0"/>
+          <a:ext cx="0" cy="0"/>
+          <a:chOff x="0" y="0"/>
+          <a:chExt cx="0" cy="0"/>
+        </a:xfrm>
+      </p:grpSpPr>
+      <p:sp>
+        <p:nvSpPr>
+          <p:cNvPr id="128" name="Google Shape;128;p20"/>
+          <p:cNvSpPr txBox="1"/>
+          <p:nvPr>
+            <p:ph type="title"/>
+          </p:nvPr>
+        </p:nvSpPr>
+        <p:spPr>
+          <a:xfrm>
+            <a:off x="0" y="270700"/>
+            <a:ext cx="6484500" cy="485700"/>
+          </a:xfrm>
+          <a:prstGeom prst="rect">
+            <a:avLst/>
+          </a:prstGeom>
+        </p:spPr>
+        <p:txBody>
+          <a:bodyPr anchorCtr="0" anchor="b" bIns="91425" lIns="91425" spcFirstLastPara="1" rIns="91425" wrap="square" tIns="91425">
+            <a:noAutofit/>
+          </a:bodyPr>
+          <a:lstStyle/>
+          <a:p>
+            <a:pPr indent="0" lvl="0" marL="0" rtl="0" algn="l">
+              <a:spcBef>
+                <a:spcPts val="0"/>
+              </a:spcBef>
+              <a:spcAft>
+                <a:spcPts val="0"/>
+              </a:spcAft>
+              <a:buNone/>
+            </a:pPr>
+            <a:r>
+              <a:rPr lang="en"/>
+              <a:t>Skeleton Representation: VideoPose3D</a:t>
+            </a:r>
+            <a:endParaRPr/>
+          </a:p>
+        </p:txBody>
+      </p:sp>
+      <p:pic>
+        <p:nvPicPr>
+          <p:cNvPr id="129" name="Google Shape;129;p20"/>
+          <p:cNvPicPr preferRelativeResize="0"/>
+          <p:nvPr/>
+        </p:nvPicPr>
+        <p:blipFill rotWithShape="1">
+          <a:blip r:embed="rId3">
+            <a:alphaModFix/>
+          </a:blip>
+          <a:srcRect b="0" l="0" r="0" t="2133"/>
+          <a:stretch/>
+        </p:blipFill>
+        <p:spPr>
+          <a:xfrm>
+            <a:off x="6444475" y="164175"/>
+            <a:ext cx="2667350" cy="884650"/>
+          </a:xfrm>
+          <a:prstGeom prst="rect">
+            <a:avLst/>
+          </a:prstGeom>
+          <a:noFill/>
+          <a:ln>
+            <a:noFill/>
+          </a:ln>
+        </p:spPr>
+      </p:pic>
+      <p:sp>
+        <p:nvSpPr>
+          <p:cNvPr id="130" name="Google Shape;130;p20"/>
+          <p:cNvSpPr/>
+          <p:nvPr/>
+        </p:nvSpPr>
+        <p:spPr>
+          <a:xfrm>
+            <a:off x="6929525" y="524500"/>
+            <a:ext cx="334800" cy="385500"/>
+          </a:xfrm>
+          <a:prstGeom prst="ellipse">
+            <a:avLst/>
+          </a:prstGeom>
+          <a:noFill/>
+          <a:ln cap="flat" cmpd="sng" w="28575">
+            <a:solidFill>
+              <a:srgbClr val="FF0000"/>
+            </a:solidFill>
+            <a:prstDash val="solid"/>
+            <a:round/>
+            <a:headEnd len="sm" w="sm" type="none"/>
+            <a:tailEnd len="sm" w="sm" type="none"/>
+          </a:ln>
+        </p:spPr>
+        <p:txBody>
+          <a:bodyPr anchorCtr="0" anchor="ctr" bIns="91425" lIns="91425" spcFirstLastPara="1" rIns="91425" wrap="square" tIns="91425">
+            <a:noAutofit/>
+          </a:bodyPr>
+          <a:lstStyle/>
+          <a:p>
+            <a:pPr indent="0" lvl="0" marL="0" rtl="0" algn="l">
+              <a:spcBef>
+                <a:spcPts val="0"/>
+              </a:spcBef>
+              <a:spcAft>
+                <a:spcPts val="0"/>
+              </a:spcAft>
+              <a:buNone/>
+            </a:pPr>
+            <a:r>
+              <a:t/>
+            </a:r>
+            <a:endParaRPr/>
+          </a:p>
+        </p:txBody>
+      </p:sp>
+      <p:pic>
+        <p:nvPicPr>
+          <p:cNvPr id="131" name="Google Shape;131;p20" title="mboi_l_ideal_si.mp4">
+            <a:hlinkClick r:id="rId4"/>
+          </p:cNvPr>
+          <p:cNvPicPr preferRelativeResize="0"/>
+          <p:nvPr/>
+        </p:nvPicPr>
+        <p:blipFill>
+          <a:blip r:embed="rId5">
+            <a:alphaModFix/>
+          </a:blip>
+          <a:stretch>
+            <a:fillRect/>
+          </a:stretch>
+        </p:blipFill>
+        <p:spPr>
+          <a:xfrm>
+            <a:off x="521825" y="845725"/>
+            <a:ext cx="5440850" cy="4080625"/>
+          </a:xfrm>
+          <a:prstGeom prst="rect">
+            <a:avLst/>
+          </a:prstGeom>
+          <a:noFill/>
+          <a:ln>
+            <a:noFill/>
+          </a:ln>
+        </p:spPr>
+      </p:pic>
+    </p:spTree>
+  </p:cSld>
+  <p:clrMapOvr>
+    <a:masterClrMapping/>
+  </p:clrMapOvr>
+  <p:timing>
+    <p:tnLst>
+      <p:par>
+        <p:cTn dur="indefinite" nodeType="tmRoot" restart="never">
+          <p:childTnLst>
+            <p:seq concurrent="1" nextAc="seek">
+              <p:cTn dur="indefinite" id="2" nodeType="mainSeq">
+                <p:childTnLst>
+                  <p:par>
+                    <p:cTn fill="hold">
+                      <p:stCondLst>
+                        <p:cond delay="indefinite"/>
+                      </p:stCondLst>
+                      <p:childTnLst>
+                        <p:par>
+                          <p:cTn fill="hold">
+                            <p:stCondLst>
+                              <p:cond delay="0"/>
+                            </p:stCondLst>
+                            <p:childTnLst>
+                              <p:par>
+                                <p:cTn fill="hold" nodeType="clickEffect" presetClass="entr" presetID="10" presetSubtype="0">
+                                  <p:stCondLst>
+                                    <p:cond delay="0"/>
+                                  </p:stCondLst>
+                                  <p:childTnLst>
+                                    <p:set>
+                                      <p:cBhvr>
+                                        <p:cTn dur="1" fill="hold">
+                                          <p:stCondLst>
+                                            <p:cond delay="0"/>
+                                          </p:stCondLst>
+                                        </p:cTn>
+                                        <p:tgtEl>
+                                          <p:spTgt spid="131"/>
+                                        </p:tgtEl>
+                                        <p:attrNameLst>
+                                          <p:attrName>style.visibility</p:attrName>
+                                        </p:attrNameLst>
+                                      </p:cBhvr>
+                                      <p:to>
+                                        <p:strVal val="visible"/>
+                                      </p:to>
+                                    </p:set>
+                                    <p:animEffect filter="fade" transition="in">
+                                      <p:cBhvr>
+                                        <p:cTn dur="1000"/>
+                                        <p:tgtEl>
+                                          <p:spTgt spid="131"/>
+                                        </p:tgtEl>
+                                      </p:cBhvr>
+                                    </p:animEffect>
+                                  </p:childTnLst>
+                                </p:cTn>
+                              </p:par>
+                            </p:childTnLst>
+                          </p:cTn>
+                        </p:par>
+                      </p:childTnLst>
+                    </p:cTn>
+                  </p:par>
+                </p:childTnLst>
+              </p:cTn>
+              <p:prevCondLst>
+                <p:cond evt="onPrev">
+                  <p:tgtEl>
+                    <p:sldTgt/>
+                  </p:tgtEl>
+                </p:cond>
+              </p:prevCondLst>
+              <p:nextCondLst>
+                <p:cond evt="onNext">
+                  <p:tgtEl>
+                    <p:sldTgt/>
+                  </p:tgtEl>
+                </p:cond>
+              </p:nextCondLst>
+            </p:seq>
+          </p:childTnLst>
+        </p:cTn>
+      </p:par>
+    </p:tnLst>
+  </p:timing>
+</p:sld>
+</file>
+
+<file path=ppt/slides/slide7.xml><?xml version="1.0" encoding="utf-8"?>
+<p:sld xmlns:a="http://schemas.openxmlformats.org/drawingml/2006/main" xmlns:r="http://schemas.openxmlformats.org/officeDocument/2006/relationships" xmlns:mc="http://schemas.openxmlformats.org/markup-compatibility/2006" xmlns:mv="urn:schemas-microsoft-com:mac:vml" xmlns:p="http://schemas.openxmlformats.org/presentationml/2006/main" xmlns:c="http://schemas.openxmlformats.org/drawingml/2006/chart" xmlns:dgm="http://schemas.openxmlformats.org/drawingml/2006/diagram" xmlns:o="urn:schemas-microsoft-com:office:office" xmlns:v="urn:schemas-microsoft-com:vml" xmlns:pvml="urn:schemas-microsoft-com:office:powerpoint" xmlns:com="http://schemas.openxmlformats.org/drawingml/2006/compatibility" xmlns:p14="http://schemas.microsoft.com/office/powerpoint/2010/main" xmlns:p15="http://schemas.microsoft.com/office/powerpoint/2012/main" xmlns:ahyp="http://schemas.microsoft.com/office/drawing/2018/hyperlinkcolor">
+  <p:cSld>
+    <p:spTree>
+      <p:nvGrpSpPr>
+        <p:cNvPr id="135" name="Shape 135"/>
+        <p:cNvGrpSpPr/>
+        <p:nvPr/>
+      </p:nvGrpSpPr>
+      <p:grpSpPr>
+        <a:xfrm>
+          <a:off x="0" y="0"/>
+          <a:ext cx="0" cy="0"/>
+          <a:chOff x="0" y="0"/>
+          <a:chExt cx="0" cy="0"/>
+        </a:xfrm>
+      </p:grpSpPr>
+      <p:sp>
+        <p:nvSpPr>
+          <p:cNvPr id="136" name="Google Shape;136;p21"/>
+          <p:cNvSpPr txBox="1"/>
+          <p:nvPr>
+            <p:ph type="title"/>
+          </p:nvPr>
+        </p:nvSpPr>
+        <p:spPr>
+          <a:xfrm>
+            <a:off x="0" y="270700"/>
+            <a:ext cx="6484500" cy="485700"/>
+          </a:xfrm>
+          <a:prstGeom prst="rect">
+            <a:avLst/>
+          </a:prstGeom>
+        </p:spPr>
+        <p:txBody>
+          <a:bodyPr anchorCtr="0" anchor="b" bIns="91425" lIns="91425" spcFirstLastPara="1" rIns="91425" wrap="square" tIns="91425">
+            <a:noAutofit/>
+          </a:bodyPr>
+          <a:lstStyle/>
+          <a:p>
+            <a:pPr indent="0" lvl="0" marL="0" rtl="0" algn="l">
+              <a:spcBef>
+                <a:spcPts val="0"/>
+              </a:spcBef>
+              <a:spcAft>
+                <a:spcPts val="0"/>
+              </a:spcAft>
+              <a:buNone/>
+            </a:pPr>
+            <a:r>
+              <a:rPr lang="en"/>
+              <a:t>Skeleton Representation: VideoPose3D</a:t>
+            </a:r>
+            <a:endParaRPr/>
+          </a:p>
+        </p:txBody>
+      </p:sp>
+      <p:pic>
+        <p:nvPicPr>
+          <p:cNvPr id="137" name="Google Shape;137;p21"/>
+          <p:cNvPicPr preferRelativeResize="0"/>
+          <p:nvPr/>
+        </p:nvPicPr>
+        <p:blipFill rotWithShape="1">
+          <a:blip r:embed="rId3">
+            <a:alphaModFix/>
+          </a:blip>
+          <a:srcRect b="0" l="0" r="0" t="2133"/>
+          <a:stretch/>
+        </p:blipFill>
+        <p:spPr>
+          <a:xfrm>
+            <a:off x="6444475" y="164175"/>
+            <a:ext cx="2667350" cy="884650"/>
+          </a:xfrm>
+          <a:prstGeom prst="rect">
+            <a:avLst/>
+          </a:prstGeom>
+          <a:noFill/>
+          <a:ln>
+            <a:noFill/>
+          </a:ln>
+        </p:spPr>
+      </p:pic>
+      <p:sp>
+        <p:nvSpPr>
+          <p:cNvPr id="138" name="Google Shape;138;p21"/>
+          <p:cNvSpPr/>
+          <p:nvPr/>
+        </p:nvSpPr>
+        <p:spPr>
+          <a:xfrm>
+            <a:off x="6929525" y="524500"/>
+            <a:ext cx="334800" cy="385500"/>
+          </a:xfrm>
+          <a:prstGeom prst="ellipse">
+            <a:avLst/>
+          </a:prstGeom>
+          <a:noFill/>
+          <a:ln cap="flat" cmpd="sng" w="28575">
+            <a:solidFill>
+              <a:srgbClr val="FF0000"/>
+            </a:solidFill>
+            <a:prstDash val="solid"/>
+            <a:round/>
+            <a:headEnd len="sm" w="sm" type="none"/>
+            <a:tailEnd len="sm" w="sm" type="none"/>
+          </a:ln>
+        </p:spPr>
+        <p:txBody>
+          <a:bodyPr anchorCtr="0" anchor="ctr" bIns="91425" lIns="91425" spcFirstLastPara="1" rIns="91425" wrap="square" tIns="91425">
+            <a:noAutofit/>
+          </a:bodyPr>
+          <a:lstStyle/>
+          <a:p>
+            <a:pPr indent="0" lvl="0" marL="0" rtl="0" algn="l">
+              <a:spcBef>
+                <a:spcPts val="0"/>
+              </a:spcBef>
+              <a:spcAft>
+                <a:spcPts val="0"/>
+              </a:spcAft>
+              <a:buNone/>
+            </a:pPr>
+            <a:r>
+              <a:t/>
+            </a:r>
+            <a:endParaRPr/>
+          </a:p>
+        </p:txBody>
+      </p:sp>
+      <p:pic>
+        <p:nvPicPr>
+          <p:cNvPr id="139" name="Google Shape;139;p21"/>
+          <p:cNvPicPr preferRelativeResize="0"/>
+          <p:nvPr/>
+        </p:nvPicPr>
+        <p:blipFill>
+          <a:blip r:embed="rId4">
+            <a:alphaModFix/>
+          </a:blip>
+          <a:stretch>
+            <a:fillRect/>
+          </a:stretch>
+        </p:blipFill>
+        <p:spPr>
+          <a:xfrm>
+            <a:off x="646925" y="1048825"/>
+            <a:ext cx="4285750" cy="3556775"/>
+          </a:xfrm>
+          <a:prstGeom prst="rect">
+            <a:avLst/>
+          </a:prstGeom>
+          <a:noFill/>
+          <a:ln>
+            <a:noFill/>
+          </a:ln>
+        </p:spPr>
+      </p:pic>
+      <p:pic>
+        <p:nvPicPr>
+          <p:cNvPr id="140" name="Google Shape;140;p21"/>
+          <p:cNvPicPr preferRelativeResize="0"/>
+          <p:nvPr/>
+        </p:nvPicPr>
+        <p:blipFill>
+          <a:blip r:embed="rId5">
+            <a:alphaModFix/>
+          </a:blip>
+          <a:stretch>
+            <a:fillRect/>
+          </a:stretch>
+        </p:blipFill>
+        <p:spPr>
+          <a:xfrm>
+            <a:off x="5285000" y="1529063"/>
+            <a:ext cx="2281950" cy="2596300"/>
+          </a:xfrm>
+          <a:prstGeom prst="rect">
+            <a:avLst/>
+          </a:prstGeom>
+          <a:noFill/>
+          <a:ln>
+            <a:noFill/>
+          </a:ln>
+        </p:spPr>
+      </p:pic>
+    </p:spTree>
+  </p:cSld>
+  <p:clrMapOvr>
+    <a:masterClrMapping/>
+  </p:clrMapOvr>
+</p:sld>
+</file>
+
+<file path=ppt/slides/slide8.xml><?xml version="1.0" encoding="utf-8"?>
+<p:sld xmlns:a="http://schemas.openxmlformats.org/drawingml/2006/main" xmlns:r="http://schemas.openxmlformats.org/officeDocument/2006/relationships" xmlns:mc="http://schemas.openxmlformats.org/markup-compatibility/2006" xmlns:mv="urn:schemas-microsoft-com:mac:vml" xmlns:p="http://schemas.openxmlformats.org/presentationml/2006/main" xmlns:c="http://schemas.openxmlformats.org/drawingml/2006/chart" xmlns:dgm="http://schemas.openxmlformats.org/drawingml/2006/diagram" xmlns:o="urn:schemas-microsoft-com:office:office" xmlns:v="urn:schemas-microsoft-com:vml" xmlns:pvml="urn:schemas-microsoft-com:office:powerpoint" xmlns:com="http://schemas.openxmlformats.org/drawingml/2006/compatibility" xmlns:p14="http://schemas.microsoft.com/office/powerpoint/2010/main" xmlns:p15="http://schemas.microsoft.com/office/powerpoint/2012/main" xmlns:ahyp="http://schemas.microsoft.com/office/drawing/2018/hyperlinkcolor">
+  <p:cSld>
+    <p:spTree>
+      <p:nvGrpSpPr>
+        <p:cNvPr id="144" name="Shape 144"/>
+        <p:cNvGrpSpPr/>
+        <p:nvPr/>
+      </p:nvGrpSpPr>
+      <p:grpSpPr>
+        <a:xfrm>
+          <a:off x="0" y="0"/>
+          <a:ext cx="0" cy="0"/>
+          <a:chOff x="0" y="0"/>
+          <a:chExt cx="0" cy="0"/>
+        </a:xfrm>
+      </p:grpSpPr>
+      <p:sp>
+        <p:nvSpPr>
+          <p:cNvPr id="145" name="Google Shape;145;p22"/>
+          <p:cNvSpPr txBox="1"/>
+          <p:nvPr>
+            <p:ph type="title"/>
+          </p:nvPr>
+        </p:nvSpPr>
+        <p:spPr>
+          <a:xfrm>
+            <a:off x="0" y="270700"/>
+            <a:ext cx="6484500" cy="485700"/>
+          </a:xfrm>
+          <a:prstGeom prst="rect">
+            <a:avLst/>
+          </a:prstGeom>
+        </p:spPr>
+        <p:txBody>
+          <a:bodyPr anchorCtr="0" anchor="b" bIns="91425" lIns="91425" spcFirstLastPara="1" rIns="91425" wrap="square" tIns="91425">
+            <a:noAutofit/>
+          </a:bodyPr>
+          <a:lstStyle/>
+          <a:p>
+            <a:pPr indent="0" lvl="0" marL="0" rtl="0" algn="l">
+              <a:spcBef>
+                <a:spcPts val="0"/>
+              </a:spcBef>
+              <a:spcAft>
+                <a:spcPts val="0"/>
+              </a:spcAft>
+              <a:buNone/>
+            </a:pPr>
+            <a:r>
+              <a:rPr lang="en"/>
+              <a:t>Skeleton Representation: Angles</a:t>
+            </a:r>
+            <a:endParaRPr/>
+          </a:p>
+        </p:txBody>
+      </p:sp>
+      <p:pic>
+        <p:nvPicPr>
+          <p:cNvPr id="146" name="Google Shape;146;p22"/>
+          <p:cNvPicPr preferRelativeResize="0"/>
+          <p:nvPr/>
+        </p:nvPicPr>
+        <p:blipFill rotWithShape="1">
+          <a:blip r:embed="rId3">
+            <a:alphaModFix/>
+          </a:blip>
+          <a:srcRect b="0" l="0" r="0" t="2133"/>
+          <a:stretch/>
+        </p:blipFill>
+        <p:spPr>
+          <a:xfrm>
+            <a:off x="6444475" y="164175"/>
+            <a:ext cx="2667350" cy="884650"/>
+          </a:xfrm>
+          <a:prstGeom prst="rect">
+            <a:avLst/>
+          </a:prstGeom>
+          <a:noFill/>
+          <a:ln>
+            <a:noFill/>
+          </a:ln>
+        </p:spPr>
+      </p:pic>
+      <p:sp>
+        <p:nvSpPr>
+          <p:cNvPr id="147" name="Google Shape;147;p22"/>
+          <p:cNvSpPr/>
+          <p:nvPr/>
+        </p:nvSpPr>
+        <p:spPr>
+          <a:xfrm>
+            <a:off x="6929525" y="524500"/>
+            <a:ext cx="334800" cy="385500"/>
+          </a:xfrm>
+          <a:prstGeom prst="ellipse">
+            <a:avLst/>
+          </a:prstGeom>
+          <a:noFill/>
+          <a:ln cap="flat" cmpd="sng" w="28575">
+            <a:solidFill>
+              <a:srgbClr val="FF0000"/>
+            </a:solidFill>
+            <a:prstDash val="solid"/>
+            <a:round/>
+            <a:headEnd len="sm" w="sm" type="none"/>
+            <a:tailEnd len="sm" w="sm" type="none"/>
+          </a:ln>
+        </p:spPr>
+        <p:txBody>
+          <a:bodyPr anchorCtr="0" anchor="ctr" bIns="91425" lIns="91425" spcFirstLastPara="1" rIns="91425" wrap="square" tIns="91425">
+            <a:noAutofit/>
+          </a:bodyPr>
+          <a:lstStyle/>
+          <a:p>
+            <a:pPr indent="0" lvl="0" marL="0" rtl="0" algn="l">
+              <a:spcBef>
+                <a:spcPts val="0"/>
+              </a:spcBef>
+              <a:spcAft>
+                <a:spcPts val="0"/>
+              </a:spcAft>
+              <a:buNone/>
+            </a:pPr>
+            <a:r>
+              <a:t/>
+            </a:r>
+            <a:endParaRPr/>
+          </a:p>
+        </p:txBody>
+      </p:sp>
+      <p:pic>
+        <p:nvPicPr>
+          <p:cNvPr id="148" name="Google Shape;148;p22"/>
+          <p:cNvPicPr preferRelativeResize="0"/>
+          <p:nvPr/>
+        </p:nvPicPr>
+        <p:blipFill>
+          <a:blip r:embed="rId4">
+            <a:alphaModFix/>
+          </a:blip>
+          <a:stretch>
+            <a:fillRect/>
+          </a:stretch>
+        </p:blipFill>
+        <p:spPr>
+          <a:xfrm>
+            <a:off x="1390650" y="1088525"/>
+            <a:ext cx="5976342" cy="3789876"/>
+          </a:xfrm>
+          <a:prstGeom prst="rect">
+            <a:avLst/>
+          </a:prstGeom>
+          <a:noFill/>
+          <a:ln>
+            <a:noFill/>
+          </a:ln>
+        </p:spPr>
+      </p:pic>
+    </p:spTree>
+  </p:cSld>
+  <p:clrMapOvr>
+    <a:masterClrMapping/>
+  </p:clrMapOvr>
+</p:sld>
+</file>
+
+<file path=ppt/slides/slide9.xml><?xml version="1.0" encoding="utf-8"?>
+<p:sld xmlns:a="http://schemas.openxmlformats.org/drawingml/2006/main" xmlns:r="http://schemas.openxmlformats.org/officeDocument/2006/relationships" xmlns:mc="http://schemas.openxmlformats.org/markup-compatibility/2006" xmlns:mv="urn:schemas-microsoft-com:mac:vml" xmlns:p="http://schemas.openxmlformats.org/presentationml/2006/main" xmlns:c="http://schemas.openxmlformats.org/drawingml/2006/chart" xmlns:dgm="http://schemas.openxmlformats.org/drawingml/2006/diagram" xmlns:o="urn:schemas-microsoft-com:office:office" xmlns:v="urn:schemas-microsoft-com:vml" xmlns:pvml="urn:schemas-microsoft-com:office:powerpoint" xmlns:com="http://schemas.openxmlformats.org/drawingml/2006/compatibility" xmlns:p14="http://schemas.microsoft.com/office/powerpoint/2010/main" xmlns:p15="http://schemas.microsoft.com/office/powerpoint/2012/main" xmlns:ahyp="http://schemas.microsoft.com/office/drawing/2018/hyperlinkcolor">
+  <p:cSld>
+    <p:spTree>
+      <p:nvGrpSpPr>
+        <p:cNvPr id="152" name="Shape 152"/>
+        <p:cNvGrpSpPr/>
+        <p:nvPr/>
+      </p:nvGrpSpPr>
+      <p:grpSpPr>
+        <a:xfrm>
+          <a:off x="0" y="0"/>
+          <a:ext cx="0" cy="0"/>
+          <a:chOff x="0" y="0"/>
+          <a:chExt cx="0" cy="0"/>
+        </a:xfrm>
+      </p:grpSpPr>
+      <p:sp>
+        <p:nvSpPr>
+          <p:cNvPr id="153" name="Google Shape;153;p23"/>
+          <p:cNvSpPr txBox="1"/>
+          <p:nvPr>
+            <p:ph type="title"/>
+          </p:nvPr>
+        </p:nvSpPr>
+        <p:spPr>
+          <a:xfrm>
+            <a:off x="118400" y="71325"/>
+            <a:ext cx="6153000" cy="552900"/>
+          </a:xfrm>
+          <a:prstGeom prst="rect">
+            <a:avLst/>
+          </a:prstGeom>
+        </p:spPr>
+        <p:txBody>
+          <a:bodyPr anchorCtr="0" anchor="b" bIns="91425" lIns="91425" spcFirstLastPara="1" rIns="91425" wrap="square" tIns="91425">
+            <a:noAutofit/>
+          </a:bodyPr>
+          <a:lstStyle/>
+          <a:p>
+            <a:pPr indent="0" lvl="0" marL="0" rtl="0" algn="l">
+              <a:spcBef>
+                <a:spcPts val="0"/>
+              </a:spcBef>
+              <a:spcAft>
+                <a:spcPts val="0"/>
+              </a:spcAft>
+              <a:buNone/>
+            </a:pPr>
+            <a:r>
+              <a:rPr lang="en"/>
+              <a:t>Pose Classification: KNN</a:t>
+            </a:r>
+            <a:endParaRPr/>
+          </a:p>
+        </p:txBody>
+      </p:sp>
+      <p:pic>
+        <p:nvPicPr>
+          <p:cNvPr id="154" name="Google Shape;154;p23"/>
           <p:cNvPicPr preferRelativeResize="0"/>
           <p:nvPr/>
         </p:nvPicPr>
@@ -11808,204 +14988,7 @@
       </p:pic>
       <p:sp>
         <p:nvSpPr>
-          <p:cNvPr id="111" name="Google Shape;111;p19"/>
-          <p:cNvSpPr/>
-          <p:nvPr/>
-        </p:nvSpPr>
-        <p:spPr>
-          <a:xfrm>
-            <a:off x="7335300" y="247975"/>
-            <a:ext cx="319800" cy="312000"/>
-          </a:xfrm>
-          <a:prstGeom prst="ellipse">
-            <a:avLst/>
-          </a:prstGeom>
-          <a:noFill/>
-          <a:ln cap="flat" cmpd="sng" w="28575">
-            <a:solidFill>
-              <a:srgbClr val="FF0000"/>
-            </a:solidFill>
-            <a:prstDash val="solid"/>
-            <a:round/>
-            <a:headEnd len="sm" w="sm" type="none"/>
-            <a:tailEnd len="sm" w="sm" type="none"/>
-          </a:ln>
-        </p:spPr>
-        <p:txBody>
-          <a:bodyPr anchorCtr="0" anchor="ctr" bIns="91425" lIns="91425" spcFirstLastPara="1" rIns="91425" wrap="square" tIns="91425">
-            <a:noAutofit/>
-          </a:bodyPr>
-          <a:lstStyle/>
-          <a:p>
-            <a:pPr indent="0" lvl="0" marL="0" rtl="0" algn="l">
-              <a:spcBef>
-                <a:spcPts val="0"/>
-              </a:spcBef>
-              <a:spcAft>
-                <a:spcPts val="0"/>
-              </a:spcAft>
-              <a:buNone/>
-            </a:pPr>
-            <a:r>
-              <a:t/>
-            </a:r>
-            <a:endParaRPr/>
-          </a:p>
-        </p:txBody>
-      </p:sp>
-    </p:spTree>
-  </p:cSld>
-  <p:clrMapOvr>
-    <a:masterClrMapping/>
-  </p:clrMapOvr>
-</p:sld>
-</file>
-
-<file path=ppt/slides/slide6.xml><?xml version="1.0" encoding="utf-8"?>
-<p:sld xmlns:a="http://schemas.openxmlformats.org/drawingml/2006/main" xmlns:r="http://schemas.openxmlformats.org/officeDocument/2006/relationships" xmlns:mc="http://schemas.openxmlformats.org/markup-compatibility/2006" xmlns:mv="urn:schemas-microsoft-com:mac:vml" xmlns:p="http://schemas.openxmlformats.org/presentationml/2006/main" xmlns:c="http://schemas.openxmlformats.org/drawingml/2006/chart" xmlns:dgm="http://schemas.openxmlformats.org/drawingml/2006/diagram" xmlns:o="urn:schemas-microsoft-com:office:office" xmlns:v="urn:schemas-microsoft-com:vml" xmlns:pvml="urn:schemas-microsoft-com:office:powerpoint" xmlns:com="http://schemas.openxmlformats.org/drawingml/2006/compatibility" xmlns:p14="http://schemas.microsoft.com/office/powerpoint/2010/main" xmlns:p15="http://schemas.microsoft.com/office/powerpoint/2012/main" xmlns:ahyp="http://schemas.microsoft.com/office/drawing/2018/hyperlinkcolor">
-  <p:cSld>
-    <p:spTree>
-      <p:nvGrpSpPr>
-        <p:cNvPr id="115" name="Shape 115"/>
-        <p:cNvGrpSpPr/>
-        <p:nvPr/>
-      </p:nvGrpSpPr>
-      <p:grpSpPr>
-        <a:xfrm>
-          <a:off x="0" y="0"/>
-          <a:ext cx="0" cy="0"/>
-          <a:chOff x="0" y="0"/>
-          <a:chExt cx="0" cy="0"/>
-        </a:xfrm>
-      </p:grpSpPr>
-      <p:sp>
-        <p:nvSpPr>
-          <p:cNvPr id="116" name="Google Shape;116;p20"/>
-          <p:cNvSpPr txBox="1"/>
-          <p:nvPr>
-            <p:ph type="title"/>
-          </p:nvPr>
-        </p:nvSpPr>
-        <p:spPr>
-          <a:xfrm>
-            <a:off x="118400" y="487950"/>
-            <a:ext cx="6153000" cy="552900"/>
-          </a:xfrm>
-          <a:prstGeom prst="rect">
-            <a:avLst/>
-          </a:prstGeom>
-        </p:spPr>
-        <p:txBody>
-          <a:bodyPr anchorCtr="0" anchor="b" bIns="91425" lIns="91425" spcFirstLastPara="1" rIns="91425" wrap="square" tIns="91425">
-            <a:noAutofit/>
-          </a:bodyPr>
-          <a:lstStyle/>
-          <a:p>
-            <a:pPr indent="0" lvl="0" marL="0" rtl="0" algn="l">
-              <a:spcBef>
-                <a:spcPts val="0"/>
-              </a:spcBef>
-              <a:spcAft>
-                <a:spcPts val="0"/>
-              </a:spcAft>
-              <a:buNone/>
-            </a:pPr>
-            <a:r>
-              <a:rPr lang="en"/>
-              <a:t>Pose Classification: KNN</a:t>
-            </a:r>
-            <a:endParaRPr/>
-          </a:p>
-        </p:txBody>
-      </p:sp>
-      <p:sp>
-        <p:nvSpPr>
-          <p:cNvPr id="117" name="Google Shape;117;p20"/>
-          <p:cNvSpPr txBox="1"/>
-          <p:nvPr>
-            <p:ph idx="1" type="body"/>
-          </p:nvPr>
-        </p:nvSpPr>
-        <p:spPr>
-          <a:xfrm>
-            <a:off x="838250" y="1504950"/>
-            <a:ext cx="6648000" cy="1066800"/>
-          </a:xfrm>
-          <a:prstGeom prst="rect">
-            <a:avLst/>
-          </a:prstGeom>
-        </p:spPr>
-        <p:txBody>
-          <a:bodyPr anchorCtr="0" anchor="t" bIns="91425" lIns="91425" spcFirstLastPara="1" rIns="91425" wrap="square" tIns="91425">
-            <a:noAutofit/>
-          </a:bodyPr>
-          <a:lstStyle/>
-          <a:p>
-            <a:pPr indent="-355600" lvl="0" marL="457200" rtl="0" algn="l">
-              <a:spcBef>
-                <a:spcPts val="600"/>
-              </a:spcBef>
-              <a:spcAft>
-                <a:spcPts val="0"/>
-              </a:spcAft>
-              <a:buSzPts val="2000"/>
-              <a:buChar char="▸"/>
-            </a:pPr>
-            <a:r>
-              <a:rPr lang="en"/>
-              <a:t>How many poses (clusters) per move?</a:t>
-            </a:r>
-            <a:endParaRPr/>
-          </a:p>
-          <a:p>
-            <a:pPr indent="-355600" lvl="0" marL="457200" rtl="0" algn="l">
-              <a:spcBef>
-                <a:spcPts val="0"/>
-              </a:spcBef>
-              <a:spcAft>
-                <a:spcPts val="0"/>
-              </a:spcAft>
-              <a:buSzPts val="2000"/>
-              <a:buChar char="▸"/>
-            </a:pPr>
-            <a:r>
-              <a:rPr lang="en"/>
-              <a:t>How to represent a move as a sequence of poses?</a:t>
-            </a:r>
-            <a:endParaRPr/>
-          </a:p>
-        </p:txBody>
-      </p:sp>
-      <p:pic>
-        <p:nvPicPr>
-          <p:cNvPr id="118" name="Google Shape;118;p20"/>
-          <p:cNvPicPr preferRelativeResize="0"/>
-          <p:nvPr/>
-        </p:nvPicPr>
-        <p:blipFill rotWithShape="1">
-          <a:blip r:embed="rId3">
-            <a:alphaModFix/>
-          </a:blip>
-          <a:srcRect b="0" l="0" r="0" t="2133"/>
-          <a:stretch/>
-        </p:blipFill>
-        <p:spPr>
-          <a:xfrm>
-            <a:off x="6404500" y="156175"/>
-            <a:ext cx="2667350" cy="884650"/>
-          </a:xfrm>
-          <a:prstGeom prst="rect">
-            <a:avLst/>
-          </a:prstGeom>
-          <a:noFill/>
-          <a:ln>
-            <a:noFill/>
-          </a:ln>
-        </p:spPr>
-      </p:pic>
-      <p:sp>
-        <p:nvSpPr>
-          <p:cNvPr id="119" name="Google Shape;119;p20"/>
+          <p:cNvPr id="155" name="Google Shape;155;p23"/>
           <p:cNvSpPr/>
           <p:nvPr/>
         </p:nvSpPr>
@@ -12050,155 +15033,866 @@
           </a:p>
         </p:txBody>
       </p:sp>
-    </p:spTree>
-  </p:cSld>
-  <p:clrMapOvr>
-    <a:masterClrMapping/>
-  </p:clrMapOvr>
-</p:sld>
-</file>
-
-<file path=ppt/slides/slide7.xml><?xml version="1.0" encoding="utf-8"?>
-<p:sld xmlns:a="http://schemas.openxmlformats.org/drawingml/2006/main" xmlns:r="http://schemas.openxmlformats.org/officeDocument/2006/relationships" xmlns:mc="http://schemas.openxmlformats.org/markup-compatibility/2006" xmlns:mv="urn:schemas-microsoft-com:mac:vml" xmlns:p="http://schemas.openxmlformats.org/presentationml/2006/main" xmlns:c="http://schemas.openxmlformats.org/drawingml/2006/chart" xmlns:dgm="http://schemas.openxmlformats.org/drawingml/2006/diagram" xmlns:o="urn:schemas-microsoft-com:office:office" xmlns:v="urn:schemas-microsoft-com:vml" xmlns:pvml="urn:schemas-microsoft-com:office:powerpoint" xmlns:com="http://schemas.openxmlformats.org/drawingml/2006/compatibility" xmlns:p14="http://schemas.microsoft.com/office/powerpoint/2010/main" xmlns:p15="http://schemas.microsoft.com/office/powerpoint/2012/main" xmlns:ahyp="http://schemas.microsoft.com/office/drawing/2018/hyperlinkcolor">
-  <p:cSld>
-    <p:spTree>
-      <p:nvGrpSpPr>
-        <p:cNvPr id="123" name="Shape 123"/>
-        <p:cNvGrpSpPr/>
-        <p:nvPr/>
-      </p:nvGrpSpPr>
-      <p:grpSpPr>
-        <a:xfrm>
-          <a:off x="0" y="0"/>
-          <a:ext cx="0" cy="0"/>
-          <a:chOff x="0" y="0"/>
-          <a:chExt cx="0" cy="0"/>
-        </a:xfrm>
-      </p:grpSpPr>
+      <p:graphicFrame>
+        <p:nvGraphicFramePr>
+          <p:cNvPr id="156" name="Google Shape;156;p23"/>
+          <p:cNvGraphicFramePr/>
+          <p:nvPr/>
+        </p:nvGraphicFramePr>
+        <p:xfrm>
+          <a:off x="118400" y="958525"/>
+          <a:ext cx="3000000" cy="3000000"/>
+        </p:xfrm>
+        <a:graphic>
+          <a:graphicData uri="http://schemas.openxmlformats.org/drawingml/2006/table">
+            <a:tbl>
+              <a:tblPr>
+                <a:noFill/>
+                <a:tableStyleId>{EA81736F-43BA-4C1E-AF7E-28D34A1D9D10}</a:tableStyleId>
+              </a:tblPr>
+              <a:tblGrid>
+                <a:gridCol w="1581000"/>
+                <a:gridCol w="2757300"/>
+              </a:tblGrid>
+              <a:tr h="381000">
+                <a:tc>
+                  <a:txBody>
+                    <a:bodyPr/>
+                    <a:lstStyle/>
+                    <a:p>
+                      <a:pPr indent="0" lvl="0" marL="0" rtl="0" algn="l">
+                        <a:spcBef>
+                          <a:spcPts val="0"/>
+                        </a:spcBef>
+                        <a:spcAft>
+                          <a:spcPts val="0"/>
+                        </a:spcAft>
+                        <a:buNone/>
+                      </a:pPr>
+                      <a:r>
+                        <a:rPr i="1" lang="en" sz="1800">
+                          <a:solidFill>
+                            <a:schemeClr val="dk1"/>
+                          </a:solidFill>
+                          <a:latin typeface="Karla"/>
+                          <a:ea typeface="Karla"/>
+                          <a:cs typeface="Karla"/>
+                          <a:sym typeface="Karla"/>
+                        </a:rPr>
+                        <a:t>hb_l</a:t>
+                      </a:r>
+                      <a:endParaRPr i="1" sz="1800">
+                        <a:solidFill>
+                          <a:schemeClr val="dk1"/>
+                        </a:solidFill>
+                        <a:latin typeface="Karla"/>
+                        <a:ea typeface="Karla"/>
+                        <a:cs typeface="Karla"/>
+                        <a:sym typeface="Karla"/>
+                      </a:endParaRPr>
+                    </a:p>
+                  </a:txBody>
+                  <a:tcPr marT="91425" marB="91425" marR="91425" marL="91425"/>
+                </a:tc>
+                <a:tc>
+                  <a:txBody>
+                    <a:bodyPr/>
+                    <a:lstStyle/>
+                    <a:p>
+                      <a:pPr indent="0" lvl="0" marL="0" rtl="0" algn="l">
+                        <a:spcBef>
+                          <a:spcPts val="0"/>
+                        </a:spcBef>
+                        <a:spcAft>
+                          <a:spcPts val="0"/>
+                        </a:spcAft>
+                        <a:buNone/>
+                      </a:pPr>
+                      <a:r>
+                        <a:rPr lang="en" sz="1800">
+                          <a:solidFill>
+                            <a:schemeClr val="dk1"/>
+                          </a:solidFill>
+                          <a:latin typeface="Karla"/>
+                          <a:ea typeface="Karla"/>
+                          <a:cs typeface="Karla"/>
+                          <a:sym typeface="Karla"/>
+                        </a:rPr>
+                        <a:t>0.444</a:t>
+                      </a:r>
+                      <a:endParaRPr sz="1800">
+                        <a:solidFill>
+                          <a:schemeClr val="dk1"/>
+                        </a:solidFill>
+                        <a:latin typeface="Karla"/>
+                        <a:ea typeface="Karla"/>
+                        <a:cs typeface="Karla"/>
+                        <a:sym typeface="Karla"/>
+                      </a:endParaRPr>
+                    </a:p>
+                  </a:txBody>
+                  <a:tcPr marT="91425" marB="91425" marR="91425" marL="91425"/>
+                </a:tc>
+              </a:tr>
+              <a:tr h="381000">
+                <a:tc>
+                  <a:txBody>
+                    <a:bodyPr/>
+                    <a:lstStyle/>
+                    <a:p>
+                      <a:pPr indent="0" lvl="0" marL="0" rtl="0" algn="l">
+                        <a:spcBef>
+                          <a:spcPts val="0"/>
+                        </a:spcBef>
+                        <a:spcAft>
+                          <a:spcPts val="0"/>
+                        </a:spcAft>
+                        <a:buNone/>
+                      </a:pPr>
+                      <a:r>
+                        <a:rPr i="1" lang="en" sz="1800">
+                          <a:solidFill>
+                            <a:schemeClr val="dk1"/>
+                          </a:solidFill>
+                          <a:latin typeface="Karla"/>
+                          <a:ea typeface="Karla"/>
+                          <a:cs typeface="Karla"/>
+                          <a:sym typeface="Karla"/>
+                        </a:rPr>
+                        <a:t>mbio_l</a:t>
+                      </a:r>
+                      <a:endParaRPr i="1" sz="1800">
+                        <a:solidFill>
+                          <a:schemeClr val="dk1"/>
+                        </a:solidFill>
+                        <a:latin typeface="Karla"/>
+                        <a:ea typeface="Karla"/>
+                        <a:cs typeface="Karla"/>
+                        <a:sym typeface="Karla"/>
+                      </a:endParaRPr>
+                    </a:p>
+                  </a:txBody>
+                  <a:tcPr marT="91425" marB="91425" marR="91425" marL="91425"/>
+                </a:tc>
+                <a:tc>
+                  <a:txBody>
+                    <a:bodyPr/>
+                    <a:lstStyle/>
+                    <a:p>
+                      <a:pPr indent="0" lvl="0" marL="0" rtl="0" algn="l">
+                        <a:spcBef>
+                          <a:spcPts val="0"/>
+                        </a:spcBef>
+                        <a:spcAft>
+                          <a:spcPts val="0"/>
+                        </a:spcAft>
+                        <a:buNone/>
+                      </a:pPr>
+                      <a:r>
+                        <a:rPr lang="en" sz="1800">
+                          <a:solidFill>
+                            <a:schemeClr val="dk1"/>
+                          </a:solidFill>
+                          <a:latin typeface="Karla"/>
+                          <a:ea typeface="Karla"/>
+                          <a:cs typeface="Karla"/>
+                          <a:sym typeface="Karla"/>
+                        </a:rPr>
+                        <a:t>NaN</a:t>
+                      </a:r>
+                      <a:endParaRPr sz="1800">
+                        <a:solidFill>
+                          <a:schemeClr val="dk1"/>
+                        </a:solidFill>
+                        <a:latin typeface="Karla"/>
+                        <a:ea typeface="Karla"/>
+                        <a:cs typeface="Karla"/>
+                        <a:sym typeface="Karla"/>
+                      </a:endParaRPr>
+                    </a:p>
+                  </a:txBody>
+                  <a:tcPr marT="91425" marB="91425" marR="91425" marL="91425"/>
+                </a:tc>
+              </a:tr>
+              <a:tr h="381000">
+                <a:tc>
+                  <a:txBody>
+                    <a:bodyPr/>
+                    <a:lstStyle/>
+                    <a:p>
+                      <a:pPr indent="0" lvl="0" marL="0" rtl="0" algn="l">
+                        <a:spcBef>
+                          <a:spcPts val="0"/>
+                        </a:spcBef>
+                        <a:spcAft>
+                          <a:spcPts val="0"/>
+                        </a:spcAft>
+                        <a:buNone/>
+                      </a:pPr>
+                      <a:r>
+                        <a:rPr i="1" lang="en" sz="1800">
+                          <a:solidFill>
+                            <a:schemeClr val="dk1"/>
+                          </a:solidFill>
+                          <a:latin typeface="Karla"/>
+                          <a:ea typeface="Karla"/>
+                          <a:cs typeface="Karla"/>
+                          <a:sym typeface="Karla"/>
+                        </a:rPr>
+                        <a:t>mboi_l</a:t>
+                      </a:r>
+                      <a:endParaRPr i="1" sz="1800">
+                        <a:solidFill>
+                          <a:schemeClr val="dk1"/>
+                        </a:solidFill>
+                        <a:latin typeface="Karla"/>
+                        <a:ea typeface="Karla"/>
+                        <a:cs typeface="Karla"/>
+                        <a:sym typeface="Karla"/>
+                      </a:endParaRPr>
+                    </a:p>
+                  </a:txBody>
+                  <a:tcPr marT="91425" marB="91425" marR="91425" marL="91425"/>
+                </a:tc>
+                <a:tc>
+                  <a:txBody>
+                    <a:bodyPr/>
+                    <a:lstStyle/>
+                    <a:p>
+                      <a:pPr indent="0" lvl="0" marL="0" rtl="0" algn="l">
+                        <a:spcBef>
+                          <a:spcPts val="0"/>
+                        </a:spcBef>
+                        <a:spcAft>
+                          <a:spcPts val="0"/>
+                        </a:spcAft>
+                        <a:buNone/>
+                      </a:pPr>
+                      <a:r>
+                        <a:rPr lang="en" sz="1800">
+                          <a:solidFill>
+                            <a:schemeClr val="dk1"/>
+                          </a:solidFill>
+                          <a:latin typeface="Karla"/>
+                          <a:ea typeface="Karla"/>
+                          <a:cs typeface="Karla"/>
+                          <a:sym typeface="Karla"/>
+                        </a:rPr>
+                        <a:t>0.800</a:t>
+                      </a:r>
+                      <a:endParaRPr sz="1800">
+                        <a:solidFill>
+                          <a:schemeClr val="dk1"/>
+                        </a:solidFill>
+                        <a:latin typeface="Karla"/>
+                        <a:ea typeface="Karla"/>
+                        <a:cs typeface="Karla"/>
+                        <a:sym typeface="Karla"/>
+                      </a:endParaRPr>
+                    </a:p>
+                  </a:txBody>
+                  <a:tcPr marT="91425" marB="91425" marR="91425" marL="91425"/>
+                </a:tc>
+              </a:tr>
+              <a:tr h="381000">
+                <a:tc>
+                  <a:txBody>
+                    <a:bodyPr/>
+                    <a:lstStyle/>
+                    <a:p>
+                      <a:pPr indent="0" lvl="0" marL="0" rtl="0" algn="l">
+                        <a:spcBef>
+                          <a:spcPts val="0"/>
+                        </a:spcBef>
+                        <a:spcAft>
+                          <a:spcPts val="0"/>
+                        </a:spcAft>
+                        <a:buNone/>
+                      </a:pPr>
+                      <a:r>
+                        <a:rPr i="1" lang="en" sz="1800">
+                          <a:solidFill>
+                            <a:schemeClr val="dk1"/>
+                          </a:solidFill>
+                          <a:latin typeface="Karla"/>
+                          <a:ea typeface="Karla"/>
+                          <a:cs typeface="Karla"/>
+                          <a:sym typeface="Karla"/>
+                        </a:rPr>
+                        <a:t>khb_l</a:t>
+                      </a:r>
+                      <a:endParaRPr i="1" sz="1800">
+                        <a:solidFill>
+                          <a:schemeClr val="dk1"/>
+                        </a:solidFill>
+                        <a:latin typeface="Karla"/>
+                        <a:ea typeface="Karla"/>
+                        <a:cs typeface="Karla"/>
+                        <a:sym typeface="Karla"/>
+                      </a:endParaRPr>
+                    </a:p>
+                  </a:txBody>
+                  <a:tcPr marT="91425" marB="91425" marR="91425" marL="91425"/>
+                </a:tc>
+                <a:tc>
+                  <a:txBody>
+                    <a:bodyPr/>
+                    <a:lstStyle/>
+                    <a:p>
+                      <a:pPr indent="0" lvl="0" marL="0" rtl="0" algn="l">
+                        <a:spcBef>
+                          <a:spcPts val="0"/>
+                        </a:spcBef>
+                        <a:spcAft>
+                          <a:spcPts val="0"/>
+                        </a:spcAft>
+                        <a:buNone/>
+                      </a:pPr>
+                      <a:r>
+                        <a:rPr lang="en" sz="1800">
+                          <a:solidFill>
+                            <a:schemeClr val="dk1"/>
+                          </a:solidFill>
+                          <a:latin typeface="Karla"/>
+                          <a:ea typeface="Karla"/>
+                          <a:cs typeface="Karla"/>
+                          <a:sym typeface="Karla"/>
+                        </a:rPr>
+                        <a:t>0.455</a:t>
+                      </a:r>
+                      <a:endParaRPr sz="1800">
+                        <a:solidFill>
+                          <a:schemeClr val="dk1"/>
+                        </a:solidFill>
+                        <a:latin typeface="Karla"/>
+                        <a:ea typeface="Karla"/>
+                        <a:cs typeface="Karla"/>
+                        <a:sym typeface="Karla"/>
+                      </a:endParaRPr>
+                    </a:p>
+                  </a:txBody>
+                  <a:tcPr marT="91425" marB="91425" marR="91425" marL="91425"/>
+                </a:tc>
+              </a:tr>
+              <a:tr h="381000">
+                <a:tc>
+                  <a:txBody>
+                    <a:bodyPr/>
+                    <a:lstStyle/>
+                    <a:p>
+                      <a:pPr indent="0" lvl="0" marL="0" rtl="0" algn="l">
+                        <a:spcBef>
+                          <a:spcPts val="0"/>
+                        </a:spcBef>
+                        <a:spcAft>
+                          <a:spcPts val="0"/>
+                        </a:spcAft>
+                        <a:buNone/>
+                      </a:pPr>
+                      <a:r>
+                        <a:rPr i="1" lang="en" sz="1800">
+                          <a:solidFill>
+                            <a:schemeClr val="dk1"/>
+                          </a:solidFill>
+                          <a:latin typeface="Karla"/>
+                          <a:ea typeface="Karla"/>
+                          <a:cs typeface="Karla"/>
+                          <a:sym typeface="Karla"/>
+                        </a:rPr>
+                        <a:t>lb_l</a:t>
+                      </a:r>
+                      <a:endParaRPr i="1" sz="1800">
+                        <a:solidFill>
+                          <a:schemeClr val="dk1"/>
+                        </a:solidFill>
+                        <a:latin typeface="Karla"/>
+                        <a:ea typeface="Karla"/>
+                        <a:cs typeface="Karla"/>
+                        <a:sym typeface="Karla"/>
+                      </a:endParaRPr>
+                    </a:p>
+                  </a:txBody>
+                  <a:tcPr marT="91425" marB="91425" marR="91425" marL="91425"/>
+                </a:tc>
+                <a:tc>
+                  <a:txBody>
+                    <a:bodyPr/>
+                    <a:lstStyle/>
+                    <a:p>
+                      <a:pPr indent="0" lvl="0" marL="0" rtl="0" algn="l">
+                        <a:spcBef>
+                          <a:spcPts val="0"/>
+                        </a:spcBef>
+                        <a:spcAft>
+                          <a:spcPts val="0"/>
+                        </a:spcAft>
+                        <a:buNone/>
+                      </a:pPr>
+                      <a:r>
+                        <a:rPr lang="en" sz="1800">
+                          <a:solidFill>
+                            <a:schemeClr val="dk1"/>
+                          </a:solidFill>
+                          <a:latin typeface="Karla"/>
+                          <a:ea typeface="Karla"/>
+                          <a:cs typeface="Karla"/>
+                          <a:sym typeface="Karla"/>
+                        </a:rPr>
+                        <a:t>0.571</a:t>
+                      </a:r>
+                      <a:endParaRPr sz="1800">
+                        <a:solidFill>
+                          <a:schemeClr val="dk1"/>
+                        </a:solidFill>
+                        <a:latin typeface="Karla"/>
+                        <a:ea typeface="Karla"/>
+                        <a:cs typeface="Karla"/>
+                        <a:sym typeface="Karla"/>
+                      </a:endParaRPr>
+                    </a:p>
+                  </a:txBody>
+                  <a:tcPr marT="91425" marB="91425" marR="91425" marL="91425"/>
+                </a:tc>
+              </a:tr>
+            </a:tbl>
+          </a:graphicData>
+        </a:graphic>
+      </p:graphicFrame>
+      <p:graphicFrame>
+        <p:nvGraphicFramePr>
+          <p:cNvPr id="157" name="Google Shape;157;p23"/>
+          <p:cNvGraphicFramePr/>
+          <p:nvPr/>
+        </p:nvGraphicFramePr>
+        <p:xfrm>
+          <a:off x="4635500" y="958525"/>
+          <a:ext cx="3000000" cy="3000000"/>
+        </p:xfrm>
+        <a:graphic>
+          <a:graphicData uri="http://schemas.openxmlformats.org/drawingml/2006/table">
+            <a:tbl>
+              <a:tblPr>
+                <a:noFill/>
+                <a:tableStyleId>{EA81736F-43BA-4C1E-AF7E-28D34A1D9D10}</a:tableStyleId>
+              </a:tblPr>
+              <a:tblGrid>
+                <a:gridCol w="1581000"/>
+                <a:gridCol w="2757300"/>
+              </a:tblGrid>
+              <a:tr h="381000">
+                <a:tc>
+                  <a:txBody>
+                    <a:bodyPr/>
+                    <a:lstStyle/>
+                    <a:p>
+                      <a:pPr indent="0" lvl="0" marL="0" rtl="0" algn="l">
+                        <a:spcBef>
+                          <a:spcPts val="0"/>
+                        </a:spcBef>
+                        <a:spcAft>
+                          <a:spcPts val="0"/>
+                        </a:spcAft>
+                        <a:buNone/>
+                      </a:pPr>
+                      <a:r>
+                        <a:rPr i="1" lang="en" sz="1800">
+                          <a:solidFill>
+                            <a:schemeClr val="dk1"/>
+                          </a:solidFill>
+                          <a:latin typeface="Karla"/>
+                          <a:ea typeface="Karla"/>
+                          <a:cs typeface="Karla"/>
+                          <a:sym typeface="Karla"/>
+                        </a:rPr>
+                        <a:t>hb_r</a:t>
+                      </a:r>
+                      <a:endParaRPr i="1" sz="1800">
+                        <a:solidFill>
+                          <a:schemeClr val="dk1"/>
+                        </a:solidFill>
+                        <a:latin typeface="Karla"/>
+                        <a:ea typeface="Karla"/>
+                        <a:cs typeface="Karla"/>
+                        <a:sym typeface="Karla"/>
+                      </a:endParaRPr>
+                    </a:p>
+                  </a:txBody>
+                  <a:tcPr marT="91425" marB="91425" marR="91425" marL="91425"/>
+                </a:tc>
+                <a:tc>
+                  <a:txBody>
+                    <a:bodyPr/>
+                    <a:lstStyle/>
+                    <a:p>
+                      <a:pPr indent="0" lvl="0" marL="0" rtl="0" algn="l">
+                        <a:spcBef>
+                          <a:spcPts val="0"/>
+                        </a:spcBef>
+                        <a:spcAft>
+                          <a:spcPts val="0"/>
+                        </a:spcAft>
+                        <a:buNone/>
+                      </a:pPr>
+                      <a:r>
+                        <a:rPr lang="en" sz="1800">
+                          <a:solidFill>
+                            <a:schemeClr val="dk1"/>
+                          </a:solidFill>
+                          <a:latin typeface="Karla"/>
+                          <a:ea typeface="Karla"/>
+                          <a:cs typeface="Karla"/>
+                          <a:sym typeface="Karla"/>
+                        </a:rPr>
+                        <a:t>0.417</a:t>
+                      </a:r>
+                      <a:endParaRPr sz="1800">
+                        <a:solidFill>
+                          <a:schemeClr val="dk1"/>
+                        </a:solidFill>
+                        <a:latin typeface="Karla"/>
+                        <a:ea typeface="Karla"/>
+                        <a:cs typeface="Karla"/>
+                        <a:sym typeface="Karla"/>
+                      </a:endParaRPr>
+                    </a:p>
+                  </a:txBody>
+                  <a:tcPr marT="91425" marB="91425" marR="91425" marL="91425"/>
+                </a:tc>
+              </a:tr>
+              <a:tr h="381000">
+                <a:tc>
+                  <a:txBody>
+                    <a:bodyPr/>
+                    <a:lstStyle/>
+                    <a:p>
+                      <a:pPr indent="0" lvl="0" marL="0" rtl="0" algn="l">
+                        <a:spcBef>
+                          <a:spcPts val="0"/>
+                        </a:spcBef>
+                        <a:spcAft>
+                          <a:spcPts val="0"/>
+                        </a:spcAft>
+                        <a:buNone/>
+                      </a:pPr>
+                      <a:r>
+                        <a:rPr i="1" lang="en" sz="1800">
+                          <a:solidFill>
+                            <a:schemeClr val="dk1"/>
+                          </a:solidFill>
+                          <a:latin typeface="Karla"/>
+                          <a:ea typeface="Karla"/>
+                          <a:cs typeface="Karla"/>
+                          <a:sym typeface="Karla"/>
+                        </a:rPr>
+                        <a:t>mbio_r</a:t>
+                      </a:r>
+                      <a:endParaRPr i="1" sz="1800">
+                        <a:solidFill>
+                          <a:schemeClr val="dk1"/>
+                        </a:solidFill>
+                        <a:latin typeface="Karla"/>
+                        <a:ea typeface="Karla"/>
+                        <a:cs typeface="Karla"/>
+                        <a:sym typeface="Karla"/>
+                      </a:endParaRPr>
+                    </a:p>
+                  </a:txBody>
+                  <a:tcPr marT="91425" marB="91425" marR="91425" marL="91425"/>
+                </a:tc>
+                <a:tc>
+                  <a:txBody>
+                    <a:bodyPr/>
+                    <a:lstStyle/>
+                    <a:p>
+                      <a:pPr indent="0" lvl="0" marL="0" rtl="0" algn="l">
+                        <a:spcBef>
+                          <a:spcPts val="0"/>
+                        </a:spcBef>
+                        <a:spcAft>
+                          <a:spcPts val="0"/>
+                        </a:spcAft>
+                        <a:buNone/>
+                      </a:pPr>
+                      <a:r>
+                        <a:rPr lang="en" sz="1800">
+                          <a:solidFill>
+                            <a:schemeClr val="dk1"/>
+                          </a:solidFill>
+                          <a:latin typeface="Karla"/>
+                          <a:ea typeface="Karla"/>
+                          <a:cs typeface="Karla"/>
+                          <a:sym typeface="Karla"/>
+                        </a:rPr>
+                        <a:t>NaN</a:t>
+                      </a:r>
+                      <a:endParaRPr sz="1800">
+                        <a:solidFill>
+                          <a:schemeClr val="dk1"/>
+                        </a:solidFill>
+                        <a:latin typeface="Karla"/>
+                        <a:ea typeface="Karla"/>
+                        <a:cs typeface="Karla"/>
+                        <a:sym typeface="Karla"/>
+                      </a:endParaRPr>
+                    </a:p>
+                  </a:txBody>
+                  <a:tcPr marT="91425" marB="91425" marR="91425" marL="91425"/>
+                </a:tc>
+              </a:tr>
+              <a:tr h="381000">
+                <a:tc>
+                  <a:txBody>
+                    <a:bodyPr/>
+                    <a:lstStyle/>
+                    <a:p>
+                      <a:pPr indent="0" lvl="0" marL="0" rtl="0" algn="l">
+                        <a:spcBef>
+                          <a:spcPts val="0"/>
+                        </a:spcBef>
+                        <a:spcAft>
+                          <a:spcPts val="0"/>
+                        </a:spcAft>
+                        <a:buNone/>
+                      </a:pPr>
+                      <a:r>
+                        <a:rPr i="1" lang="en" sz="1800">
+                          <a:solidFill>
+                            <a:schemeClr val="dk1"/>
+                          </a:solidFill>
+                          <a:latin typeface="Karla"/>
+                          <a:ea typeface="Karla"/>
+                          <a:cs typeface="Karla"/>
+                          <a:sym typeface="Karla"/>
+                        </a:rPr>
+                        <a:t>mboi_r</a:t>
+                      </a:r>
+                      <a:endParaRPr i="1" sz="1800">
+                        <a:solidFill>
+                          <a:schemeClr val="dk1"/>
+                        </a:solidFill>
+                        <a:latin typeface="Karla"/>
+                        <a:ea typeface="Karla"/>
+                        <a:cs typeface="Karla"/>
+                        <a:sym typeface="Karla"/>
+                      </a:endParaRPr>
+                    </a:p>
+                  </a:txBody>
+                  <a:tcPr marT="91425" marB="91425" marR="91425" marL="91425"/>
+                </a:tc>
+                <a:tc>
+                  <a:txBody>
+                    <a:bodyPr/>
+                    <a:lstStyle/>
+                    <a:p>
+                      <a:pPr indent="0" lvl="0" marL="0" rtl="0" algn="l">
+                        <a:spcBef>
+                          <a:spcPts val="0"/>
+                        </a:spcBef>
+                        <a:spcAft>
+                          <a:spcPts val="0"/>
+                        </a:spcAft>
+                        <a:buNone/>
+                      </a:pPr>
+                      <a:r>
+                        <a:rPr lang="en" sz="1800">
+                          <a:solidFill>
+                            <a:schemeClr val="dk1"/>
+                          </a:solidFill>
+                          <a:latin typeface="Karla"/>
+                          <a:ea typeface="Karla"/>
+                          <a:cs typeface="Karla"/>
+                          <a:sym typeface="Karla"/>
+                        </a:rPr>
+                        <a:t>0.550</a:t>
+                      </a:r>
+                      <a:endParaRPr sz="1800">
+                        <a:solidFill>
+                          <a:schemeClr val="dk1"/>
+                        </a:solidFill>
+                        <a:latin typeface="Karla"/>
+                        <a:ea typeface="Karla"/>
+                        <a:cs typeface="Karla"/>
+                        <a:sym typeface="Karla"/>
+                      </a:endParaRPr>
+                    </a:p>
+                  </a:txBody>
+                  <a:tcPr marT="91425" marB="91425" marR="91425" marL="91425"/>
+                </a:tc>
+              </a:tr>
+              <a:tr h="381000">
+                <a:tc>
+                  <a:txBody>
+                    <a:bodyPr/>
+                    <a:lstStyle/>
+                    <a:p>
+                      <a:pPr indent="0" lvl="0" marL="0" rtl="0" algn="l">
+                        <a:spcBef>
+                          <a:spcPts val="0"/>
+                        </a:spcBef>
+                        <a:spcAft>
+                          <a:spcPts val="0"/>
+                        </a:spcAft>
+                        <a:buNone/>
+                      </a:pPr>
+                      <a:r>
+                        <a:rPr i="1" lang="en" sz="1800">
+                          <a:solidFill>
+                            <a:schemeClr val="dk1"/>
+                          </a:solidFill>
+                          <a:latin typeface="Karla"/>
+                          <a:ea typeface="Karla"/>
+                          <a:cs typeface="Karla"/>
+                          <a:sym typeface="Karla"/>
+                        </a:rPr>
+                        <a:t>khb_r</a:t>
+                      </a:r>
+                      <a:endParaRPr i="1" sz="1800">
+                        <a:solidFill>
+                          <a:schemeClr val="dk1"/>
+                        </a:solidFill>
+                        <a:latin typeface="Karla"/>
+                        <a:ea typeface="Karla"/>
+                        <a:cs typeface="Karla"/>
+                        <a:sym typeface="Karla"/>
+                      </a:endParaRPr>
+                    </a:p>
+                  </a:txBody>
+                  <a:tcPr marT="91425" marB="91425" marR="91425" marL="91425"/>
+                </a:tc>
+                <a:tc>
+                  <a:txBody>
+                    <a:bodyPr/>
+                    <a:lstStyle/>
+                    <a:p>
+                      <a:pPr indent="0" lvl="0" marL="0" rtl="0" algn="l">
+                        <a:spcBef>
+                          <a:spcPts val="0"/>
+                        </a:spcBef>
+                        <a:spcAft>
+                          <a:spcPts val="0"/>
+                        </a:spcAft>
+                        <a:buNone/>
+                      </a:pPr>
+                      <a:r>
+                        <a:rPr lang="en" sz="1800">
+                          <a:solidFill>
+                            <a:schemeClr val="dk1"/>
+                          </a:solidFill>
+                          <a:latin typeface="Karla"/>
+                          <a:ea typeface="Karla"/>
+                          <a:cs typeface="Karla"/>
+                          <a:sym typeface="Karla"/>
+                        </a:rPr>
+                        <a:t>0.182</a:t>
+                      </a:r>
+                      <a:endParaRPr sz="1800">
+                        <a:solidFill>
+                          <a:schemeClr val="dk1"/>
+                        </a:solidFill>
+                        <a:latin typeface="Karla"/>
+                        <a:ea typeface="Karla"/>
+                        <a:cs typeface="Karla"/>
+                        <a:sym typeface="Karla"/>
+                      </a:endParaRPr>
+                    </a:p>
+                  </a:txBody>
+                  <a:tcPr marT="91425" marB="91425" marR="91425" marL="91425"/>
+                </a:tc>
+              </a:tr>
+              <a:tr h="381000">
+                <a:tc>
+                  <a:txBody>
+                    <a:bodyPr/>
+                    <a:lstStyle/>
+                    <a:p>
+                      <a:pPr indent="0" lvl="0" marL="0" rtl="0" algn="l">
+                        <a:spcBef>
+                          <a:spcPts val="0"/>
+                        </a:spcBef>
+                        <a:spcAft>
+                          <a:spcPts val="0"/>
+                        </a:spcAft>
+                        <a:buNone/>
+                      </a:pPr>
+                      <a:r>
+                        <a:rPr i="1" lang="en" sz="1800">
+                          <a:solidFill>
+                            <a:schemeClr val="dk1"/>
+                          </a:solidFill>
+                          <a:latin typeface="Karla"/>
+                          <a:ea typeface="Karla"/>
+                          <a:cs typeface="Karla"/>
+                          <a:sym typeface="Karla"/>
+                        </a:rPr>
+                        <a:t>lb_r</a:t>
+                      </a:r>
+                      <a:endParaRPr i="1" sz="1800">
+                        <a:solidFill>
+                          <a:schemeClr val="dk1"/>
+                        </a:solidFill>
+                        <a:latin typeface="Karla"/>
+                        <a:ea typeface="Karla"/>
+                        <a:cs typeface="Karla"/>
+                        <a:sym typeface="Karla"/>
+                      </a:endParaRPr>
+                    </a:p>
+                  </a:txBody>
+                  <a:tcPr marT="91425" marB="91425" marR="91425" marL="91425"/>
+                </a:tc>
+                <a:tc>
+                  <a:txBody>
+                    <a:bodyPr/>
+                    <a:lstStyle/>
+                    <a:p>
+                      <a:pPr indent="0" lvl="0" marL="0" rtl="0" algn="l">
+                        <a:spcBef>
+                          <a:spcPts val="0"/>
+                        </a:spcBef>
+                        <a:spcAft>
+                          <a:spcPts val="0"/>
+                        </a:spcAft>
+                        <a:buNone/>
+                      </a:pPr>
+                      <a:r>
+                        <a:rPr lang="en" sz="1800">
+                          <a:solidFill>
+                            <a:schemeClr val="dk1"/>
+                          </a:solidFill>
+                          <a:latin typeface="Karla"/>
+                          <a:ea typeface="Karla"/>
+                          <a:cs typeface="Karla"/>
+                          <a:sym typeface="Karla"/>
+                        </a:rPr>
+                        <a:t>0.692</a:t>
+                      </a:r>
+                      <a:endParaRPr sz="1800">
+                        <a:solidFill>
+                          <a:schemeClr val="dk1"/>
+                        </a:solidFill>
+                        <a:latin typeface="Karla"/>
+                        <a:ea typeface="Karla"/>
+                        <a:cs typeface="Karla"/>
+                        <a:sym typeface="Karla"/>
+                      </a:endParaRPr>
+                    </a:p>
+                  </a:txBody>
+                  <a:tcPr marT="91425" marB="91425" marR="91425" marL="91425"/>
+                </a:tc>
+              </a:tr>
+            </a:tbl>
+          </a:graphicData>
+        </a:graphic>
+      </p:graphicFrame>
       <p:sp>
         <p:nvSpPr>
-          <p:cNvPr id="124" name="Google Shape;124;p21"/>
-          <p:cNvSpPr txBox="1"/>
-          <p:nvPr>
-            <p:ph type="title"/>
-          </p:nvPr>
-        </p:nvSpPr>
-        <p:spPr>
-          <a:xfrm>
-            <a:off x="407975" y="355650"/>
-            <a:ext cx="5324100" cy="485700"/>
-          </a:xfrm>
-          <a:prstGeom prst="rect">
-            <a:avLst/>
-          </a:prstGeom>
-        </p:spPr>
-        <p:txBody>
-          <a:bodyPr anchorCtr="0" anchor="b" bIns="91425" lIns="91425" spcFirstLastPara="1" rIns="91425" wrap="square" tIns="91425">
-            <a:noAutofit/>
-          </a:bodyPr>
-          <a:lstStyle/>
-          <a:p>
-            <a:pPr indent="0" lvl="0" marL="0" rtl="0" algn="l">
-              <a:spcBef>
-                <a:spcPts val="0"/>
-              </a:spcBef>
-              <a:spcAft>
-                <a:spcPts val="0"/>
-              </a:spcAft>
-              <a:buNone/>
-            </a:pPr>
-            <a:r>
-              <a:rPr lang="en"/>
-              <a:t>Temporal Alignment &amp; Scoring</a:t>
-            </a:r>
-            <a:endParaRPr/>
-          </a:p>
-        </p:txBody>
-      </p:sp>
-      <p:pic>
-        <p:nvPicPr>
-          <p:cNvPr id="125" name="Google Shape;125;p21"/>
-          <p:cNvPicPr preferRelativeResize="0"/>
-          <p:nvPr/>
-        </p:nvPicPr>
-        <p:blipFill rotWithShape="1">
-          <a:blip r:embed="rId3">
-            <a:alphaModFix/>
-          </a:blip>
-          <a:srcRect b="0" l="0" r="0" t="2133"/>
-          <a:stretch/>
-        </p:blipFill>
-        <p:spPr>
-          <a:xfrm>
-            <a:off x="6332500" y="156175"/>
-            <a:ext cx="2667350" cy="884650"/>
-          </a:xfrm>
-          <a:prstGeom prst="rect">
-            <a:avLst/>
-          </a:prstGeom>
-          <a:noFill/>
-          <a:ln>
-            <a:noFill/>
-          </a:ln>
-        </p:spPr>
-      </p:pic>
-      <p:sp>
-        <p:nvSpPr>
-          <p:cNvPr id="126" name="Google Shape;126;p21"/>
-          <p:cNvSpPr/>
-          <p:nvPr/>
-        </p:nvSpPr>
-        <p:spPr>
-          <a:xfrm>
-            <a:off x="7680625" y="581375"/>
-            <a:ext cx="334500" cy="258600"/>
-          </a:xfrm>
-          <a:prstGeom prst="ellipse">
-            <a:avLst/>
-          </a:prstGeom>
-          <a:noFill/>
-          <a:ln cap="flat" cmpd="sng" w="28575">
-            <a:solidFill>
-              <a:srgbClr val="FF0000"/>
-            </a:solidFill>
-            <a:prstDash val="solid"/>
-            <a:round/>
-            <a:headEnd len="sm" w="sm" type="none"/>
-            <a:tailEnd len="sm" w="sm" type="none"/>
-          </a:ln>
-        </p:spPr>
-        <p:txBody>
-          <a:bodyPr anchorCtr="0" anchor="ctr" bIns="91425" lIns="91425" spcFirstLastPara="1" rIns="91425" wrap="square" tIns="91425">
-            <a:noAutofit/>
-          </a:bodyPr>
-          <a:lstStyle/>
-          <a:p>
-            <a:pPr indent="0" lvl="0" marL="0" rtl="0" algn="l">
-              <a:spcBef>
-                <a:spcPts val="0"/>
-              </a:spcBef>
-              <a:spcAft>
-                <a:spcPts val="0"/>
-              </a:spcAft>
-              <a:buNone/>
-            </a:pPr>
-            <a:r>
-              <a:t/>
-            </a:r>
-            <a:endParaRPr/>
-          </a:p>
-        </p:txBody>
-      </p:sp>
-      <p:sp>
-        <p:nvSpPr>
-          <p:cNvPr id="127" name="Google Shape;127;p21"/>
+          <p:cNvPr id="158" name="Google Shape;158;p23"/>
           <p:cNvSpPr txBox="1"/>
           <p:nvPr/>
         </p:nvSpPr>
         <p:spPr>
           <a:xfrm>
-            <a:off x="639950" y="1631850"/>
-            <a:ext cx="960000" cy="615600"/>
+            <a:off x="118400" y="518975"/>
+            <a:ext cx="4621200" cy="523200"/>
           </a:xfrm>
           <a:prstGeom prst="rect">
             <a:avLst/>
@@ -12224,15 +15918,479 @@
               <a:buNone/>
             </a:pPr>
             <a:r>
-              <a:rPr lang="en">
+              <a:rPr lang="en" sz="2200">
+                <a:solidFill>
+                  <a:schemeClr val="dk1"/>
+                </a:solidFill>
                 <a:latin typeface="Karla"/>
                 <a:ea typeface="Karla"/>
                 <a:cs typeface="Karla"/>
                 <a:sym typeface="Karla"/>
               </a:rPr>
-              <a:t>Get ideals</a:t>
+              <a:t>Blocking Techniques </a:t>
             </a:r>
-            <a:endParaRPr>
+            <a:r>
+              <a:rPr lang="en" sz="2200">
+                <a:solidFill>
+                  <a:schemeClr val="dk1"/>
+                </a:solidFill>
+                <a:latin typeface="Karla"/>
+                <a:ea typeface="Karla"/>
+                <a:cs typeface="Karla"/>
+                <a:sym typeface="Karla"/>
+              </a:rPr>
+              <a:t>(Move vs. F1)</a:t>
+            </a:r>
+            <a:endParaRPr sz="1800">
+              <a:latin typeface="Karla"/>
+              <a:ea typeface="Karla"/>
+              <a:cs typeface="Karla"/>
+              <a:sym typeface="Karla"/>
+            </a:endParaRPr>
+          </a:p>
+        </p:txBody>
+      </p:sp>
+      <p:graphicFrame>
+        <p:nvGraphicFramePr>
+          <p:cNvPr id="159" name="Google Shape;159;p23"/>
+          <p:cNvGraphicFramePr/>
+          <p:nvPr/>
+        </p:nvGraphicFramePr>
+        <p:xfrm>
+          <a:off x="118400" y="3767575"/>
+          <a:ext cx="3000000" cy="3000000"/>
+        </p:xfrm>
+        <a:graphic>
+          <a:graphicData uri="http://schemas.openxmlformats.org/drawingml/2006/table">
+            <a:tbl>
+              <a:tblPr>
+                <a:noFill/>
+                <a:tableStyleId>{EA81736F-43BA-4C1E-AF7E-28D34A1D9D10}</a:tableStyleId>
+              </a:tblPr>
+              <a:tblGrid>
+                <a:gridCol w="1581000"/>
+                <a:gridCol w="2757300"/>
+              </a:tblGrid>
+              <a:tr h="381000">
+                <a:tc>
+                  <a:txBody>
+                    <a:bodyPr/>
+                    <a:lstStyle/>
+                    <a:p>
+                      <a:pPr indent="0" lvl="0" marL="0" rtl="0" algn="l">
+                        <a:spcBef>
+                          <a:spcPts val="0"/>
+                        </a:spcBef>
+                        <a:spcAft>
+                          <a:spcPts val="0"/>
+                        </a:spcAft>
+                        <a:buNone/>
+                      </a:pPr>
+                      <a:r>
+                        <a:rPr i="1" lang="en" sz="1800">
+                          <a:solidFill>
+                            <a:schemeClr val="dk1"/>
+                          </a:solidFill>
+                          <a:latin typeface="Karla"/>
+                          <a:ea typeface="Karla"/>
+                          <a:cs typeface="Karla"/>
+                          <a:sym typeface="Karla"/>
+                        </a:rPr>
+                        <a:t>p_l</a:t>
+                      </a:r>
+                      <a:endParaRPr i="1" sz="1800">
+                        <a:solidFill>
+                          <a:schemeClr val="dk1"/>
+                        </a:solidFill>
+                        <a:latin typeface="Karla"/>
+                        <a:ea typeface="Karla"/>
+                        <a:cs typeface="Karla"/>
+                        <a:sym typeface="Karla"/>
+                      </a:endParaRPr>
+                    </a:p>
+                  </a:txBody>
+                  <a:tcPr marT="91425" marB="91425" marR="91425" marL="91425"/>
+                </a:tc>
+                <a:tc>
+                  <a:txBody>
+                    <a:bodyPr/>
+                    <a:lstStyle/>
+                    <a:p>
+                      <a:pPr indent="0" lvl="0" marL="0" rtl="0" algn="l">
+                        <a:spcBef>
+                          <a:spcPts val="0"/>
+                        </a:spcBef>
+                        <a:spcAft>
+                          <a:spcPts val="0"/>
+                        </a:spcAft>
+                        <a:buNone/>
+                      </a:pPr>
+                      <a:r>
+                        <a:rPr lang="en" sz="1800">
+                          <a:solidFill>
+                            <a:schemeClr val="dk1"/>
+                          </a:solidFill>
+                          <a:latin typeface="Karla"/>
+                          <a:ea typeface="Karla"/>
+                          <a:cs typeface="Karla"/>
+                          <a:sym typeface="Karla"/>
+                        </a:rPr>
+                        <a:t>NaN</a:t>
+                      </a:r>
+                      <a:endParaRPr sz="1800">
+                        <a:solidFill>
+                          <a:schemeClr val="dk1"/>
+                        </a:solidFill>
+                        <a:latin typeface="Karla"/>
+                        <a:ea typeface="Karla"/>
+                        <a:cs typeface="Karla"/>
+                        <a:sym typeface="Karla"/>
+                      </a:endParaRPr>
+                    </a:p>
+                  </a:txBody>
+                  <a:tcPr marT="91425" marB="91425" marR="91425" marL="91425"/>
+                </a:tc>
+              </a:tr>
+              <a:tr h="381000">
+                <a:tc>
+                  <a:txBody>
+                    <a:bodyPr/>
+                    <a:lstStyle/>
+                    <a:p>
+                      <a:pPr indent="0" lvl="0" marL="0" rtl="0" algn="l">
+                        <a:spcBef>
+                          <a:spcPts val="0"/>
+                        </a:spcBef>
+                        <a:spcAft>
+                          <a:spcPts val="0"/>
+                        </a:spcAft>
+                        <a:buNone/>
+                      </a:pPr>
+                      <a:r>
+                        <a:rPr i="1" lang="en" sz="1800">
+                          <a:solidFill>
+                            <a:schemeClr val="dk1"/>
+                          </a:solidFill>
+                          <a:latin typeface="Karla"/>
+                          <a:ea typeface="Karla"/>
+                          <a:cs typeface="Karla"/>
+                          <a:sym typeface="Karla"/>
+                        </a:rPr>
+                        <a:t>hp_l</a:t>
+                      </a:r>
+                      <a:endParaRPr i="1" sz="1800">
+                        <a:solidFill>
+                          <a:schemeClr val="dk1"/>
+                        </a:solidFill>
+                        <a:latin typeface="Karla"/>
+                        <a:ea typeface="Karla"/>
+                        <a:cs typeface="Karla"/>
+                        <a:sym typeface="Karla"/>
+                      </a:endParaRPr>
+                    </a:p>
+                  </a:txBody>
+                  <a:tcPr marT="91425" marB="91425" marR="91425" marL="91425"/>
+                </a:tc>
+                <a:tc>
+                  <a:txBody>
+                    <a:bodyPr/>
+                    <a:lstStyle/>
+                    <a:p>
+                      <a:pPr indent="0" lvl="0" marL="0" rtl="0" algn="l">
+                        <a:spcBef>
+                          <a:spcPts val="0"/>
+                        </a:spcBef>
+                        <a:spcAft>
+                          <a:spcPts val="0"/>
+                        </a:spcAft>
+                        <a:buNone/>
+                      </a:pPr>
+                      <a:r>
+                        <a:rPr lang="en" sz="1800">
+                          <a:solidFill>
+                            <a:schemeClr val="dk1"/>
+                          </a:solidFill>
+                          <a:latin typeface="Karla"/>
+                          <a:ea typeface="Karla"/>
+                          <a:cs typeface="Karla"/>
+                          <a:sym typeface="Karla"/>
+                        </a:rPr>
+                        <a:t>0.424</a:t>
+                      </a:r>
+                      <a:endParaRPr sz="1800">
+                        <a:solidFill>
+                          <a:schemeClr val="dk1"/>
+                        </a:solidFill>
+                        <a:latin typeface="Karla"/>
+                        <a:ea typeface="Karla"/>
+                        <a:cs typeface="Karla"/>
+                        <a:sym typeface="Karla"/>
+                      </a:endParaRPr>
+                    </a:p>
+                  </a:txBody>
+                  <a:tcPr marT="91425" marB="91425" marR="91425" marL="91425"/>
+                </a:tc>
+              </a:tr>
+            </a:tbl>
+          </a:graphicData>
+        </a:graphic>
+      </p:graphicFrame>
+      <p:graphicFrame>
+        <p:nvGraphicFramePr>
+          <p:cNvPr id="160" name="Google Shape;160;p23"/>
+          <p:cNvGraphicFramePr/>
+          <p:nvPr/>
+        </p:nvGraphicFramePr>
+        <p:xfrm>
+          <a:off x="4635500" y="3767575"/>
+          <a:ext cx="3000000" cy="3000000"/>
+        </p:xfrm>
+        <a:graphic>
+          <a:graphicData uri="http://schemas.openxmlformats.org/drawingml/2006/table">
+            <a:tbl>
+              <a:tblPr>
+                <a:noFill/>
+                <a:tableStyleId>{EA81736F-43BA-4C1E-AF7E-28D34A1D9D10}</a:tableStyleId>
+              </a:tblPr>
+              <a:tblGrid>
+                <a:gridCol w="1581000"/>
+                <a:gridCol w="2757300"/>
+              </a:tblGrid>
+              <a:tr h="381000">
+                <a:tc>
+                  <a:txBody>
+                    <a:bodyPr/>
+                    <a:lstStyle/>
+                    <a:p>
+                      <a:pPr indent="0" lvl="0" marL="0" rtl="0" algn="l">
+                        <a:spcBef>
+                          <a:spcPts val="0"/>
+                        </a:spcBef>
+                        <a:spcAft>
+                          <a:spcPts val="0"/>
+                        </a:spcAft>
+                        <a:buNone/>
+                      </a:pPr>
+                      <a:r>
+                        <a:rPr i="1" lang="en" sz="1800">
+                          <a:solidFill>
+                            <a:schemeClr val="dk1"/>
+                          </a:solidFill>
+                          <a:latin typeface="Karla"/>
+                          <a:ea typeface="Karla"/>
+                          <a:cs typeface="Karla"/>
+                          <a:sym typeface="Karla"/>
+                        </a:rPr>
+                        <a:t>p_r</a:t>
+                      </a:r>
+                      <a:endParaRPr i="1" sz="1800">
+                        <a:solidFill>
+                          <a:schemeClr val="dk1"/>
+                        </a:solidFill>
+                        <a:latin typeface="Karla"/>
+                        <a:ea typeface="Karla"/>
+                        <a:cs typeface="Karla"/>
+                        <a:sym typeface="Karla"/>
+                      </a:endParaRPr>
+                    </a:p>
+                  </a:txBody>
+                  <a:tcPr marT="91425" marB="91425" marR="91425" marL="91425"/>
+                </a:tc>
+                <a:tc>
+                  <a:txBody>
+                    <a:bodyPr/>
+                    <a:lstStyle/>
+                    <a:p>
+                      <a:pPr indent="0" lvl="0" marL="0" rtl="0" algn="l">
+                        <a:spcBef>
+                          <a:spcPts val="0"/>
+                        </a:spcBef>
+                        <a:spcAft>
+                          <a:spcPts val="0"/>
+                        </a:spcAft>
+                        <a:buNone/>
+                      </a:pPr>
+                      <a:r>
+                        <a:rPr lang="en" sz="1800">
+                          <a:solidFill>
+                            <a:schemeClr val="dk1"/>
+                          </a:solidFill>
+                          <a:latin typeface="Karla"/>
+                          <a:ea typeface="Karla"/>
+                          <a:cs typeface="Karla"/>
+                          <a:sym typeface="Karla"/>
+                        </a:rPr>
+                        <a:t>0.363</a:t>
+                      </a:r>
+                      <a:endParaRPr sz="1800">
+                        <a:solidFill>
+                          <a:schemeClr val="dk1"/>
+                        </a:solidFill>
+                        <a:latin typeface="Karla"/>
+                        <a:ea typeface="Karla"/>
+                        <a:cs typeface="Karla"/>
+                        <a:sym typeface="Karla"/>
+                      </a:endParaRPr>
+                    </a:p>
+                  </a:txBody>
+                  <a:tcPr marT="91425" marB="91425" marR="91425" marL="91425"/>
+                </a:tc>
+              </a:tr>
+              <a:tr h="381000">
+                <a:tc>
+                  <a:txBody>
+                    <a:bodyPr/>
+                    <a:lstStyle/>
+                    <a:p>
+                      <a:pPr indent="0" lvl="0" marL="0" rtl="0" algn="l">
+                        <a:spcBef>
+                          <a:spcPts val="0"/>
+                        </a:spcBef>
+                        <a:spcAft>
+                          <a:spcPts val="0"/>
+                        </a:spcAft>
+                        <a:buNone/>
+                      </a:pPr>
+                      <a:r>
+                        <a:rPr i="1" lang="en" sz="1800">
+                          <a:solidFill>
+                            <a:schemeClr val="dk1"/>
+                          </a:solidFill>
+                          <a:latin typeface="Karla"/>
+                          <a:ea typeface="Karla"/>
+                          <a:cs typeface="Karla"/>
+                          <a:sym typeface="Karla"/>
+                        </a:rPr>
+                        <a:t>hp_r</a:t>
+                      </a:r>
+                      <a:endParaRPr i="1" sz="1800">
+                        <a:solidFill>
+                          <a:schemeClr val="dk1"/>
+                        </a:solidFill>
+                        <a:latin typeface="Karla"/>
+                        <a:ea typeface="Karla"/>
+                        <a:cs typeface="Karla"/>
+                        <a:sym typeface="Karla"/>
+                      </a:endParaRPr>
+                    </a:p>
+                  </a:txBody>
+                  <a:tcPr marT="91425" marB="91425" marR="91425" marL="91425"/>
+                </a:tc>
+                <a:tc>
+                  <a:txBody>
+                    <a:bodyPr/>
+                    <a:lstStyle/>
+                    <a:p>
+                      <a:pPr indent="0" lvl="0" marL="0" rtl="0" algn="l">
+                        <a:spcBef>
+                          <a:spcPts val="0"/>
+                        </a:spcBef>
+                        <a:spcAft>
+                          <a:spcPts val="0"/>
+                        </a:spcAft>
+                        <a:buNone/>
+                      </a:pPr>
+                      <a:r>
+                        <a:rPr lang="en" sz="1800">
+                          <a:solidFill>
+                            <a:schemeClr val="dk1"/>
+                          </a:solidFill>
+                          <a:latin typeface="Karla"/>
+                          <a:ea typeface="Karla"/>
+                          <a:cs typeface="Karla"/>
+                          <a:sym typeface="Karla"/>
+                        </a:rPr>
+                        <a:t>0.267</a:t>
+                      </a:r>
+                      <a:endParaRPr sz="1800">
+                        <a:solidFill>
+                          <a:schemeClr val="dk1"/>
+                        </a:solidFill>
+                        <a:latin typeface="Karla"/>
+                        <a:ea typeface="Karla"/>
+                        <a:cs typeface="Karla"/>
+                        <a:sym typeface="Karla"/>
+                      </a:endParaRPr>
+                    </a:p>
+                  </a:txBody>
+                  <a:tcPr marT="91425" marB="91425" marR="91425" marL="91425"/>
+                </a:tc>
+              </a:tr>
+            </a:tbl>
+          </a:graphicData>
+        </a:graphic>
+      </p:graphicFrame>
+      <p:sp>
+        <p:nvSpPr>
+          <p:cNvPr id="161" name="Google Shape;161;p23"/>
+          <p:cNvSpPr txBox="1"/>
+          <p:nvPr/>
+        </p:nvSpPr>
+        <p:spPr>
+          <a:xfrm>
+            <a:off x="118400" y="3244375"/>
+            <a:ext cx="5421300" cy="523200"/>
+          </a:xfrm>
+          <a:prstGeom prst="rect">
+            <a:avLst/>
+          </a:prstGeom>
+          <a:noFill/>
+          <a:ln>
+            <a:noFill/>
+          </a:ln>
+        </p:spPr>
+        <p:txBody>
+          <a:bodyPr anchorCtr="0" anchor="t" bIns="91425" lIns="91425" spcFirstLastPara="1" rIns="91425" wrap="square" tIns="91425">
+            <a:spAutoFit/>
+          </a:bodyPr>
+          <a:lstStyle/>
+          <a:p>
+            <a:pPr indent="0" lvl="0" marL="0" rtl="0" algn="l">
+              <a:spcBef>
+                <a:spcPts val="0"/>
+              </a:spcBef>
+              <a:spcAft>
+                <a:spcPts val="0"/>
+              </a:spcAft>
+              <a:buNone/>
+            </a:pPr>
+            <a:r>
+              <a:rPr lang="en" sz="2200">
+                <a:solidFill>
+                  <a:schemeClr val="dk1"/>
+                </a:solidFill>
+                <a:latin typeface="Karla"/>
+                <a:ea typeface="Karla"/>
+                <a:cs typeface="Karla"/>
+                <a:sym typeface="Karla"/>
+              </a:rPr>
+              <a:t>Punching</a:t>
+            </a:r>
+            <a:r>
+              <a:rPr lang="en" sz="2200">
+                <a:solidFill>
+                  <a:schemeClr val="dk1"/>
+                </a:solidFill>
+                <a:latin typeface="Karla"/>
+                <a:ea typeface="Karla"/>
+                <a:cs typeface="Karla"/>
+                <a:sym typeface="Karla"/>
+              </a:rPr>
+              <a:t> Techniques </a:t>
+            </a:r>
+            <a:r>
+              <a:rPr lang="en" sz="2200">
+                <a:solidFill>
+                  <a:schemeClr val="dk1"/>
+                </a:solidFill>
+                <a:latin typeface="Karla"/>
+                <a:ea typeface="Karla"/>
+                <a:cs typeface="Karla"/>
+                <a:sym typeface="Karla"/>
+              </a:rPr>
+              <a:t>(Move vs. F1)</a:t>
+            </a:r>
+            <a:endParaRPr sz="1800">
               <a:latin typeface="Karla"/>
               <a:ea typeface="Karla"/>
               <a:cs typeface="Karla"/>
@@ -12246,316 +16404,531 @@
   <p:clrMapOvr>
     <a:masterClrMapping/>
   </p:clrMapOvr>
-</p:sld>
-</file>
-
-<file path=ppt/slides/slide8.xml><?xml version="1.0" encoding="utf-8"?>
-<p:sld xmlns:a="http://schemas.openxmlformats.org/drawingml/2006/main" xmlns:r="http://schemas.openxmlformats.org/officeDocument/2006/relationships" xmlns:mc="http://schemas.openxmlformats.org/markup-compatibility/2006" xmlns:mv="urn:schemas-microsoft-com:mac:vml" xmlns:p="http://schemas.openxmlformats.org/presentationml/2006/main" xmlns:c="http://schemas.openxmlformats.org/drawingml/2006/chart" xmlns:dgm="http://schemas.openxmlformats.org/drawingml/2006/diagram" xmlns:o="urn:schemas-microsoft-com:office:office" xmlns:v="urn:schemas-microsoft-com:vml" xmlns:pvml="urn:schemas-microsoft-com:office:powerpoint" xmlns:com="http://schemas.openxmlformats.org/drawingml/2006/compatibility" xmlns:p14="http://schemas.microsoft.com/office/powerpoint/2010/main" xmlns:p15="http://schemas.microsoft.com/office/powerpoint/2012/main" xmlns:ahyp="http://schemas.microsoft.com/office/drawing/2018/hyperlinkcolor">
-  <p:cSld>
-    <p:spTree>
-      <p:nvGrpSpPr>
-        <p:cNvPr id="131" name="Shape 131"/>
-        <p:cNvGrpSpPr/>
-        <p:nvPr/>
-      </p:nvGrpSpPr>
-      <p:grpSpPr>
-        <a:xfrm>
-          <a:off x="0" y="0"/>
-          <a:ext cx="0" cy="0"/>
-          <a:chOff x="0" y="0"/>
-          <a:chExt cx="0" cy="0"/>
-        </a:xfrm>
-      </p:grpSpPr>
-      <p:sp>
-        <p:nvSpPr>
-          <p:cNvPr id="132" name="Google Shape;132;p22"/>
-          <p:cNvSpPr txBox="1"/>
-          <p:nvPr>
-            <p:ph type="title"/>
-          </p:nvPr>
-        </p:nvSpPr>
-        <p:spPr>
-          <a:xfrm>
-            <a:off x="454375" y="355650"/>
-            <a:ext cx="5324100" cy="485700"/>
-          </a:xfrm>
-          <a:prstGeom prst="rect">
-            <a:avLst/>
-          </a:prstGeom>
-        </p:spPr>
-        <p:txBody>
-          <a:bodyPr anchorCtr="0" anchor="b" bIns="91425" lIns="91425" spcFirstLastPara="1" rIns="91425" wrap="square" tIns="91425">
-            <a:noAutofit/>
-          </a:bodyPr>
-          <a:lstStyle/>
-          <a:p>
-            <a:pPr indent="0" lvl="0" marL="0" rtl="0" algn="l">
-              <a:spcBef>
-                <a:spcPts val="0"/>
-              </a:spcBef>
-              <a:spcAft>
-                <a:spcPts val="0"/>
-              </a:spcAft>
-              <a:buNone/>
-            </a:pPr>
-            <a:r>
-              <a:rPr lang="en"/>
-              <a:t>Temporal Alignment &amp; Scoring</a:t>
-            </a:r>
-            <a:endParaRPr/>
-          </a:p>
-        </p:txBody>
-      </p:sp>
-      <p:pic>
-        <p:nvPicPr>
-          <p:cNvPr id="133" name="Google Shape;133;p22"/>
-          <p:cNvPicPr preferRelativeResize="0"/>
-          <p:nvPr/>
-        </p:nvPicPr>
-        <p:blipFill rotWithShape="1">
-          <a:blip r:embed="rId3">
-            <a:alphaModFix/>
-          </a:blip>
-          <a:srcRect b="0" l="0" r="0" t="2133"/>
-          <a:stretch/>
-        </p:blipFill>
-        <p:spPr>
-          <a:xfrm>
-            <a:off x="6332500" y="156175"/>
-            <a:ext cx="2667350" cy="884650"/>
-          </a:xfrm>
-          <a:prstGeom prst="rect">
-            <a:avLst/>
-          </a:prstGeom>
-          <a:noFill/>
-          <a:ln>
-            <a:noFill/>
-          </a:ln>
-        </p:spPr>
-      </p:pic>
-      <p:sp>
-        <p:nvSpPr>
-          <p:cNvPr id="134" name="Google Shape;134;p22"/>
-          <p:cNvSpPr/>
-          <p:nvPr/>
-        </p:nvSpPr>
-        <p:spPr>
-          <a:xfrm>
-            <a:off x="7672625" y="253400"/>
-            <a:ext cx="334500" cy="258600"/>
-          </a:xfrm>
-          <a:prstGeom prst="ellipse">
-            <a:avLst/>
-          </a:prstGeom>
-          <a:noFill/>
-          <a:ln cap="flat" cmpd="sng" w="28575">
-            <a:solidFill>
-              <a:srgbClr val="FF0000"/>
-            </a:solidFill>
-            <a:prstDash val="solid"/>
-            <a:round/>
-            <a:headEnd len="sm" w="sm" type="none"/>
-            <a:tailEnd len="sm" w="sm" type="none"/>
-          </a:ln>
-        </p:spPr>
-        <p:txBody>
-          <a:bodyPr anchorCtr="0" anchor="ctr" bIns="91425" lIns="91425" spcFirstLastPara="1" rIns="91425" wrap="square" tIns="91425">
-            <a:noAutofit/>
-          </a:bodyPr>
-          <a:lstStyle/>
-          <a:p>
-            <a:pPr indent="0" lvl="0" marL="0" rtl="0" algn="l">
-              <a:spcBef>
-                <a:spcPts val="0"/>
-              </a:spcBef>
-              <a:spcAft>
-                <a:spcPts val="0"/>
-              </a:spcAft>
-              <a:buNone/>
-            </a:pPr>
-            <a:r>
-              <a:t/>
-            </a:r>
-            <a:endParaRPr/>
-          </a:p>
-        </p:txBody>
-      </p:sp>
-      <p:pic>
-        <p:nvPicPr>
-          <p:cNvPr id="135" name="Google Shape;135;p22"/>
-          <p:cNvPicPr preferRelativeResize="0"/>
-          <p:nvPr/>
-        </p:nvPicPr>
-        <p:blipFill>
-          <a:blip r:embed="rId4">
-            <a:alphaModFix/>
-          </a:blip>
-          <a:stretch>
-            <a:fillRect/>
-          </a:stretch>
-        </p:blipFill>
-        <p:spPr>
-          <a:xfrm>
-            <a:off x="353775" y="841350"/>
-            <a:ext cx="2920594" cy="4126600"/>
-          </a:xfrm>
-          <a:prstGeom prst="rect">
-            <a:avLst/>
-          </a:prstGeom>
-          <a:noFill/>
-          <a:ln>
-            <a:noFill/>
-          </a:ln>
-        </p:spPr>
-      </p:pic>
-    </p:spTree>
-  </p:cSld>
-  <p:clrMapOvr>
-    <a:masterClrMapping/>
-  </p:clrMapOvr>
-</p:sld>
-</file>
-
-<file path=ppt/slides/slide9.xml><?xml version="1.0" encoding="utf-8"?>
-<p:sld xmlns:a="http://schemas.openxmlformats.org/drawingml/2006/main" xmlns:r="http://schemas.openxmlformats.org/officeDocument/2006/relationships" xmlns:mc="http://schemas.openxmlformats.org/markup-compatibility/2006" xmlns:mv="urn:schemas-microsoft-com:mac:vml" xmlns:p="http://schemas.openxmlformats.org/presentationml/2006/main" xmlns:c="http://schemas.openxmlformats.org/drawingml/2006/chart" xmlns:dgm="http://schemas.openxmlformats.org/drawingml/2006/diagram" xmlns:o="urn:schemas-microsoft-com:office:office" xmlns:v="urn:schemas-microsoft-com:vml" xmlns:pvml="urn:schemas-microsoft-com:office:powerpoint" xmlns:com="http://schemas.openxmlformats.org/drawingml/2006/compatibility" xmlns:p14="http://schemas.microsoft.com/office/powerpoint/2010/main" xmlns:p15="http://schemas.microsoft.com/office/powerpoint/2012/main" xmlns:ahyp="http://schemas.microsoft.com/office/drawing/2018/hyperlinkcolor">
-  <p:cSld>
-    <p:spTree>
-      <p:nvGrpSpPr>
-        <p:cNvPr id="139" name="Shape 139"/>
-        <p:cNvGrpSpPr/>
-        <p:nvPr/>
-      </p:nvGrpSpPr>
-      <p:grpSpPr>
-        <a:xfrm>
-          <a:off x="0" y="0"/>
-          <a:ext cx="0" cy="0"/>
-          <a:chOff x="0" y="0"/>
-          <a:chExt cx="0" cy="0"/>
-        </a:xfrm>
-      </p:grpSpPr>
-      <p:sp>
-        <p:nvSpPr>
-          <p:cNvPr id="140" name="Google Shape;140;p23"/>
-          <p:cNvSpPr txBox="1"/>
-          <p:nvPr>
-            <p:ph type="title"/>
-          </p:nvPr>
-        </p:nvSpPr>
-        <p:spPr>
-          <a:xfrm>
-            <a:off x="462400" y="355650"/>
-            <a:ext cx="5324100" cy="485700"/>
-          </a:xfrm>
-          <a:prstGeom prst="rect">
-            <a:avLst/>
-          </a:prstGeom>
-        </p:spPr>
-        <p:txBody>
-          <a:bodyPr anchorCtr="0" anchor="b" bIns="91425" lIns="91425" spcFirstLastPara="1" rIns="91425" wrap="square" tIns="91425">
-            <a:noAutofit/>
-          </a:bodyPr>
-          <a:lstStyle/>
-          <a:p>
-            <a:pPr indent="0" lvl="0" marL="0" rtl="0" algn="l">
-              <a:spcBef>
-                <a:spcPts val="0"/>
-              </a:spcBef>
-              <a:spcAft>
-                <a:spcPts val="0"/>
-              </a:spcAft>
-              <a:buNone/>
-            </a:pPr>
-            <a:r>
-              <a:rPr lang="en"/>
-              <a:t>Temporal Alignment &amp; Scoring</a:t>
-            </a:r>
-            <a:endParaRPr/>
-          </a:p>
-        </p:txBody>
-      </p:sp>
-      <p:pic>
-        <p:nvPicPr>
-          <p:cNvPr id="141" name="Google Shape;141;p23"/>
-          <p:cNvPicPr preferRelativeResize="0"/>
-          <p:nvPr/>
-        </p:nvPicPr>
-        <p:blipFill rotWithShape="1">
-          <a:blip r:embed="rId3">
-            <a:alphaModFix/>
-          </a:blip>
-          <a:srcRect b="0" l="0" r="0" t="2133"/>
-          <a:stretch/>
-        </p:blipFill>
-        <p:spPr>
-          <a:xfrm>
-            <a:off x="6332500" y="156175"/>
-            <a:ext cx="2667350" cy="884650"/>
-          </a:xfrm>
-          <a:prstGeom prst="rect">
-            <a:avLst/>
-          </a:prstGeom>
-          <a:noFill/>
-          <a:ln>
-            <a:noFill/>
-          </a:ln>
-        </p:spPr>
-      </p:pic>
-      <p:sp>
-        <p:nvSpPr>
-          <p:cNvPr id="142" name="Google Shape;142;p23"/>
-          <p:cNvSpPr/>
-          <p:nvPr/>
-        </p:nvSpPr>
-        <p:spPr>
-          <a:xfrm>
-            <a:off x="8112450" y="447625"/>
-            <a:ext cx="887400" cy="485700"/>
-          </a:xfrm>
-          <a:prstGeom prst="ellipse">
-            <a:avLst/>
-          </a:prstGeom>
-          <a:noFill/>
-          <a:ln cap="flat" cmpd="sng" w="28575">
-            <a:solidFill>
-              <a:srgbClr val="FF0000"/>
-            </a:solidFill>
-            <a:prstDash val="solid"/>
-            <a:round/>
-            <a:headEnd len="sm" w="sm" type="none"/>
-            <a:tailEnd len="sm" w="sm" type="none"/>
-          </a:ln>
-        </p:spPr>
-        <p:txBody>
-          <a:bodyPr anchorCtr="0" anchor="ctr" bIns="91425" lIns="91425" spcFirstLastPara="1" rIns="91425" wrap="square" tIns="91425">
-            <a:noAutofit/>
-          </a:bodyPr>
-          <a:lstStyle/>
-          <a:p>
-            <a:pPr indent="0" lvl="0" marL="0" rtl="0" algn="l">
-              <a:spcBef>
-                <a:spcPts val="0"/>
-              </a:spcBef>
-              <a:spcAft>
-                <a:spcPts val="0"/>
-              </a:spcAft>
-              <a:buNone/>
-            </a:pPr>
-            <a:r>
-              <a:t/>
-            </a:r>
-            <a:endParaRPr/>
-          </a:p>
-        </p:txBody>
-      </p:sp>
-    </p:spTree>
-  </p:cSld>
-  <p:clrMapOvr>
-    <a:masterClrMapping/>
-  </p:clrMapOvr>
+  <p:timing>
+    <p:tnLst>
+      <p:par>
+        <p:cTn dur="indefinite" nodeType="tmRoot" restart="never">
+          <p:childTnLst>
+            <p:seq concurrent="1" nextAc="seek">
+              <p:cTn dur="indefinite" id="2" nodeType="mainSeq">
+                <p:childTnLst>
+                  <p:par>
+                    <p:cTn fill="hold">
+                      <p:stCondLst>
+                        <p:cond delay="indefinite"/>
+                      </p:stCondLst>
+                      <p:childTnLst>
+                        <p:par>
+                          <p:cTn fill="hold">
+                            <p:stCondLst>
+                              <p:cond delay="0"/>
+                            </p:stCondLst>
+                            <p:childTnLst>
+                              <p:par>
+                                <p:cTn fill="hold" nodeType="clickEffect" presetClass="entr" presetID="10" presetSubtype="0">
+                                  <p:stCondLst>
+                                    <p:cond delay="0"/>
+                                  </p:stCondLst>
+                                  <p:childTnLst>
+                                    <p:set>
+                                      <p:cBhvr>
+                                        <p:cTn dur="1" fill="hold">
+                                          <p:stCondLst>
+                                            <p:cond delay="0"/>
+                                          </p:stCondLst>
+                                        </p:cTn>
+                                        <p:tgtEl>
+                                          <p:spTgt spid="156"/>
+                                        </p:tgtEl>
+                                        <p:attrNameLst>
+                                          <p:attrName>style.visibility</p:attrName>
+                                        </p:attrNameLst>
+                                      </p:cBhvr>
+                                      <p:to>
+                                        <p:strVal val="visible"/>
+                                      </p:to>
+                                    </p:set>
+                                    <p:animEffect filter="fade" transition="in">
+                                      <p:cBhvr>
+                                        <p:cTn dur="1000"/>
+                                        <p:tgtEl>
+                                          <p:spTgt spid="156"/>
+                                        </p:tgtEl>
+                                      </p:cBhvr>
+                                    </p:animEffect>
+                                  </p:childTnLst>
+                                </p:cTn>
+                              </p:par>
+                            </p:childTnLst>
+                          </p:cTn>
+                        </p:par>
+                      </p:childTnLst>
+                    </p:cTn>
+                  </p:par>
+                  <p:par>
+                    <p:cTn fill="hold">
+                      <p:stCondLst>
+                        <p:cond delay="indefinite"/>
+                      </p:stCondLst>
+                      <p:childTnLst>
+                        <p:par>
+                          <p:cTn fill="hold">
+                            <p:stCondLst>
+                              <p:cond delay="0"/>
+                            </p:stCondLst>
+                            <p:childTnLst>
+                              <p:par>
+                                <p:cTn fill="hold" nodeType="clickEffect" presetClass="entr" presetID="10" presetSubtype="0">
+                                  <p:stCondLst>
+                                    <p:cond delay="0"/>
+                                  </p:stCondLst>
+                                  <p:childTnLst>
+                                    <p:set>
+                                      <p:cBhvr>
+                                        <p:cTn dur="1" fill="hold">
+                                          <p:stCondLst>
+                                            <p:cond delay="0"/>
+                                          </p:stCondLst>
+                                        </p:cTn>
+                                        <p:tgtEl>
+                                          <p:spTgt spid="157"/>
+                                        </p:tgtEl>
+                                        <p:attrNameLst>
+                                          <p:attrName>style.visibility</p:attrName>
+                                        </p:attrNameLst>
+                                      </p:cBhvr>
+                                      <p:to>
+                                        <p:strVal val="visible"/>
+                                      </p:to>
+                                    </p:set>
+                                    <p:animEffect filter="fade" transition="in">
+                                      <p:cBhvr>
+                                        <p:cTn dur="1000"/>
+                                        <p:tgtEl>
+                                          <p:spTgt spid="157"/>
+                                        </p:tgtEl>
+                                      </p:cBhvr>
+                                    </p:animEffect>
+                                  </p:childTnLst>
+                                </p:cTn>
+                              </p:par>
+                            </p:childTnLst>
+                          </p:cTn>
+                        </p:par>
+                      </p:childTnLst>
+                    </p:cTn>
+                  </p:par>
+                  <p:par>
+                    <p:cTn fill="hold">
+                      <p:stCondLst>
+                        <p:cond delay="indefinite"/>
+                      </p:stCondLst>
+                      <p:childTnLst>
+                        <p:par>
+                          <p:cTn fill="hold">
+                            <p:stCondLst>
+                              <p:cond delay="0"/>
+                            </p:stCondLst>
+                            <p:childTnLst>
+                              <p:par>
+                                <p:cTn fill="hold" nodeType="clickEffect" presetClass="entr" presetID="10" presetSubtype="0">
+                                  <p:stCondLst>
+                                    <p:cond delay="0"/>
+                                  </p:stCondLst>
+                                  <p:childTnLst>
+                                    <p:set>
+                                      <p:cBhvr>
+                                        <p:cTn dur="1" fill="hold">
+                                          <p:stCondLst>
+                                            <p:cond delay="0"/>
+                                          </p:stCondLst>
+                                        </p:cTn>
+                                        <p:tgtEl>
+                                          <p:spTgt spid="159"/>
+                                        </p:tgtEl>
+                                        <p:attrNameLst>
+                                          <p:attrName>style.visibility</p:attrName>
+                                        </p:attrNameLst>
+                                      </p:cBhvr>
+                                      <p:to>
+                                        <p:strVal val="visible"/>
+                                      </p:to>
+                                    </p:set>
+                                    <p:animEffect filter="fade" transition="in">
+                                      <p:cBhvr>
+                                        <p:cTn dur="1000"/>
+                                        <p:tgtEl>
+                                          <p:spTgt spid="159"/>
+                                        </p:tgtEl>
+                                      </p:cBhvr>
+                                    </p:animEffect>
+                                  </p:childTnLst>
+                                </p:cTn>
+                              </p:par>
+                            </p:childTnLst>
+                          </p:cTn>
+                        </p:par>
+                      </p:childTnLst>
+                    </p:cTn>
+                  </p:par>
+                  <p:par>
+                    <p:cTn fill="hold">
+                      <p:stCondLst>
+                        <p:cond delay="indefinite"/>
+                      </p:stCondLst>
+                      <p:childTnLst>
+                        <p:par>
+                          <p:cTn fill="hold">
+                            <p:stCondLst>
+                              <p:cond delay="0"/>
+                            </p:stCondLst>
+                            <p:childTnLst>
+                              <p:par>
+                                <p:cTn fill="hold" nodeType="clickEffect" presetClass="entr" presetID="10" presetSubtype="0">
+                                  <p:stCondLst>
+                                    <p:cond delay="0"/>
+                                  </p:stCondLst>
+                                  <p:childTnLst>
+                                    <p:set>
+                                      <p:cBhvr>
+                                        <p:cTn dur="1" fill="hold">
+                                          <p:stCondLst>
+                                            <p:cond delay="0"/>
+                                          </p:stCondLst>
+                                        </p:cTn>
+                                        <p:tgtEl>
+                                          <p:spTgt spid="160"/>
+                                        </p:tgtEl>
+                                        <p:attrNameLst>
+                                          <p:attrName>style.visibility</p:attrName>
+                                        </p:attrNameLst>
+                                      </p:cBhvr>
+                                      <p:to>
+                                        <p:strVal val="visible"/>
+                                      </p:to>
+                                    </p:set>
+                                    <p:animEffect filter="fade" transition="in">
+                                      <p:cBhvr>
+                                        <p:cTn dur="1000"/>
+                                        <p:tgtEl>
+                                          <p:spTgt spid="160"/>
+                                        </p:tgtEl>
+                                      </p:cBhvr>
+                                    </p:animEffect>
+                                  </p:childTnLst>
+                                </p:cTn>
+                              </p:par>
+                            </p:childTnLst>
+                          </p:cTn>
+                        </p:par>
+                      </p:childTnLst>
+                    </p:cTn>
+                  </p:par>
+                </p:childTnLst>
+              </p:cTn>
+              <p:prevCondLst>
+                <p:cond evt="onPrev">
+                  <p:tgtEl>
+                    <p:sldTgt/>
+                  </p:tgtEl>
+                </p:cond>
+              </p:prevCondLst>
+              <p:nextCondLst>
+                <p:cond evt="onNext">
+                  <p:tgtEl>
+                    <p:sldTgt/>
+                  </p:tgtEl>
+                </p:cond>
+              </p:nextCondLst>
+            </p:seq>
+          </p:childTnLst>
+        </p:cTn>
+      </p:par>
+    </p:tnLst>
+  </p:timing>
 </p:sld>
 </file>
 
 <file path=ppt/theme/theme1.xml><?xml version="1.0" encoding="utf-8"?>
+<a:theme xmlns:a="http://schemas.openxmlformats.org/drawingml/2006/main" xmlns:r="http://schemas.openxmlformats.org/officeDocument/2006/relationships" name="Arviragus template">
+  <a:themeElements>
+    <a:clrScheme name="Custom 347">
+      <a:dk1>
+        <a:srgbClr val="666666"/>
+      </a:dk1>
+      <a:lt1>
+        <a:srgbClr val="FFFFFF"/>
+      </a:lt1>
+      <a:dk2>
+        <a:srgbClr val="999999"/>
+      </a:dk2>
+      <a:lt2>
+        <a:srgbClr val="DCE2E7"/>
+      </a:lt2>
+      <a:accent1>
+        <a:srgbClr val="8BC34A"/>
+      </a:accent1>
+      <a:accent2>
+        <a:srgbClr val="00BCD4"/>
+      </a:accent2>
+      <a:accent3>
+        <a:srgbClr val="9C27B0"/>
+      </a:accent3>
+      <a:accent4>
+        <a:srgbClr val="E91E63"/>
+      </a:accent4>
+      <a:accent5>
+        <a:srgbClr val="FF9800"/>
+      </a:accent5>
+      <a:accent6>
+        <a:srgbClr val="FFEB3B"/>
+      </a:accent6>
+      <a:hlink>
+        <a:srgbClr val="2196F3"/>
+      </a:hlink>
+      <a:folHlink>
+        <a:srgbClr val="6611CC"/>
+      </a:folHlink>
+    </a:clrScheme>
+    <a:fontScheme name="Office">
+      <a:majorFont>
+        <a:latin typeface="Arial"/>
+        <a:ea typeface=""/>
+        <a:cs typeface=""/>
+        <a:font script="Jpan" typeface="ＭＳ Ｐゴシック"/>
+        <a:font script="Hang" typeface="맑은 고딕"/>
+        <a:font script="Hans" typeface="宋体"/>
+        <a:font script="Hant" typeface="新細明體"/>
+        <a:font script="Arab" typeface="Times New Roman"/>
+        <a:font script="Hebr" typeface="Times New Roman"/>
+        <a:font script="Thai" typeface="Angsana New"/>
+        <a:font script="Ethi" typeface="Nyala"/>
+        <a:font script="Beng" typeface="Vrinda"/>
+        <a:font script="Gujr" typeface="Shruti"/>
+        <a:font script="Khmr" typeface="MoolBoran"/>
+        <a:font script="Knda" typeface="Tunga"/>
+        <a:font script="Guru" typeface="Raavi"/>
+        <a:font script="Cans" typeface="Euphemia"/>
+        <a:font script="Cher" typeface="Plantagenet Cherokee"/>
+        <a:font script="Yiii" typeface="Microsoft Yi Baiti"/>
+        <a:font script="Tibt" typeface="Microsoft Himalaya"/>
+        <a:font script="Thaa" typeface="MV Boli"/>
+        <a:font script="Deva" typeface="Mangal"/>
+        <a:font script="Telu" typeface="Gautami"/>
+        <a:font script="Taml" typeface="Latha"/>
+        <a:font script="Syrc" typeface="Estrangelo Edessa"/>
+        <a:font script="Orya" typeface="Kalinga"/>
+        <a:font script="Mlym" typeface="Kartika"/>
+        <a:font script="Laoo" typeface="DokChampa"/>
+        <a:font script="Sinh" typeface="Iskoola Pota"/>
+        <a:font script="Mong" typeface="Mongolian Baiti"/>
+        <a:font script="Viet" typeface="Times New Roman"/>
+        <a:font script="Uigh" typeface="Microsoft Uighur"/>
+        <a:font script="Geor" typeface="Sylfaen"/>
+      </a:majorFont>
+      <a:minorFont>
+        <a:latin typeface="Arial"/>
+        <a:ea typeface=""/>
+        <a:cs typeface=""/>
+        <a:font script="Jpan" typeface="ＭＳ Ｐゴシック"/>
+        <a:font script="Hang" typeface="맑은 고딕"/>
+        <a:font script="Hans" typeface="宋体"/>
+        <a:font script="Hant" typeface="新細明體"/>
+        <a:font script="Arab" typeface="Arial"/>
+        <a:font script="Hebr" typeface="Arial"/>
+        <a:font script="Thai" typeface="Cordia New"/>
+        <a:font script="Ethi" typeface="Nyala"/>
+        <a:font script="Beng" typeface="Vrinda"/>
+        <a:font script="Gujr" typeface="Shruti"/>
+        <a:font script="Khmr" typeface="DaunPenh"/>
+        <a:font script="Knda" typeface="Tunga"/>
+        <a:font script="Guru" typeface="Raavi"/>
+        <a:font script="Cans" typeface="Euphemia"/>
+        <a:font script="Cher" typeface="Plantagenet Cherokee"/>
+        <a:font script="Yiii" typeface="Microsoft Yi Baiti"/>
+        <a:font script="Tibt" typeface="Microsoft Himalaya"/>
+        <a:font script="Thaa" typeface="MV Boli"/>
+        <a:font script="Deva" typeface="Mangal"/>
+        <a:font script="Telu" typeface="Gautami"/>
+        <a:font script="Taml" typeface="Latha"/>
+        <a:font script="Syrc" typeface="Estrangelo Edessa"/>
+        <a:font script="Orya" typeface="Kalinga"/>
+        <a:font script="Mlym" typeface="Kartika"/>
+        <a:font script="Laoo" typeface="DokChampa"/>
+        <a:font script="Sinh" typeface="Iskoola Pota"/>
+        <a:font script="Mong" typeface="Mongolian Baiti"/>
+        <a:font script="Viet" typeface="Arial"/>
+        <a:font script="Uigh" typeface="Microsoft Uighur"/>
+        <a:font script="Geor" typeface="Sylfaen"/>
+      </a:minorFont>
+    </a:fontScheme>
+    <a:fmtScheme name="Office">
+      <a:fillStyleLst>
+        <a:solidFill>
+          <a:schemeClr val="phClr"/>
+        </a:solidFill>
+        <a:gradFill rotWithShape="1">
+          <a:gsLst>
+            <a:gs pos="0">
+              <a:schemeClr val="phClr">
+                <a:tint val="50000"/>
+                <a:satMod val="300000"/>
+              </a:schemeClr>
+            </a:gs>
+            <a:gs pos="35000">
+              <a:schemeClr val="phClr">
+                <a:tint val="37000"/>
+                <a:satMod val="300000"/>
+              </a:schemeClr>
+            </a:gs>
+            <a:gs pos="100000">
+              <a:schemeClr val="phClr">
+                <a:tint val="15000"/>
+                <a:satMod val="350000"/>
+              </a:schemeClr>
+            </a:gs>
+          </a:gsLst>
+          <a:lin ang="16200000" scaled="1"/>
+        </a:gradFill>
+        <a:gradFill rotWithShape="1">
+          <a:gsLst>
+            <a:gs pos="0">
+              <a:schemeClr val="phClr">
+                <a:tint val="100000"/>
+                <a:shade val="100000"/>
+                <a:satMod val="130000"/>
+              </a:schemeClr>
+            </a:gs>
+            <a:gs pos="100000">
+              <a:schemeClr val="phClr">
+                <a:tint val="50000"/>
+                <a:shade val="100000"/>
+                <a:satMod val="350000"/>
+              </a:schemeClr>
+            </a:gs>
+          </a:gsLst>
+          <a:lin ang="16200000" scaled="0"/>
+        </a:gradFill>
+      </a:fillStyleLst>
+      <a:lnStyleLst>
+        <a:ln w="9525" cap="flat" cmpd="sng" algn="ctr">
+          <a:solidFill>
+            <a:schemeClr val="phClr">
+              <a:shade val="95000"/>
+              <a:satMod val="105000"/>
+            </a:schemeClr>
+          </a:solidFill>
+          <a:prstDash val="solid"/>
+        </a:ln>
+        <a:ln w="25400" cap="flat" cmpd="sng" algn="ctr">
+          <a:solidFill>
+            <a:schemeClr val="phClr"/>
+          </a:solidFill>
+          <a:prstDash val="solid"/>
+        </a:ln>
+        <a:ln w="38100" cap="flat" cmpd="sng" algn="ctr">
+          <a:solidFill>
+            <a:schemeClr val="phClr"/>
+          </a:solidFill>
+          <a:prstDash val="solid"/>
+        </a:ln>
+      </a:lnStyleLst>
+      <a:effectStyleLst>
+        <a:effectStyle>
+          <a:effectLst>
+            <a:outerShdw blurRad="40000" dist="20000" dir="5400000" rotWithShape="0">
+              <a:srgbClr val="000000">
+                <a:alpha val="38000"/>
+              </a:srgbClr>
+            </a:outerShdw>
+          </a:effectLst>
+        </a:effectStyle>
+        <a:effectStyle>
+          <a:effectLst>
+            <a:outerShdw blurRad="40000" dist="23000" dir="5400000" rotWithShape="0">
+              <a:srgbClr val="000000">
+                <a:alpha val="35000"/>
+              </a:srgbClr>
+            </a:outerShdw>
+          </a:effectLst>
+        </a:effectStyle>
+        <a:effectStyle>
+          <a:effectLst>
+            <a:outerShdw blurRad="40000" dist="23000" dir="5400000" rotWithShape="0">
+              <a:srgbClr val="000000">
+                <a:alpha val="35000"/>
+              </a:srgbClr>
+            </a:outerShdw>
+          </a:effectLst>
+          <a:scene3d>
+            <a:camera prst="orthographicFront">
+              <a:rot lat="0" lon="0" rev="0"/>
+            </a:camera>
+            <a:lightRig rig="threePt" dir="t">
+              <a:rot lat="0" lon="0" rev="1200000"/>
+            </a:lightRig>
+          </a:scene3d>
+          <a:sp3d>
+            <a:bevelT w="63500" h="25400"/>
+          </a:sp3d>
+        </a:effectStyle>
+      </a:effectStyleLst>
+      <a:bgFillStyleLst>
+        <a:solidFill>
+          <a:schemeClr val="phClr"/>
+        </a:solidFill>
+        <a:gradFill rotWithShape="1">
+          <a:gsLst>
+            <a:gs pos="0">
+              <a:schemeClr val="phClr">
+                <a:tint val="40000"/>
+                <a:satMod val="350000"/>
+              </a:schemeClr>
+            </a:gs>
+            <a:gs pos="40000">
+              <a:schemeClr val="phClr">
+                <a:tint val="45000"/>
+                <a:shade val="99000"/>
+                <a:satMod val="350000"/>
+              </a:schemeClr>
+            </a:gs>
+            <a:gs pos="100000">
+              <a:schemeClr val="phClr">
+                <a:shade val="20000"/>
+                <a:satMod val="255000"/>
+              </a:schemeClr>
+            </a:gs>
+          </a:gsLst>
+          <a:path path="circle">
+            <a:fillToRect l="50000" t="-80000" r="50000" b="180000"/>
+          </a:path>
+        </a:gradFill>
+        <a:gradFill rotWithShape="1">
+          <a:gsLst>
+            <a:gs pos="0">
+              <a:schemeClr val="phClr">
+                <a:tint val="80000"/>
+                <a:satMod val="300000"/>
+              </a:schemeClr>
+            </a:gs>
+            <a:gs pos="100000">
+              <a:schemeClr val="phClr">
+                <a:shade val="30000"/>
+                <a:satMod val="200000"/>
+              </a:schemeClr>
+            </a:gs>
+          </a:gsLst>
+          <a:path path="circle">
+            <a:fillToRect l="50000" t="50000" r="50000" b="50000"/>
+          </a:path>
+        </a:gradFill>
+      </a:bgFillStyleLst>
+    </a:fmtScheme>
+  </a:themeElements>
+</a:theme>
+</file>
+
+<file path=ppt/theme/theme2.xml><?xml version="1.0" encoding="utf-8"?>
 <a:theme xmlns:a="http://schemas.openxmlformats.org/drawingml/2006/main" xmlns:r="http://schemas.openxmlformats.org/officeDocument/2006/relationships">
   <a:themeElements>
     <a:clrScheme name="Default">
@@ -12832,283 +17205,4 @@
     </a:fmtScheme>
   </a:themeElements>
 </a:theme>
-</file>
-
-<file path=ppt/theme/theme2.xml><?xml version="1.0" encoding="utf-8"?>
-<a:theme xmlns:a="http://schemas.openxmlformats.org/drawingml/2006/main" xmlns:r="http://schemas.openxmlformats.org/officeDocument/2006/relationships" name="Arviragus template">
-  <a:themeElements>
-    <a:clrScheme name="Custom 347">
-      <a:dk1>
-        <a:srgbClr val="666666"/>
-      </a:dk1>
-      <a:lt1>
-        <a:srgbClr val="FFFFFF"/>
-      </a:lt1>
-      <a:dk2>
-        <a:srgbClr val="999999"/>
-      </a:dk2>
-      <a:lt2>
-        <a:srgbClr val="DCE2E7"/>
-      </a:lt2>
-      <a:accent1>
-        <a:srgbClr val="8BC34A"/>
-      </a:accent1>
-      <a:accent2>
-        <a:srgbClr val="00BCD4"/>
-      </a:accent2>
-      <a:accent3>
-        <a:srgbClr val="9C27B0"/>
-      </a:accent3>
-      <a:accent4>
-        <a:srgbClr val="E91E63"/>
-      </a:accent4>
-      <a:accent5>
-        <a:srgbClr val="FF9800"/>
-      </a:accent5>
-      <a:accent6>
-        <a:srgbClr val="FFEB3B"/>
-      </a:accent6>
-      <a:hlink>
-        <a:srgbClr val="2196F3"/>
-      </a:hlink>
-      <a:folHlink>
-        <a:srgbClr val="6611CC"/>
-      </a:folHlink>
-    </a:clrScheme>
-    <a:fontScheme name="Office">
-      <a:majorFont>
-        <a:latin typeface="Arial"/>
-        <a:ea typeface=""/>
-        <a:cs typeface=""/>
-        <a:font script="Jpan" typeface="ＭＳ Ｐゴシック"/>
-        <a:font script="Hang" typeface="맑은 고딕"/>
-        <a:font script="Hans" typeface="宋体"/>
-        <a:font script="Hant" typeface="新細明體"/>
-        <a:font script="Arab" typeface="Times New Roman"/>
-        <a:font script="Hebr" typeface="Times New Roman"/>
-        <a:font script="Thai" typeface="Angsana New"/>
-        <a:font script="Ethi" typeface="Nyala"/>
-        <a:font script="Beng" typeface="Vrinda"/>
-        <a:font script="Gujr" typeface="Shruti"/>
-        <a:font script="Khmr" typeface="MoolBoran"/>
-        <a:font script="Knda" typeface="Tunga"/>
-        <a:font script="Guru" typeface="Raavi"/>
-        <a:font script="Cans" typeface="Euphemia"/>
-        <a:font script="Cher" typeface="Plantagenet Cherokee"/>
-        <a:font script="Yiii" typeface="Microsoft Yi Baiti"/>
-        <a:font script="Tibt" typeface="Microsoft Himalaya"/>
-        <a:font script="Thaa" typeface="MV Boli"/>
-        <a:font script="Deva" typeface="Mangal"/>
-        <a:font script="Telu" typeface="Gautami"/>
-        <a:font script="Taml" typeface="Latha"/>
-        <a:font script="Syrc" typeface="Estrangelo Edessa"/>
-        <a:font script="Orya" typeface="Kalinga"/>
-        <a:font script="Mlym" typeface="Kartika"/>
-        <a:font script="Laoo" typeface="DokChampa"/>
-        <a:font script="Sinh" typeface="Iskoola Pota"/>
-        <a:font script="Mong" typeface="Mongolian Baiti"/>
-        <a:font script="Viet" typeface="Times New Roman"/>
-        <a:font script="Uigh" typeface="Microsoft Uighur"/>
-        <a:font script="Geor" typeface="Sylfaen"/>
-      </a:majorFont>
-      <a:minorFont>
-        <a:latin typeface="Arial"/>
-        <a:ea typeface=""/>
-        <a:cs typeface=""/>
-        <a:font script="Jpan" typeface="ＭＳ Ｐゴシック"/>
-        <a:font script="Hang" typeface="맑은 고딕"/>
-        <a:font script="Hans" typeface="宋体"/>
-        <a:font script="Hant" typeface="新細明體"/>
-        <a:font script="Arab" typeface="Arial"/>
-        <a:font script="Hebr" typeface="Arial"/>
-        <a:font script="Thai" typeface="Cordia New"/>
-        <a:font script="Ethi" typeface="Nyala"/>
-        <a:font script="Beng" typeface="Vrinda"/>
-        <a:font script="Gujr" typeface="Shruti"/>
-        <a:font script="Khmr" typeface="DaunPenh"/>
-        <a:font script="Knda" typeface="Tunga"/>
-        <a:font script="Guru" typeface="Raavi"/>
-        <a:font script="Cans" typeface="Euphemia"/>
-        <a:font script="Cher" typeface="Plantagenet Cherokee"/>
-        <a:font script="Yiii" typeface="Microsoft Yi Baiti"/>
-        <a:font script="Tibt" typeface="Microsoft Himalaya"/>
-        <a:font script="Thaa" typeface="MV Boli"/>
-        <a:font script="Deva" typeface="Mangal"/>
-        <a:font script="Telu" typeface="Gautami"/>
-        <a:font script="Taml" typeface="Latha"/>
-        <a:font script="Syrc" typeface="Estrangelo Edessa"/>
-        <a:font script="Orya" typeface="Kalinga"/>
-        <a:font script="Mlym" typeface="Kartika"/>
-        <a:font script="Laoo" typeface="DokChampa"/>
-        <a:font script="Sinh" typeface="Iskoola Pota"/>
-        <a:font script="Mong" typeface="Mongolian Baiti"/>
-        <a:font script="Viet" typeface="Arial"/>
-        <a:font script="Uigh" typeface="Microsoft Uighur"/>
-        <a:font script="Geor" typeface="Sylfaen"/>
-      </a:minorFont>
-    </a:fontScheme>
-    <a:fmtScheme name="Office">
-      <a:fillStyleLst>
-        <a:solidFill>
-          <a:schemeClr val="phClr"/>
-        </a:solidFill>
-        <a:gradFill rotWithShape="1">
-          <a:gsLst>
-            <a:gs pos="0">
-              <a:schemeClr val="phClr">
-                <a:tint val="50000"/>
-                <a:satMod val="300000"/>
-              </a:schemeClr>
-            </a:gs>
-            <a:gs pos="35000">
-              <a:schemeClr val="phClr">
-                <a:tint val="37000"/>
-                <a:satMod val="300000"/>
-              </a:schemeClr>
-            </a:gs>
-            <a:gs pos="100000">
-              <a:schemeClr val="phClr">
-                <a:tint val="15000"/>
-                <a:satMod val="350000"/>
-              </a:schemeClr>
-            </a:gs>
-          </a:gsLst>
-          <a:lin ang="16200000" scaled="1"/>
-        </a:gradFill>
-        <a:gradFill rotWithShape="1">
-          <a:gsLst>
-            <a:gs pos="0">
-              <a:schemeClr val="phClr">
-                <a:tint val="100000"/>
-                <a:shade val="100000"/>
-                <a:satMod val="130000"/>
-              </a:schemeClr>
-            </a:gs>
-            <a:gs pos="100000">
-              <a:schemeClr val="phClr">
-                <a:tint val="50000"/>
-                <a:shade val="100000"/>
-                <a:satMod val="350000"/>
-              </a:schemeClr>
-            </a:gs>
-          </a:gsLst>
-          <a:lin ang="16200000" scaled="0"/>
-        </a:gradFill>
-      </a:fillStyleLst>
-      <a:lnStyleLst>
-        <a:ln w="9525" cap="flat" cmpd="sng" algn="ctr">
-          <a:solidFill>
-            <a:schemeClr val="phClr">
-              <a:shade val="95000"/>
-              <a:satMod val="105000"/>
-            </a:schemeClr>
-          </a:solidFill>
-          <a:prstDash val="solid"/>
-        </a:ln>
-        <a:ln w="25400" cap="flat" cmpd="sng" algn="ctr">
-          <a:solidFill>
-            <a:schemeClr val="phClr"/>
-          </a:solidFill>
-          <a:prstDash val="solid"/>
-        </a:ln>
-        <a:ln w="38100" cap="flat" cmpd="sng" algn="ctr">
-          <a:solidFill>
-            <a:schemeClr val="phClr"/>
-          </a:solidFill>
-          <a:prstDash val="solid"/>
-        </a:ln>
-      </a:lnStyleLst>
-      <a:effectStyleLst>
-        <a:effectStyle>
-          <a:effectLst>
-            <a:outerShdw blurRad="40000" dist="20000" dir="5400000" rotWithShape="0">
-              <a:srgbClr val="000000">
-                <a:alpha val="38000"/>
-              </a:srgbClr>
-            </a:outerShdw>
-          </a:effectLst>
-        </a:effectStyle>
-        <a:effectStyle>
-          <a:effectLst>
-            <a:outerShdw blurRad="40000" dist="23000" dir="5400000" rotWithShape="0">
-              <a:srgbClr val="000000">
-                <a:alpha val="35000"/>
-              </a:srgbClr>
-            </a:outerShdw>
-          </a:effectLst>
-        </a:effectStyle>
-        <a:effectStyle>
-          <a:effectLst>
-            <a:outerShdw blurRad="40000" dist="23000" dir="5400000" rotWithShape="0">
-              <a:srgbClr val="000000">
-                <a:alpha val="35000"/>
-              </a:srgbClr>
-            </a:outerShdw>
-          </a:effectLst>
-          <a:scene3d>
-            <a:camera prst="orthographicFront">
-              <a:rot lat="0" lon="0" rev="0"/>
-            </a:camera>
-            <a:lightRig rig="threePt" dir="t">
-              <a:rot lat="0" lon="0" rev="1200000"/>
-            </a:lightRig>
-          </a:scene3d>
-          <a:sp3d>
-            <a:bevelT w="63500" h="25400"/>
-          </a:sp3d>
-        </a:effectStyle>
-      </a:effectStyleLst>
-      <a:bgFillStyleLst>
-        <a:solidFill>
-          <a:schemeClr val="phClr"/>
-        </a:solidFill>
-        <a:gradFill rotWithShape="1">
-          <a:gsLst>
-            <a:gs pos="0">
-              <a:schemeClr val="phClr">
-                <a:tint val="40000"/>
-                <a:satMod val="350000"/>
-              </a:schemeClr>
-            </a:gs>
-            <a:gs pos="40000">
-              <a:schemeClr val="phClr">
-                <a:tint val="45000"/>
-                <a:shade val="99000"/>
-                <a:satMod val="350000"/>
-              </a:schemeClr>
-            </a:gs>
-            <a:gs pos="100000">
-              <a:schemeClr val="phClr">
-                <a:shade val="20000"/>
-                <a:satMod val="255000"/>
-              </a:schemeClr>
-            </a:gs>
-          </a:gsLst>
-          <a:path path="circle">
-            <a:fillToRect l="50000" t="-80000" r="50000" b="180000"/>
-          </a:path>
-        </a:gradFill>
-        <a:gradFill rotWithShape="1">
-          <a:gsLst>
-            <a:gs pos="0">
-              <a:schemeClr val="phClr">
-                <a:tint val="80000"/>
-                <a:satMod val="300000"/>
-              </a:schemeClr>
-            </a:gs>
-            <a:gs pos="100000">
-              <a:schemeClr val="phClr">
-                <a:shade val="30000"/>
-                <a:satMod val="200000"/>
-              </a:schemeClr>
-            </a:gs>
-          </a:gsLst>
-          <a:path path="circle">
-            <a:fillToRect l="50000" t="50000" r="50000" b="50000"/>
-          </a:path>
-        </a:gradFill>
-      </a:bgFillStyleLst>
-    </a:fmtScheme>
-  </a:themeElements>
-</a:theme>
 </file>